--- a/Lec-9-12-modeling-uml.pptx
+++ b/Lec-9-12-modeling-uml.pptx
@@ -5,7 +5,7 @@
     <p:sldMasterId id="2147483648" r:id="rId1"/>
   </p:sldMasterIdLst>
   <p:notesMasterIdLst>
-    <p:notesMasterId r:id="rId20"/>
+    <p:notesMasterId r:id="rId35"/>
   </p:notesMasterIdLst>
   <p:sldIdLst>
     <p:sldId id="337" r:id="rId2"/>
@@ -26,6 +26,21 @@
     <p:sldId id="443" r:id="rId17"/>
     <p:sldId id="444" r:id="rId18"/>
     <p:sldId id="445" r:id="rId19"/>
+    <p:sldId id="447" r:id="rId20"/>
+    <p:sldId id="446" r:id="rId21"/>
+    <p:sldId id="449" r:id="rId22"/>
+    <p:sldId id="448" r:id="rId23"/>
+    <p:sldId id="451" r:id="rId24"/>
+    <p:sldId id="452" r:id="rId25"/>
+    <p:sldId id="453" r:id="rId26"/>
+    <p:sldId id="454" r:id="rId27"/>
+    <p:sldId id="450" r:id="rId28"/>
+    <p:sldId id="455" r:id="rId29"/>
+    <p:sldId id="456" r:id="rId30"/>
+    <p:sldId id="457" r:id="rId31"/>
+    <p:sldId id="458" r:id="rId32"/>
+    <p:sldId id="459" r:id="rId33"/>
+    <p:sldId id="460" r:id="rId34"/>
   </p:sldIdLst>
   <p:sldSz cx="9144000" cy="6858000" type="screen4x3"/>
   <p:notesSz cx="6858000" cy="9144000"/>
@@ -307,7 +322,7 @@
               <a:pPr>
                 <a:defRPr/>
               </a:pPr>
-              <a:t>1/22/2026</a:t>
+              <a:t>1/27/2026</a:t>
             </a:fld>
             <a:endParaRPr lang="en-US"/>
           </a:p>
@@ -915,6 +930,96 @@
         </p:txBody>
       </p:sp>
     </p:spTree>
+  </p:cSld>
+  <p:clrMapOvr>
+    <a:masterClrMapping/>
+  </p:clrMapOvr>
+</p:notes>
+</file>
+
+<file path=ppt/notesSlides/notesSlide2.xml><?xml version="1.0" encoding="utf-8"?>
+<p:notes xmlns:a="http://schemas.openxmlformats.org/drawingml/2006/main" xmlns:r="http://schemas.openxmlformats.org/officeDocument/2006/relationships" xmlns:p="http://schemas.openxmlformats.org/presentationml/2006/main">
+  <p:cSld>
+    <p:spTree>
+      <p:nvGrpSpPr>
+        <p:cNvPr id="1" name=""/>
+        <p:cNvGrpSpPr/>
+        <p:nvPr/>
+      </p:nvGrpSpPr>
+      <p:grpSpPr>
+        <a:xfrm>
+          <a:off x="0" y="0"/>
+          <a:ext cx="0" cy="0"/>
+          <a:chOff x="0" y="0"/>
+          <a:chExt cx="0" cy="0"/>
+        </a:xfrm>
+      </p:grpSpPr>
+      <p:sp>
+        <p:nvSpPr>
+          <p:cNvPr id="2" name="Slide Image Placeholder 1"/>
+          <p:cNvSpPr>
+            <a:spLocks noGrp="1" noRot="1" noChangeAspect="1"/>
+          </p:cNvSpPr>
+          <p:nvPr>
+            <p:ph type="sldImg"/>
+          </p:nvPr>
+        </p:nvSpPr>
+        <p:spPr/>
+      </p:sp>
+      <p:sp>
+        <p:nvSpPr>
+          <p:cNvPr id="3" name="Notes Placeholder 2"/>
+          <p:cNvSpPr>
+            <a:spLocks noGrp="1"/>
+          </p:cNvSpPr>
+          <p:nvPr>
+            <p:ph type="body" idx="1"/>
+          </p:nvPr>
+        </p:nvSpPr>
+        <p:spPr/>
+        <p:txBody>
+          <a:bodyPr/>
+          <a:lstStyle/>
+          <a:p>
+            <a:endParaRPr lang="en-US" dirty="0"/>
+          </a:p>
+        </p:txBody>
+      </p:sp>
+      <p:sp>
+        <p:nvSpPr>
+          <p:cNvPr id="4" name="Slide Number Placeholder 3"/>
+          <p:cNvSpPr>
+            <a:spLocks noGrp="1"/>
+          </p:cNvSpPr>
+          <p:nvPr>
+            <p:ph type="sldNum" sz="quarter" idx="5"/>
+          </p:nvPr>
+        </p:nvSpPr>
+        <p:spPr/>
+        <p:txBody>
+          <a:bodyPr/>
+          <a:lstStyle/>
+          <a:p>
+            <a:pPr>
+              <a:defRPr/>
+            </a:pPr>
+            <a:fld id="{082BB320-F13B-41AF-BB84-306DCE92248C}" type="slidenum">
+              <a:rPr lang="en-US" altLang="en-US" smtClean="0"/>
+              <a:pPr>
+                <a:defRPr/>
+              </a:pPr>
+              <a:t>23</a:t>
+            </a:fld>
+            <a:endParaRPr lang="en-US" altLang="en-US"/>
+          </a:p>
+        </p:txBody>
+      </p:sp>
+    </p:spTree>
+    <p:extLst>
+      <p:ext uri="{BB962C8B-B14F-4D97-AF65-F5344CB8AC3E}">
+        <p14:creationId xmlns:p14="http://schemas.microsoft.com/office/powerpoint/2010/main" val="1030945012"/>
+      </p:ext>
+    </p:extLst>
   </p:cSld>
   <p:clrMapOvr>
     <a:masterClrMapping/>
@@ -11095,6 +11200,416 @@
 </p:sld>
 </file>
 
+<file path=ppt/slides/slide19.xml><?xml version="1.0" encoding="utf-8"?>
+<p:sld xmlns:a="http://schemas.openxmlformats.org/drawingml/2006/main" xmlns:r="http://schemas.openxmlformats.org/officeDocument/2006/relationships" xmlns:p="http://schemas.openxmlformats.org/presentationml/2006/main">
+  <p:cSld>
+    <p:spTree>
+      <p:nvGrpSpPr>
+        <p:cNvPr id="1" name=""/>
+        <p:cNvGrpSpPr/>
+        <p:nvPr/>
+      </p:nvGrpSpPr>
+      <p:grpSpPr>
+        <a:xfrm>
+          <a:off x="0" y="0"/>
+          <a:ext cx="0" cy="0"/>
+          <a:chOff x="0" y="0"/>
+          <a:chExt cx="0" cy="0"/>
+        </a:xfrm>
+      </p:grpSpPr>
+      <p:sp>
+        <p:nvSpPr>
+          <p:cNvPr id="2" name="Title 1">
+            <a:extLst>
+              <a:ext uri="{FF2B5EF4-FFF2-40B4-BE49-F238E27FC236}">
+                <a16:creationId xmlns:a16="http://schemas.microsoft.com/office/drawing/2014/main" id="{5E9E3510-A148-4283-9A26-FB0B9DDBC065}"/>
+              </a:ext>
+            </a:extLst>
+          </p:cNvPr>
+          <p:cNvSpPr>
+            <a:spLocks noGrp="1"/>
+          </p:cNvSpPr>
+          <p:nvPr>
+            <p:ph type="title"/>
+          </p:nvPr>
+        </p:nvSpPr>
+        <p:spPr/>
+        <p:txBody>
+          <a:bodyPr/>
+          <a:lstStyle/>
+          <a:p>
+            <a:r>
+              <a:rPr lang="en-US" dirty="0"/>
+              <a:t>Behavioral modeling with UML </a:t>
+            </a:r>
+            <a:r>
+              <a:rPr lang="en-US" dirty="0" err="1"/>
+              <a:t>statecharts</a:t>
+            </a:r>
+            <a:endParaRPr lang="en-US" dirty="0"/>
+          </a:p>
+        </p:txBody>
+      </p:sp>
+      <p:sp>
+        <p:nvSpPr>
+          <p:cNvPr id="3" name="Date Placeholder 2">
+            <a:extLst>
+              <a:ext uri="{FF2B5EF4-FFF2-40B4-BE49-F238E27FC236}">
+                <a16:creationId xmlns:a16="http://schemas.microsoft.com/office/drawing/2014/main" id="{978D9F81-F949-4416-AD5B-C4D5864076AE}"/>
+              </a:ext>
+            </a:extLst>
+          </p:cNvPr>
+          <p:cNvSpPr>
+            <a:spLocks noGrp="1"/>
+          </p:cNvSpPr>
+          <p:nvPr>
+            <p:ph type="dt" sz="half" idx="10"/>
+          </p:nvPr>
+        </p:nvSpPr>
+        <p:spPr/>
+        <p:txBody>
+          <a:bodyPr/>
+          <a:lstStyle/>
+          <a:p>
+            <a:pPr>
+              <a:defRPr/>
+            </a:pPr>
+            <a:r>
+              <a:rPr lang="en-US"/>
+              <a:t>21/12/2020</a:t>
+            </a:r>
+          </a:p>
+        </p:txBody>
+      </p:sp>
+      <p:sp>
+        <p:nvSpPr>
+          <p:cNvPr id="4" name="Slide Number Placeholder 3">
+            <a:extLst>
+              <a:ext uri="{FF2B5EF4-FFF2-40B4-BE49-F238E27FC236}">
+                <a16:creationId xmlns:a16="http://schemas.microsoft.com/office/drawing/2014/main" id="{24DC9ED3-E4AF-48F1-BBFE-2B0B63CF8E5F}"/>
+              </a:ext>
+            </a:extLst>
+          </p:cNvPr>
+          <p:cNvSpPr>
+            <a:spLocks noGrp="1"/>
+          </p:cNvSpPr>
+          <p:nvPr>
+            <p:ph type="sldNum" sz="quarter" idx="12"/>
+          </p:nvPr>
+        </p:nvSpPr>
+        <p:spPr/>
+        <p:txBody>
+          <a:bodyPr/>
+          <a:lstStyle/>
+          <a:p>
+            <a:pPr>
+              <a:defRPr/>
+            </a:pPr>
+            <a:fld id="{E79D9D01-1391-45E0-A9C5-C04635A43651}" type="slidenum">
+              <a:rPr lang="en-US" altLang="en-US" smtClean="0"/>
+              <a:pPr>
+                <a:defRPr/>
+              </a:pPr>
+              <a:t>19</a:t>
+            </a:fld>
+            <a:endParaRPr lang="en-US" altLang="en-US"/>
+          </a:p>
+        </p:txBody>
+      </p:sp>
+      <p:sp>
+        <p:nvSpPr>
+          <p:cNvPr id="5" name="Text Placeholder 4">
+            <a:extLst>
+              <a:ext uri="{FF2B5EF4-FFF2-40B4-BE49-F238E27FC236}">
+                <a16:creationId xmlns:a16="http://schemas.microsoft.com/office/drawing/2014/main" id="{9DEE8CAE-F21B-4A82-A923-E8588DA38BEC}"/>
+              </a:ext>
+            </a:extLst>
+          </p:cNvPr>
+          <p:cNvSpPr>
+            <a:spLocks noGrp="1"/>
+          </p:cNvSpPr>
+          <p:nvPr>
+            <p:ph type="body" sz="quarter" idx="13"/>
+          </p:nvPr>
+        </p:nvSpPr>
+        <p:spPr/>
+        <p:txBody>
+          <a:bodyPr>
+            <a:normAutofit fontScale="92500" lnSpcReduction="20000"/>
+          </a:bodyPr>
+          <a:lstStyle/>
+          <a:p>
+            <a:r>
+              <a:rPr lang="en-US" dirty="0"/>
+              <a:t>Embedded systems are event-driven</a:t>
+            </a:r>
+          </a:p>
+          <a:p>
+            <a:r>
+              <a:rPr lang="en-US" dirty="0" err="1"/>
+              <a:t>Statecharts</a:t>
+            </a:r>
+            <a:r>
+              <a:rPr lang="en-US" dirty="0"/>
+              <a:t> allow reasoning about system behavior as a whole</a:t>
+            </a:r>
+          </a:p>
+          <a:p>
+            <a:r>
+              <a:rPr lang="en-US" dirty="0"/>
+              <a:t>Ensures for every state and input there is a unique, well-defined outcome</a:t>
+            </a:r>
+          </a:p>
+          <a:p>
+            <a:r>
+              <a:rPr lang="en-US" dirty="0"/>
+              <a:t>Prove system cannot enter into a deadly / undefined state</a:t>
+            </a:r>
+          </a:p>
+        </p:txBody>
+      </p:sp>
+    </p:spTree>
+    <p:extLst>
+      <p:ext uri="{BB962C8B-B14F-4D97-AF65-F5344CB8AC3E}">
+        <p14:creationId xmlns:p14="http://schemas.microsoft.com/office/powerpoint/2010/main" val="589021298"/>
+      </p:ext>
+    </p:extLst>
+  </p:cSld>
+  <p:clrMapOvr>
+    <a:masterClrMapping/>
+  </p:clrMapOvr>
+  <p:timing>
+    <p:tnLst>
+      <p:par>
+        <p:cTn id="1" dur="indefinite" restart="never" nodeType="tmRoot">
+          <p:childTnLst>
+            <p:seq concurrent="1" nextAc="seek">
+              <p:cTn id="2" dur="indefinite" nodeType="mainSeq">
+                <p:childTnLst>
+                  <p:par>
+                    <p:cTn id="3" fill="hold">
+                      <p:stCondLst>
+                        <p:cond delay="indefinite"/>
+                      </p:stCondLst>
+                      <p:childTnLst>
+                        <p:par>
+                          <p:cTn id="4" fill="hold">
+                            <p:stCondLst>
+                              <p:cond delay="0"/>
+                            </p:stCondLst>
+                            <p:childTnLst>
+                              <p:par>
+                                <p:cTn id="5" presetID="1" presetClass="entr" presetSubtype="0" fill="hold" grpId="0" nodeType="clickEffect">
+                                  <p:stCondLst>
+                                    <p:cond delay="0"/>
+                                  </p:stCondLst>
+                                  <p:childTnLst>
+                                    <p:set>
+                                      <p:cBhvr>
+                                        <p:cTn id="6" dur="1" fill="hold">
+                                          <p:stCondLst>
+                                            <p:cond delay="0"/>
+                                          </p:stCondLst>
+                                        </p:cTn>
+                                        <p:tgtEl>
+                                          <p:spTgt spid="5">
+                                            <p:txEl>
+                                              <p:pRg st="0" end="0"/>
+                                            </p:txEl>
+                                          </p:spTgt>
+                                        </p:tgtEl>
+                                        <p:attrNameLst>
+                                          <p:attrName>style.visibility</p:attrName>
+                                        </p:attrNameLst>
+                                      </p:cBhvr>
+                                      <p:to>
+                                        <p:strVal val="visible"/>
+                                      </p:to>
+                                    </p:set>
+                                  </p:childTnLst>
+                                </p:cTn>
+                              </p:par>
+                            </p:childTnLst>
+                          </p:cTn>
+                        </p:par>
+                      </p:childTnLst>
+                    </p:cTn>
+                  </p:par>
+                  <p:par>
+                    <p:cTn id="7" fill="hold">
+                      <p:stCondLst>
+                        <p:cond delay="indefinite"/>
+                      </p:stCondLst>
+                      <p:childTnLst>
+                        <p:par>
+                          <p:cTn id="8" fill="hold">
+                            <p:stCondLst>
+                              <p:cond delay="0"/>
+                            </p:stCondLst>
+                            <p:childTnLst>
+                              <p:par>
+                                <p:cTn id="9" presetID="1" presetClass="entr" presetSubtype="0" fill="hold" grpId="0" nodeType="clickEffect">
+                                  <p:stCondLst>
+                                    <p:cond delay="0"/>
+                                  </p:stCondLst>
+                                  <p:childTnLst>
+                                    <p:set>
+                                      <p:cBhvr>
+                                        <p:cTn id="10" dur="1" fill="hold">
+                                          <p:stCondLst>
+                                            <p:cond delay="0"/>
+                                          </p:stCondLst>
+                                        </p:cTn>
+                                        <p:tgtEl>
+                                          <p:spTgt spid="5">
+                                            <p:txEl>
+                                              <p:pRg st="1" end="1"/>
+                                            </p:txEl>
+                                          </p:spTgt>
+                                        </p:tgtEl>
+                                        <p:attrNameLst>
+                                          <p:attrName>style.visibility</p:attrName>
+                                        </p:attrNameLst>
+                                      </p:cBhvr>
+                                      <p:to>
+                                        <p:strVal val="visible"/>
+                                      </p:to>
+                                    </p:set>
+                                  </p:childTnLst>
+                                </p:cTn>
+                              </p:par>
+                            </p:childTnLst>
+                          </p:cTn>
+                        </p:par>
+                      </p:childTnLst>
+                    </p:cTn>
+                  </p:par>
+                  <p:par>
+                    <p:cTn id="11" fill="hold">
+                      <p:stCondLst>
+                        <p:cond delay="indefinite"/>
+                      </p:stCondLst>
+                      <p:childTnLst>
+                        <p:par>
+                          <p:cTn id="12" fill="hold">
+                            <p:stCondLst>
+                              <p:cond delay="0"/>
+                            </p:stCondLst>
+                            <p:childTnLst>
+                              <p:par>
+                                <p:cTn id="13" presetID="1" presetClass="entr" presetSubtype="0" fill="hold" grpId="0" nodeType="clickEffect">
+                                  <p:stCondLst>
+                                    <p:cond delay="0"/>
+                                  </p:stCondLst>
+                                  <p:childTnLst>
+                                    <p:set>
+                                      <p:cBhvr>
+                                        <p:cTn id="14" dur="1" fill="hold">
+                                          <p:stCondLst>
+                                            <p:cond delay="0"/>
+                                          </p:stCondLst>
+                                        </p:cTn>
+                                        <p:tgtEl>
+                                          <p:spTgt spid="5">
+                                            <p:txEl>
+                                              <p:pRg st="2" end="2"/>
+                                            </p:txEl>
+                                          </p:spTgt>
+                                        </p:tgtEl>
+                                        <p:attrNameLst>
+                                          <p:attrName>style.visibility</p:attrName>
+                                        </p:attrNameLst>
+                                      </p:cBhvr>
+                                      <p:to>
+                                        <p:strVal val="visible"/>
+                                      </p:to>
+                                    </p:set>
+                                  </p:childTnLst>
+                                </p:cTn>
+                              </p:par>
+                            </p:childTnLst>
+                          </p:cTn>
+                        </p:par>
+                      </p:childTnLst>
+                    </p:cTn>
+                  </p:par>
+                  <p:par>
+                    <p:cTn id="15" fill="hold">
+                      <p:stCondLst>
+                        <p:cond delay="indefinite"/>
+                      </p:stCondLst>
+                      <p:childTnLst>
+                        <p:par>
+                          <p:cTn id="16" fill="hold">
+                            <p:stCondLst>
+                              <p:cond delay="0"/>
+                            </p:stCondLst>
+                            <p:childTnLst>
+                              <p:par>
+                                <p:cTn id="17" presetID="1" presetClass="entr" presetSubtype="0" fill="hold" grpId="0" nodeType="clickEffect">
+                                  <p:stCondLst>
+                                    <p:cond delay="0"/>
+                                  </p:stCondLst>
+                                  <p:childTnLst>
+                                    <p:set>
+                                      <p:cBhvr>
+                                        <p:cTn id="18" dur="1" fill="hold">
+                                          <p:stCondLst>
+                                            <p:cond delay="0"/>
+                                          </p:stCondLst>
+                                        </p:cTn>
+                                        <p:tgtEl>
+                                          <p:spTgt spid="5">
+                                            <p:txEl>
+                                              <p:pRg st="3" end="3"/>
+                                            </p:txEl>
+                                          </p:spTgt>
+                                        </p:tgtEl>
+                                        <p:attrNameLst>
+                                          <p:attrName>style.visibility</p:attrName>
+                                        </p:attrNameLst>
+                                      </p:cBhvr>
+                                      <p:to>
+                                        <p:strVal val="visible"/>
+                                      </p:to>
+                                    </p:set>
+                                  </p:childTnLst>
+                                </p:cTn>
+                              </p:par>
+                            </p:childTnLst>
+                          </p:cTn>
+                        </p:par>
+                      </p:childTnLst>
+                    </p:cTn>
+                  </p:par>
+                </p:childTnLst>
+              </p:cTn>
+              <p:prevCondLst>
+                <p:cond evt="onPrev" delay="0">
+                  <p:tgtEl>
+                    <p:sldTgt/>
+                  </p:tgtEl>
+                </p:cond>
+              </p:prevCondLst>
+              <p:nextCondLst>
+                <p:cond evt="onNext" delay="0">
+                  <p:tgtEl>
+                    <p:sldTgt/>
+                  </p:tgtEl>
+                </p:cond>
+              </p:nextCondLst>
+            </p:seq>
+          </p:childTnLst>
+        </p:cTn>
+      </p:par>
+    </p:tnLst>
+    <p:bldLst>
+      <p:bldP spid="5" grpId="0" build="p"/>
+    </p:bldLst>
+  </p:timing>
+</p:sld>
+</file>
+
 <file path=ppt/slides/slide2.xml><?xml version="1.0" encoding="utf-8"?>
 <p:sld xmlns:a="http://schemas.openxmlformats.org/drawingml/2006/main" xmlns:r="http://schemas.openxmlformats.org/officeDocument/2006/relationships" xmlns:p="http://schemas.openxmlformats.org/presentationml/2006/main">
   <p:cSld>
@@ -11633,6 +12148,4560 @@
 </p:sld>
 </file>
 
+<file path=ppt/slides/slide20.xml><?xml version="1.0" encoding="utf-8"?>
+<p:sld xmlns:a="http://schemas.openxmlformats.org/drawingml/2006/main" xmlns:r="http://schemas.openxmlformats.org/officeDocument/2006/relationships" xmlns:p="http://schemas.openxmlformats.org/presentationml/2006/main">
+  <p:cSld>
+    <p:spTree>
+      <p:nvGrpSpPr>
+        <p:cNvPr id="1" name=""/>
+        <p:cNvGrpSpPr/>
+        <p:nvPr/>
+      </p:nvGrpSpPr>
+      <p:grpSpPr>
+        <a:xfrm>
+          <a:off x="0" y="0"/>
+          <a:ext cx="0" cy="0"/>
+          <a:chOff x="0" y="0"/>
+          <a:chExt cx="0" cy="0"/>
+        </a:xfrm>
+      </p:grpSpPr>
+      <p:sp>
+        <p:nvSpPr>
+          <p:cNvPr id="2" name="Title 1">
+            <a:extLst>
+              <a:ext uri="{FF2B5EF4-FFF2-40B4-BE49-F238E27FC236}">
+                <a16:creationId xmlns:a16="http://schemas.microsoft.com/office/drawing/2014/main" id="{25440ED7-FF24-4320-B754-D49FD9C8D141}"/>
+              </a:ext>
+            </a:extLst>
+          </p:cNvPr>
+          <p:cNvSpPr>
+            <a:spLocks noGrp="1"/>
+          </p:cNvSpPr>
+          <p:nvPr>
+            <p:ph type="title"/>
+          </p:nvPr>
+        </p:nvSpPr>
+        <p:spPr/>
+        <p:txBody>
+          <a:bodyPr/>
+          <a:lstStyle/>
+          <a:p>
+            <a:r>
+              <a:rPr lang="en-US" dirty="0"/>
+              <a:t>States, events and transitions</a:t>
+            </a:r>
+          </a:p>
+        </p:txBody>
+      </p:sp>
+      <p:sp>
+        <p:nvSpPr>
+          <p:cNvPr id="3" name="Content Placeholder 2">
+            <a:extLst>
+              <a:ext uri="{FF2B5EF4-FFF2-40B4-BE49-F238E27FC236}">
+                <a16:creationId xmlns:a16="http://schemas.microsoft.com/office/drawing/2014/main" id="{5879CCDD-DD5D-4F81-BD6A-32F392F903CA}"/>
+              </a:ext>
+            </a:extLst>
+          </p:cNvPr>
+          <p:cNvSpPr>
+            <a:spLocks noGrp="1"/>
+          </p:cNvSpPr>
+          <p:nvPr>
+            <p:ph idx="1"/>
+          </p:nvPr>
+        </p:nvSpPr>
+        <p:spPr/>
+        <p:txBody>
+          <a:bodyPr>
+            <a:normAutofit lnSpcReduction="10000"/>
+          </a:bodyPr>
+          <a:lstStyle/>
+          <a:p>
+            <a:r>
+              <a:rPr lang="en-US" dirty="0"/>
+              <a:t>State: represents a specific, finite condition or mode in an object's lifecycle, where it exhibits consistent behavior in response to events</a:t>
+            </a:r>
+          </a:p>
+          <a:p>
+            <a:r>
+              <a:rPr lang="en-US" dirty="0"/>
+              <a:t>Event: a significant occurrence, stimulus, or message that triggers a transition from one state to another</a:t>
+            </a:r>
+          </a:p>
+          <a:p>
+            <a:pPr lvl="1"/>
+            <a:r>
+              <a:rPr lang="en-US" dirty="0"/>
+              <a:t>Interrupt driven (triggered by external actors)</a:t>
+            </a:r>
+          </a:p>
+          <a:p>
+            <a:pPr lvl="1"/>
+            <a:r>
+              <a:rPr lang="en-US" dirty="0"/>
+              <a:t>Time-triggered</a:t>
+            </a:r>
+          </a:p>
+          <a:p>
+            <a:r>
+              <a:rPr lang="en-US" dirty="0"/>
+              <a:t>Transition: change from one state to another driven by an event</a:t>
+            </a:r>
+          </a:p>
+        </p:txBody>
+      </p:sp>
+      <p:sp>
+        <p:nvSpPr>
+          <p:cNvPr id="4" name="Date Placeholder 3">
+            <a:extLst>
+              <a:ext uri="{FF2B5EF4-FFF2-40B4-BE49-F238E27FC236}">
+                <a16:creationId xmlns:a16="http://schemas.microsoft.com/office/drawing/2014/main" id="{9B08178E-3EC3-4181-91E8-43196A02F2FD}"/>
+              </a:ext>
+            </a:extLst>
+          </p:cNvPr>
+          <p:cNvSpPr>
+            <a:spLocks noGrp="1"/>
+          </p:cNvSpPr>
+          <p:nvPr>
+            <p:ph type="dt" sz="half" idx="10"/>
+          </p:nvPr>
+        </p:nvSpPr>
+        <p:spPr/>
+        <p:txBody>
+          <a:bodyPr/>
+          <a:lstStyle/>
+          <a:p>
+            <a:pPr>
+              <a:defRPr/>
+            </a:pPr>
+            <a:r>
+              <a:rPr lang="en-US"/>
+              <a:t>21/12/2020</a:t>
+            </a:r>
+          </a:p>
+        </p:txBody>
+      </p:sp>
+      <p:sp>
+        <p:nvSpPr>
+          <p:cNvPr id="5" name="Slide Number Placeholder 4">
+            <a:extLst>
+              <a:ext uri="{FF2B5EF4-FFF2-40B4-BE49-F238E27FC236}">
+                <a16:creationId xmlns:a16="http://schemas.microsoft.com/office/drawing/2014/main" id="{D54441C0-2628-4A0E-B94F-8CEF807F3BFB}"/>
+              </a:ext>
+            </a:extLst>
+          </p:cNvPr>
+          <p:cNvSpPr>
+            <a:spLocks noGrp="1"/>
+          </p:cNvSpPr>
+          <p:nvPr>
+            <p:ph type="sldNum" sz="quarter" idx="12"/>
+          </p:nvPr>
+        </p:nvSpPr>
+        <p:spPr/>
+        <p:txBody>
+          <a:bodyPr/>
+          <a:lstStyle/>
+          <a:p>
+            <a:pPr>
+              <a:defRPr/>
+            </a:pPr>
+            <a:fld id="{CA887A73-1AE0-46F8-856A-18EA1CF30A1B}" type="slidenum">
+              <a:rPr lang="en-US" altLang="en-US" smtClean="0"/>
+              <a:pPr>
+                <a:defRPr/>
+              </a:pPr>
+              <a:t>20</a:t>
+            </a:fld>
+            <a:endParaRPr lang="en-US" altLang="en-US"/>
+          </a:p>
+        </p:txBody>
+      </p:sp>
+    </p:spTree>
+    <p:extLst>
+      <p:ext uri="{BB962C8B-B14F-4D97-AF65-F5344CB8AC3E}">
+        <p14:creationId xmlns:p14="http://schemas.microsoft.com/office/powerpoint/2010/main" val="3097199721"/>
+      </p:ext>
+    </p:extLst>
+  </p:cSld>
+  <p:clrMapOvr>
+    <a:masterClrMapping/>
+  </p:clrMapOvr>
+  <p:timing>
+    <p:tnLst>
+      <p:par>
+        <p:cTn id="1" dur="indefinite" restart="never" nodeType="tmRoot">
+          <p:childTnLst>
+            <p:seq concurrent="1" nextAc="seek">
+              <p:cTn id="2" dur="indefinite" nodeType="mainSeq">
+                <p:childTnLst>
+                  <p:par>
+                    <p:cTn id="3" fill="hold">
+                      <p:stCondLst>
+                        <p:cond delay="indefinite"/>
+                      </p:stCondLst>
+                      <p:childTnLst>
+                        <p:par>
+                          <p:cTn id="4" fill="hold">
+                            <p:stCondLst>
+                              <p:cond delay="0"/>
+                            </p:stCondLst>
+                            <p:childTnLst>
+                              <p:par>
+                                <p:cTn id="5" presetID="1" presetClass="entr" presetSubtype="0" fill="hold" grpId="0" nodeType="clickEffect">
+                                  <p:stCondLst>
+                                    <p:cond delay="0"/>
+                                  </p:stCondLst>
+                                  <p:childTnLst>
+                                    <p:set>
+                                      <p:cBhvr>
+                                        <p:cTn id="6" dur="1" fill="hold">
+                                          <p:stCondLst>
+                                            <p:cond delay="0"/>
+                                          </p:stCondLst>
+                                        </p:cTn>
+                                        <p:tgtEl>
+                                          <p:spTgt spid="3">
+                                            <p:txEl>
+                                              <p:pRg st="0" end="0"/>
+                                            </p:txEl>
+                                          </p:spTgt>
+                                        </p:tgtEl>
+                                        <p:attrNameLst>
+                                          <p:attrName>style.visibility</p:attrName>
+                                        </p:attrNameLst>
+                                      </p:cBhvr>
+                                      <p:to>
+                                        <p:strVal val="visible"/>
+                                      </p:to>
+                                    </p:set>
+                                  </p:childTnLst>
+                                </p:cTn>
+                              </p:par>
+                            </p:childTnLst>
+                          </p:cTn>
+                        </p:par>
+                      </p:childTnLst>
+                    </p:cTn>
+                  </p:par>
+                  <p:par>
+                    <p:cTn id="7" fill="hold">
+                      <p:stCondLst>
+                        <p:cond delay="indefinite"/>
+                      </p:stCondLst>
+                      <p:childTnLst>
+                        <p:par>
+                          <p:cTn id="8" fill="hold">
+                            <p:stCondLst>
+                              <p:cond delay="0"/>
+                            </p:stCondLst>
+                            <p:childTnLst>
+                              <p:par>
+                                <p:cTn id="9" presetID="1" presetClass="entr" presetSubtype="0" fill="hold" grpId="0" nodeType="clickEffect">
+                                  <p:stCondLst>
+                                    <p:cond delay="0"/>
+                                  </p:stCondLst>
+                                  <p:childTnLst>
+                                    <p:set>
+                                      <p:cBhvr>
+                                        <p:cTn id="10" dur="1" fill="hold">
+                                          <p:stCondLst>
+                                            <p:cond delay="0"/>
+                                          </p:stCondLst>
+                                        </p:cTn>
+                                        <p:tgtEl>
+                                          <p:spTgt spid="3">
+                                            <p:txEl>
+                                              <p:pRg st="1" end="1"/>
+                                            </p:txEl>
+                                          </p:spTgt>
+                                        </p:tgtEl>
+                                        <p:attrNameLst>
+                                          <p:attrName>style.visibility</p:attrName>
+                                        </p:attrNameLst>
+                                      </p:cBhvr>
+                                      <p:to>
+                                        <p:strVal val="visible"/>
+                                      </p:to>
+                                    </p:set>
+                                  </p:childTnLst>
+                                </p:cTn>
+                              </p:par>
+                            </p:childTnLst>
+                          </p:cTn>
+                        </p:par>
+                      </p:childTnLst>
+                    </p:cTn>
+                  </p:par>
+                  <p:par>
+                    <p:cTn id="11" fill="hold">
+                      <p:stCondLst>
+                        <p:cond delay="indefinite"/>
+                      </p:stCondLst>
+                      <p:childTnLst>
+                        <p:par>
+                          <p:cTn id="12" fill="hold">
+                            <p:stCondLst>
+                              <p:cond delay="0"/>
+                            </p:stCondLst>
+                            <p:childTnLst>
+                              <p:par>
+                                <p:cTn id="13" presetID="1" presetClass="entr" presetSubtype="0" fill="hold" grpId="0" nodeType="clickEffect">
+                                  <p:stCondLst>
+                                    <p:cond delay="0"/>
+                                  </p:stCondLst>
+                                  <p:childTnLst>
+                                    <p:set>
+                                      <p:cBhvr>
+                                        <p:cTn id="14" dur="1" fill="hold">
+                                          <p:stCondLst>
+                                            <p:cond delay="0"/>
+                                          </p:stCondLst>
+                                        </p:cTn>
+                                        <p:tgtEl>
+                                          <p:spTgt spid="3">
+                                            <p:txEl>
+                                              <p:pRg st="2" end="2"/>
+                                            </p:txEl>
+                                          </p:spTgt>
+                                        </p:tgtEl>
+                                        <p:attrNameLst>
+                                          <p:attrName>style.visibility</p:attrName>
+                                        </p:attrNameLst>
+                                      </p:cBhvr>
+                                      <p:to>
+                                        <p:strVal val="visible"/>
+                                      </p:to>
+                                    </p:set>
+                                  </p:childTnLst>
+                                </p:cTn>
+                              </p:par>
+                            </p:childTnLst>
+                          </p:cTn>
+                        </p:par>
+                      </p:childTnLst>
+                    </p:cTn>
+                  </p:par>
+                  <p:par>
+                    <p:cTn id="15" fill="hold">
+                      <p:stCondLst>
+                        <p:cond delay="indefinite"/>
+                      </p:stCondLst>
+                      <p:childTnLst>
+                        <p:par>
+                          <p:cTn id="16" fill="hold">
+                            <p:stCondLst>
+                              <p:cond delay="0"/>
+                            </p:stCondLst>
+                            <p:childTnLst>
+                              <p:par>
+                                <p:cTn id="17" presetID="1" presetClass="entr" presetSubtype="0" fill="hold" grpId="0" nodeType="clickEffect">
+                                  <p:stCondLst>
+                                    <p:cond delay="0"/>
+                                  </p:stCondLst>
+                                  <p:childTnLst>
+                                    <p:set>
+                                      <p:cBhvr>
+                                        <p:cTn id="18" dur="1" fill="hold">
+                                          <p:stCondLst>
+                                            <p:cond delay="0"/>
+                                          </p:stCondLst>
+                                        </p:cTn>
+                                        <p:tgtEl>
+                                          <p:spTgt spid="3">
+                                            <p:txEl>
+                                              <p:pRg st="3" end="3"/>
+                                            </p:txEl>
+                                          </p:spTgt>
+                                        </p:tgtEl>
+                                        <p:attrNameLst>
+                                          <p:attrName>style.visibility</p:attrName>
+                                        </p:attrNameLst>
+                                      </p:cBhvr>
+                                      <p:to>
+                                        <p:strVal val="visible"/>
+                                      </p:to>
+                                    </p:set>
+                                  </p:childTnLst>
+                                </p:cTn>
+                              </p:par>
+                            </p:childTnLst>
+                          </p:cTn>
+                        </p:par>
+                      </p:childTnLst>
+                    </p:cTn>
+                  </p:par>
+                  <p:par>
+                    <p:cTn id="19" fill="hold">
+                      <p:stCondLst>
+                        <p:cond delay="indefinite"/>
+                      </p:stCondLst>
+                      <p:childTnLst>
+                        <p:par>
+                          <p:cTn id="20" fill="hold">
+                            <p:stCondLst>
+                              <p:cond delay="0"/>
+                            </p:stCondLst>
+                            <p:childTnLst>
+                              <p:par>
+                                <p:cTn id="21" presetID="1" presetClass="entr" presetSubtype="0" fill="hold" grpId="0" nodeType="clickEffect">
+                                  <p:stCondLst>
+                                    <p:cond delay="0"/>
+                                  </p:stCondLst>
+                                  <p:childTnLst>
+                                    <p:set>
+                                      <p:cBhvr>
+                                        <p:cTn id="22" dur="1" fill="hold">
+                                          <p:stCondLst>
+                                            <p:cond delay="0"/>
+                                          </p:stCondLst>
+                                        </p:cTn>
+                                        <p:tgtEl>
+                                          <p:spTgt spid="3">
+                                            <p:txEl>
+                                              <p:pRg st="4" end="4"/>
+                                            </p:txEl>
+                                          </p:spTgt>
+                                        </p:tgtEl>
+                                        <p:attrNameLst>
+                                          <p:attrName>style.visibility</p:attrName>
+                                        </p:attrNameLst>
+                                      </p:cBhvr>
+                                      <p:to>
+                                        <p:strVal val="visible"/>
+                                      </p:to>
+                                    </p:set>
+                                  </p:childTnLst>
+                                </p:cTn>
+                              </p:par>
+                            </p:childTnLst>
+                          </p:cTn>
+                        </p:par>
+                      </p:childTnLst>
+                    </p:cTn>
+                  </p:par>
+                </p:childTnLst>
+              </p:cTn>
+              <p:prevCondLst>
+                <p:cond evt="onPrev" delay="0">
+                  <p:tgtEl>
+                    <p:sldTgt/>
+                  </p:tgtEl>
+                </p:cond>
+              </p:prevCondLst>
+              <p:nextCondLst>
+                <p:cond evt="onNext" delay="0">
+                  <p:tgtEl>
+                    <p:sldTgt/>
+                  </p:tgtEl>
+                </p:cond>
+              </p:nextCondLst>
+            </p:seq>
+          </p:childTnLst>
+        </p:cTn>
+      </p:par>
+    </p:tnLst>
+    <p:bldLst>
+      <p:bldP spid="3" grpId="0" build="p"/>
+    </p:bldLst>
+  </p:timing>
+</p:sld>
+</file>
+
+<file path=ppt/slides/slide21.xml><?xml version="1.0" encoding="utf-8"?>
+<p:sld xmlns:a="http://schemas.openxmlformats.org/drawingml/2006/main" xmlns:r="http://schemas.openxmlformats.org/officeDocument/2006/relationships" xmlns:p="http://schemas.openxmlformats.org/presentationml/2006/main">
+  <p:cSld>
+    <p:spTree>
+      <p:nvGrpSpPr>
+        <p:cNvPr id="1" name=""/>
+        <p:cNvGrpSpPr/>
+        <p:nvPr/>
+      </p:nvGrpSpPr>
+      <p:grpSpPr>
+        <a:xfrm>
+          <a:off x="0" y="0"/>
+          <a:ext cx="0" cy="0"/>
+          <a:chOff x="0" y="0"/>
+          <a:chExt cx="0" cy="0"/>
+        </a:xfrm>
+      </p:grpSpPr>
+      <p:sp>
+        <p:nvSpPr>
+          <p:cNvPr id="2" name="Title 1">
+            <a:extLst>
+              <a:ext uri="{FF2B5EF4-FFF2-40B4-BE49-F238E27FC236}">
+                <a16:creationId xmlns:a16="http://schemas.microsoft.com/office/drawing/2014/main" id="{1E3AD4BA-E8D1-4886-9C81-B338BF8E3CD0}"/>
+              </a:ext>
+            </a:extLst>
+          </p:cNvPr>
+          <p:cNvSpPr>
+            <a:spLocks noGrp="1"/>
+          </p:cNvSpPr>
+          <p:nvPr>
+            <p:ph type="title"/>
+          </p:nvPr>
+        </p:nvSpPr>
+        <p:spPr/>
+        <p:txBody>
+          <a:bodyPr/>
+          <a:lstStyle/>
+          <a:p>
+            <a:r>
+              <a:rPr lang="en-US" dirty="0"/>
+              <a:t>States and events in the infusion pump</a:t>
+            </a:r>
+          </a:p>
+        </p:txBody>
+      </p:sp>
+      <p:sp>
+        <p:nvSpPr>
+          <p:cNvPr id="3" name="Content Placeholder 2">
+            <a:extLst>
+              <a:ext uri="{FF2B5EF4-FFF2-40B4-BE49-F238E27FC236}">
+                <a16:creationId xmlns:a16="http://schemas.microsoft.com/office/drawing/2014/main" id="{F0A4CC97-F6F3-495D-86B3-AAEFB18B3384}"/>
+              </a:ext>
+            </a:extLst>
+          </p:cNvPr>
+          <p:cNvSpPr>
+            <a:spLocks noGrp="1"/>
+          </p:cNvSpPr>
+          <p:nvPr>
+            <p:ph idx="1"/>
+          </p:nvPr>
+        </p:nvSpPr>
+        <p:spPr/>
+        <p:txBody>
+          <a:bodyPr/>
+          <a:lstStyle/>
+          <a:p>
+            <a:r>
+              <a:rPr lang="en-US" dirty="0"/>
+              <a:t>States</a:t>
+            </a:r>
+          </a:p>
+          <a:p>
+            <a:pPr lvl="1"/>
+            <a:r>
+              <a:rPr lang="en-US" dirty="0"/>
+              <a:t>Idle</a:t>
+            </a:r>
+          </a:p>
+          <a:p>
+            <a:pPr lvl="1"/>
+            <a:r>
+              <a:rPr lang="en-US" dirty="0"/>
+              <a:t>Infusing</a:t>
+            </a:r>
+          </a:p>
+          <a:p>
+            <a:pPr lvl="1"/>
+            <a:r>
+              <a:rPr lang="en-US" dirty="0"/>
+              <a:t>Fault</a:t>
+            </a:r>
+          </a:p>
+          <a:p>
+            <a:r>
+              <a:rPr lang="en-US" dirty="0"/>
+              <a:t>Events</a:t>
+            </a:r>
+          </a:p>
+          <a:p>
+            <a:pPr lvl="1"/>
+            <a:r>
+              <a:rPr lang="en-US" dirty="0"/>
+              <a:t>Sensor threshold crossed</a:t>
+            </a:r>
+          </a:p>
+          <a:p>
+            <a:pPr lvl="1"/>
+            <a:r>
+              <a:rPr lang="en-US" dirty="0"/>
+              <a:t>Button pressed</a:t>
+            </a:r>
+          </a:p>
+          <a:p>
+            <a:pPr lvl="1"/>
+            <a:r>
+              <a:rPr lang="en-US" dirty="0"/>
+              <a:t>Control loop timer expired</a:t>
+            </a:r>
+          </a:p>
+          <a:p>
+            <a:pPr lvl="1"/>
+            <a:r>
+              <a:rPr lang="en-US" dirty="0"/>
+              <a:t>Watchdog timed out</a:t>
+            </a:r>
+          </a:p>
+        </p:txBody>
+      </p:sp>
+      <p:sp>
+        <p:nvSpPr>
+          <p:cNvPr id="4" name="Date Placeholder 3">
+            <a:extLst>
+              <a:ext uri="{FF2B5EF4-FFF2-40B4-BE49-F238E27FC236}">
+                <a16:creationId xmlns:a16="http://schemas.microsoft.com/office/drawing/2014/main" id="{D05B7BBC-A3CD-410A-A085-61E3C2464CFF}"/>
+              </a:ext>
+            </a:extLst>
+          </p:cNvPr>
+          <p:cNvSpPr>
+            <a:spLocks noGrp="1"/>
+          </p:cNvSpPr>
+          <p:nvPr>
+            <p:ph type="dt" sz="half" idx="10"/>
+          </p:nvPr>
+        </p:nvSpPr>
+        <p:spPr/>
+        <p:txBody>
+          <a:bodyPr/>
+          <a:lstStyle/>
+          <a:p>
+            <a:pPr>
+              <a:defRPr/>
+            </a:pPr>
+            <a:r>
+              <a:rPr lang="en-US"/>
+              <a:t>21/12/2020</a:t>
+            </a:r>
+          </a:p>
+        </p:txBody>
+      </p:sp>
+      <p:sp>
+        <p:nvSpPr>
+          <p:cNvPr id="5" name="Slide Number Placeholder 4">
+            <a:extLst>
+              <a:ext uri="{FF2B5EF4-FFF2-40B4-BE49-F238E27FC236}">
+                <a16:creationId xmlns:a16="http://schemas.microsoft.com/office/drawing/2014/main" id="{095BE45E-BEBE-49EF-BA68-10F761BCC455}"/>
+              </a:ext>
+            </a:extLst>
+          </p:cNvPr>
+          <p:cNvSpPr>
+            <a:spLocks noGrp="1"/>
+          </p:cNvSpPr>
+          <p:nvPr>
+            <p:ph type="sldNum" sz="quarter" idx="12"/>
+          </p:nvPr>
+        </p:nvSpPr>
+        <p:spPr/>
+        <p:txBody>
+          <a:bodyPr/>
+          <a:lstStyle/>
+          <a:p>
+            <a:pPr>
+              <a:defRPr/>
+            </a:pPr>
+            <a:fld id="{CA887A73-1AE0-46F8-856A-18EA1CF30A1B}" type="slidenum">
+              <a:rPr lang="en-US" altLang="en-US" smtClean="0"/>
+              <a:pPr>
+                <a:defRPr/>
+              </a:pPr>
+              <a:t>21</a:t>
+            </a:fld>
+            <a:endParaRPr lang="en-US" altLang="en-US"/>
+          </a:p>
+        </p:txBody>
+      </p:sp>
+    </p:spTree>
+    <p:extLst>
+      <p:ext uri="{BB962C8B-B14F-4D97-AF65-F5344CB8AC3E}">
+        <p14:creationId xmlns:p14="http://schemas.microsoft.com/office/powerpoint/2010/main" val="2646641322"/>
+      </p:ext>
+    </p:extLst>
+  </p:cSld>
+  <p:clrMapOvr>
+    <a:masterClrMapping/>
+  </p:clrMapOvr>
+  <p:timing>
+    <p:tnLst>
+      <p:par>
+        <p:cTn id="1" dur="indefinite" restart="never" nodeType="tmRoot">
+          <p:childTnLst>
+            <p:seq concurrent="1" nextAc="seek">
+              <p:cTn id="2" dur="indefinite" nodeType="mainSeq">
+                <p:childTnLst>
+                  <p:par>
+                    <p:cTn id="3" fill="hold">
+                      <p:stCondLst>
+                        <p:cond delay="indefinite"/>
+                      </p:stCondLst>
+                      <p:childTnLst>
+                        <p:par>
+                          <p:cTn id="4" fill="hold">
+                            <p:stCondLst>
+                              <p:cond delay="0"/>
+                            </p:stCondLst>
+                            <p:childTnLst>
+                              <p:par>
+                                <p:cTn id="5" presetID="1" presetClass="entr" presetSubtype="0" fill="hold" grpId="0" nodeType="clickEffect">
+                                  <p:stCondLst>
+                                    <p:cond delay="0"/>
+                                  </p:stCondLst>
+                                  <p:childTnLst>
+                                    <p:set>
+                                      <p:cBhvr>
+                                        <p:cTn id="6" dur="1" fill="hold">
+                                          <p:stCondLst>
+                                            <p:cond delay="0"/>
+                                          </p:stCondLst>
+                                        </p:cTn>
+                                        <p:tgtEl>
+                                          <p:spTgt spid="3">
+                                            <p:txEl>
+                                              <p:pRg st="0" end="0"/>
+                                            </p:txEl>
+                                          </p:spTgt>
+                                        </p:tgtEl>
+                                        <p:attrNameLst>
+                                          <p:attrName>style.visibility</p:attrName>
+                                        </p:attrNameLst>
+                                      </p:cBhvr>
+                                      <p:to>
+                                        <p:strVal val="visible"/>
+                                      </p:to>
+                                    </p:set>
+                                  </p:childTnLst>
+                                </p:cTn>
+                              </p:par>
+                            </p:childTnLst>
+                          </p:cTn>
+                        </p:par>
+                      </p:childTnLst>
+                    </p:cTn>
+                  </p:par>
+                  <p:par>
+                    <p:cTn id="7" fill="hold">
+                      <p:stCondLst>
+                        <p:cond delay="indefinite"/>
+                      </p:stCondLst>
+                      <p:childTnLst>
+                        <p:par>
+                          <p:cTn id="8" fill="hold">
+                            <p:stCondLst>
+                              <p:cond delay="0"/>
+                            </p:stCondLst>
+                            <p:childTnLst>
+                              <p:par>
+                                <p:cTn id="9" presetID="1" presetClass="entr" presetSubtype="0" fill="hold" grpId="0" nodeType="clickEffect">
+                                  <p:stCondLst>
+                                    <p:cond delay="0"/>
+                                  </p:stCondLst>
+                                  <p:childTnLst>
+                                    <p:set>
+                                      <p:cBhvr>
+                                        <p:cTn id="10" dur="1" fill="hold">
+                                          <p:stCondLst>
+                                            <p:cond delay="0"/>
+                                          </p:stCondLst>
+                                        </p:cTn>
+                                        <p:tgtEl>
+                                          <p:spTgt spid="3">
+                                            <p:txEl>
+                                              <p:pRg st="1" end="1"/>
+                                            </p:txEl>
+                                          </p:spTgt>
+                                        </p:tgtEl>
+                                        <p:attrNameLst>
+                                          <p:attrName>style.visibility</p:attrName>
+                                        </p:attrNameLst>
+                                      </p:cBhvr>
+                                      <p:to>
+                                        <p:strVal val="visible"/>
+                                      </p:to>
+                                    </p:set>
+                                  </p:childTnLst>
+                                </p:cTn>
+                              </p:par>
+                            </p:childTnLst>
+                          </p:cTn>
+                        </p:par>
+                      </p:childTnLst>
+                    </p:cTn>
+                  </p:par>
+                  <p:par>
+                    <p:cTn id="11" fill="hold">
+                      <p:stCondLst>
+                        <p:cond delay="indefinite"/>
+                      </p:stCondLst>
+                      <p:childTnLst>
+                        <p:par>
+                          <p:cTn id="12" fill="hold">
+                            <p:stCondLst>
+                              <p:cond delay="0"/>
+                            </p:stCondLst>
+                            <p:childTnLst>
+                              <p:par>
+                                <p:cTn id="13" presetID="1" presetClass="entr" presetSubtype="0" fill="hold" grpId="0" nodeType="clickEffect">
+                                  <p:stCondLst>
+                                    <p:cond delay="0"/>
+                                  </p:stCondLst>
+                                  <p:childTnLst>
+                                    <p:set>
+                                      <p:cBhvr>
+                                        <p:cTn id="14" dur="1" fill="hold">
+                                          <p:stCondLst>
+                                            <p:cond delay="0"/>
+                                          </p:stCondLst>
+                                        </p:cTn>
+                                        <p:tgtEl>
+                                          <p:spTgt spid="3">
+                                            <p:txEl>
+                                              <p:pRg st="2" end="2"/>
+                                            </p:txEl>
+                                          </p:spTgt>
+                                        </p:tgtEl>
+                                        <p:attrNameLst>
+                                          <p:attrName>style.visibility</p:attrName>
+                                        </p:attrNameLst>
+                                      </p:cBhvr>
+                                      <p:to>
+                                        <p:strVal val="visible"/>
+                                      </p:to>
+                                    </p:set>
+                                  </p:childTnLst>
+                                </p:cTn>
+                              </p:par>
+                            </p:childTnLst>
+                          </p:cTn>
+                        </p:par>
+                      </p:childTnLst>
+                    </p:cTn>
+                  </p:par>
+                  <p:par>
+                    <p:cTn id="15" fill="hold">
+                      <p:stCondLst>
+                        <p:cond delay="indefinite"/>
+                      </p:stCondLst>
+                      <p:childTnLst>
+                        <p:par>
+                          <p:cTn id="16" fill="hold">
+                            <p:stCondLst>
+                              <p:cond delay="0"/>
+                            </p:stCondLst>
+                            <p:childTnLst>
+                              <p:par>
+                                <p:cTn id="17" presetID="1" presetClass="entr" presetSubtype="0" fill="hold" grpId="0" nodeType="clickEffect">
+                                  <p:stCondLst>
+                                    <p:cond delay="0"/>
+                                  </p:stCondLst>
+                                  <p:childTnLst>
+                                    <p:set>
+                                      <p:cBhvr>
+                                        <p:cTn id="18" dur="1" fill="hold">
+                                          <p:stCondLst>
+                                            <p:cond delay="0"/>
+                                          </p:stCondLst>
+                                        </p:cTn>
+                                        <p:tgtEl>
+                                          <p:spTgt spid="3">
+                                            <p:txEl>
+                                              <p:pRg st="3" end="3"/>
+                                            </p:txEl>
+                                          </p:spTgt>
+                                        </p:tgtEl>
+                                        <p:attrNameLst>
+                                          <p:attrName>style.visibility</p:attrName>
+                                        </p:attrNameLst>
+                                      </p:cBhvr>
+                                      <p:to>
+                                        <p:strVal val="visible"/>
+                                      </p:to>
+                                    </p:set>
+                                  </p:childTnLst>
+                                </p:cTn>
+                              </p:par>
+                            </p:childTnLst>
+                          </p:cTn>
+                        </p:par>
+                      </p:childTnLst>
+                    </p:cTn>
+                  </p:par>
+                  <p:par>
+                    <p:cTn id="19" fill="hold">
+                      <p:stCondLst>
+                        <p:cond delay="indefinite"/>
+                      </p:stCondLst>
+                      <p:childTnLst>
+                        <p:par>
+                          <p:cTn id="20" fill="hold">
+                            <p:stCondLst>
+                              <p:cond delay="0"/>
+                            </p:stCondLst>
+                            <p:childTnLst>
+                              <p:par>
+                                <p:cTn id="21" presetID="1" presetClass="entr" presetSubtype="0" fill="hold" grpId="0" nodeType="clickEffect">
+                                  <p:stCondLst>
+                                    <p:cond delay="0"/>
+                                  </p:stCondLst>
+                                  <p:childTnLst>
+                                    <p:set>
+                                      <p:cBhvr>
+                                        <p:cTn id="22" dur="1" fill="hold">
+                                          <p:stCondLst>
+                                            <p:cond delay="0"/>
+                                          </p:stCondLst>
+                                        </p:cTn>
+                                        <p:tgtEl>
+                                          <p:spTgt spid="3">
+                                            <p:txEl>
+                                              <p:pRg st="4" end="4"/>
+                                            </p:txEl>
+                                          </p:spTgt>
+                                        </p:tgtEl>
+                                        <p:attrNameLst>
+                                          <p:attrName>style.visibility</p:attrName>
+                                        </p:attrNameLst>
+                                      </p:cBhvr>
+                                      <p:to>
+                                        <p:strVal val="visible"/>
+                                      </p:to>
+                                    </p:set>
+                                  </p:childTnLst>
+                                </p:cTn>
+                              </p:par>
+                            </p:childTnLst>
+                          </p:cTn>
+                        </p:par>
+                      </p:childTnLst>
+                    </p:cTn>
+                  </p:par>
+                  <p:par>
+                    <p:cTn id="23" fill="hold">
+                      <p:stCondLst>
+                        <p:cond delay="indefinite"/>
+                      </p:stCondLst>
+                      <p:childTnLst>
+                        <p:par>
+                          <p:cTn id="24" fill="hold">
+                            <p:stCondLst>
+                              <p:cond delay="0"/>
+                            </p:stCondLst>
+                            <p:childTnLst>
+                              <p:par>
+                                <p:cTn id="25" presetID="1" presetClass="entr" presetSubtype="0" fill="hold" grpId="0" nodeType="clickEffect">
+                                  <p:stCondLst>
+                                    <p:cond delay="0"/>
+                                  </p:stCondLst>
+                                  <p:childTnLst>
+                                    <p:set>
+                                      <p:cBhvr>
+                                        <p:cTn id="26" dur="1" fill="hold">
+                                          <p:stCondLst>
+                                            <p:cond delay="0"/>
+                                          </p:stCondLst>
+                                        </p:cTn>
+                                        <p:tgtEl>
+                                          <p:spTgt spid="3">
+                                            <p:txEl>
+                                              <p:pRg st="5" end="5"/>
+                                            </p:txEl>
+                                          </p:spTgt>
+                                        </p:tgtEl>
+                                        <p:attrNameLst>
+                                          <p:attrName>style.visibility</p:attrName>
+                                        </p:attrNameLst>
+                                      </p:cBhvr>
+                                      <p:to>
+                                        <p:strVal val="visible"/>
+                                      </p:to>
+                                    </p:set>
+                                  </p:childTnLst>
+                                </p:cTn>
+                              </p:par>
+                            </p:childTnLst>
+                          </p:cTn>
+                        </p:par>
+                      </p:childTnLst>
+                    </p:cTn>
+                  </p:par>
+                  <p:par>
+                    <p:cTn id="27" fill="hold">
+                      <p:stCondLst>
+                        <p:cond delay="indefinite"/>
+                      </p:stCondLst>
+                      <p:childTnLst>
+                        <p:par>
+                          <p:cTn id="28" fill="hold">
+                            <p:stCondLst>
+                              <p:cond delay="0"/>
+                            </p:stCondLst>
+                            <p:childTnLst>
+                              <p:par>
+                                <p:cTn id="29" presetID="1" presetClass="entr" presetSubtype="0" fill="hold" grpId="0" nodeType="clickEffect">
+                                  <p:stCondLst>
+                                    <p:cond delay="0"/>
+                                  </p:stCondLst>
+                                  <p:childTnLst>
+                                    <p:set>
+                                      <p:cBhvr>
+                                        <p:cTn id="30" dur="1" fill="hold">
+                                          <p:stCondLst>
+                                            <p:cond delay="0"/>
+                                          </p:stCondLst>
+                                        </p:cTn>
+                                        <p:tgtEl>
+                                          <p:spTgt spid="3">
+                                            <p:txEl>
+                                              <p:pRg st="6" end="6"/>
+                                            </p:txEl>
+                                          </p:spTgt>
+                                        </p:tgtEl>
+                                        <p:attrNameLst>
+                                          <p:attrName>style.visibility</p:attrName>
+                                        </p:attrNameLst>
+                                      </p:cBhvr>
+                                      <p:to>
+                                        <p:strVal val="visible"/>
+                                      </p:to>
+                                    </p:set>
+                                  </p:childTnLst>
+                                </p:cTn>
+                              </p:par>
+                            </p:childTnLst>
+                          </p:cTn>
+                        </p:par>
+                      </p:childTnLst>
+                    </p:cTn>
+                  </p:par>
+                  <p:par>
+                    <p:cTn id="31" fill="hold">
+                      <p:stCondLst>
+                        <p:cond delay="indefinite"/>
+                      </p:stCondLst>
+                      <p:childTnLst>
+                        <p:par>
+                          <p:cTn id="32" fill="hold">
+                            <p:stCondLst>
+                              <p:cond delay="0"/>
+                            </p:stCondLst>
+                            <p:childTnLst>
+                              <p:par>
+                                <p:cTn id="33" presetID="1" presetClass="entr" presetSubtype="0" fill="hold" grpId="0" nodeType="clickEffect">
+                                  <p:stCondLst>
+                                    <p:cond delay="0"/>
+                                  </p:stCondLst>
+                                  <p:childTnLst>
+                                    <p:set>
+                                      <p:cBhvr>
+                                        <p:cTn id="34" dur="1" fill="hold">
+                                          <p:stCondLst>
+                                            <p:cond delay="0"/>
+                                          </p:stCondLst>
+                                        </p:cTn>
+                                        <p:tgtEl>
+                                          <p:spTgt spid="3">
+                                            <p:txEl>
+                                              <p:pRg st="7" end="7"/>
+                                            </p:txEl>
+                                          </p:spTgt>
+                                        </p:tgtEl>
+                                        <p:attrNameLst>
+                                          <p:attrName>style.visibility</p:attrName>
+                                        </p:attrNameLst>
+                                      </p:cBhvr>
+                                      <p:to>
+                                        <p:strVal val="visible"/>
+                                      </p:to>
+                                    </p:set>
+                                  </p:childTnLst>
+                                </p:cTn>
+                              </p:par>
+                            </p:childTnLst>
+                          </p:cTn>
+                        </p:par>
+                      </p:childTnLst>
+                    </p:cTn>
+                  </p:par>
+                  <p:par>
+                    <p:cTn id="35" fill="hold">
+                      <p:stCondLst>
+                        <p:cond delay="indefinite"/>
+                      </p:stCondLst>
+                      <p:childTnLst>
+                        <p:par>
+                          <p:cTn id="36" fill="hold">
+                            <p:stCondLst>
+                              <p:cond delay="0"/>
+                            </p:stCondLst>
+                            <p:childTnLst>
+                              <p:par>
+                                <p:cTn id="37" presetID="1" presetClass="entr" presetSubtype="0" fill="hold" grpId="0" nodeType="clickEffect">
+                                  <p:stCondLst>
+                                    <p:cond delay="0"/>
+                                  </p:stCondLst>
+                                  <p:childTnLst>
+                                    <p:set>
+                                      <p:cBhvr>
+                                        <p:cTn id="38" dur="1" fill="hold">
+                                          <p:stCondLst>
+                                            <p:cond delay="0"/>
+                                          </p:stCondLst>
+                                        </p:cTn>
+                                        <p:tgtEl>
+                                          <p:spTgt spid="3">
+                                            <p:txEl>
+                                              <p:pRg st="8" end="8"/>
+                                            </p:txEl>
+                                          </p:spTgt>
+                                        </p:tgtEl>
+                                        <p:attrNameLst>
+                                          <p:attrName>style.visibility</p:attrName>
+                                        </p:attrNameLst>
+                                      </p:cBhvr>
+                                      <p:to>
+                                        <p:strVal val="visible"/>
+                                      </p:to>
+                                    </p:set>
+                                  </p:childTnLst>
+                                </p:cTn>
+                              </p:par>
+                            </p:childTnLst>
+                          </p:cTn>
+                        </p:par>
+                      </p:childTnLst>
+                    </p:cTn>
+                  </p:par>
+                </p:childTnLst>
+              </p:cTn>
+              <p:prevCondLst>
+                <p:cond evt="onPrev" delay="0">
+                  <p:tgtEl>
+                    <p:sldTgt/>
+                  </p:tgtEl>
+                </p:cond>
+              </p:prevCondLst>
+              <p:nextCondLst>
+                <p:cond evt="onNext" delay="0">
+                  <p:tgtEl>
+                    <p:sldTgt/>
+                  </p:tgtEl>
+                </p:cond>
+              </p:nextCondLst>
+            </p:seq>
+          </p:childTnLst>
+        </p:cTn>
+      </p:par>
+    </p:tnLst>
+    <p:bldLst>
+      <p:bldP spid="3" grpId="0" build="p"/>
+    </p:bldLst>
+  </p:timing>
+</p:sld>
+</file>
+
+<file path=ppt/slides/slide22.xml><?xml version="1.0" encoding="utf-8"?>
+<p:sld xmlns:a="http://schemas.openxmlformats.org/drawingml/2006/main" xmlns:r="http://schemas.openxmlformats.org/officeDocument/2006/relationships" xmlns:p="http://schemas.openxmlformats.org/presentationml/2006/main">
+  <p:cSld>
+    <p:spTree>
+      <p:nvGrpSpPr>
+        <p:cNvPr id="1" name=""/>
+        <p:cNvGrpSpPr/>
+        <p:nvPr/>
+      </p:nvGrpSpPr>
+      <p:grpSpPr>
+        <a:xfrm>
+          <a:off x="0" y="0"/>
+          <a:ext cx="0" cy="0"/>
+          <a:chOff x="0" y="0"/>
+          <a:chExt cx="0" cy="0"/>
+        </a:xfrm>
+      </p:grpSpPr>
+      <p:sp>
+        <p:nvSpPr>
+          <p:cNvPr id="2" name="Title 1">
+            <a:extLst>
+              <a:ext uri="{FF2B5EF4-FFF2-40B4-BE49-F238E27FC236}">
+                <a16:creationId xmlns:a16="http://schemas.microsoft.com/office/drawing/2014/main" id="{12713568-E900-4C13-8FD5-77F919DB8AE1}"/>
+              </a:ext>
+            </a:extLst>
+          </p:cNvPr>
+          <p:cNvSpPr>
+            <a:spLocks noGrp="1"/>
+          </p:cNvSpPr>
+          <p:nvPr>
+            <p:ph type="title"/>
+          </p:nvPr>
+        </p:nvSpPr>
+        <p:spPr/>
+        <p:txBody>
+          <a:bodyPr/>
+          <a:lstStyle/>
+          <a:p>
+            <a:r>
+              <a:rPr lang="en-US" dirty="0"/>
+              <a:t>Actions – Entry, Exit and Do</a:t>
+            </a:r>
+          </a:p>
+        </p:txBody>
+      </p:sp>
+      <p:sp>
+        <p:nvSpPr>
+          <p:cNvPr id="3" name="Content Placeholder 2">
+            <a:extLst>
+              <a:ext uri="{FF2B5EF4-FFF2-40B4-BE49-F238E27FC236}">
+                <a16:creationId xmlns:a16="http://schemas.microsoft.com/office/drawing/2014/main" id="{31CD7A75-FB6D-4711-85E0-D570BFB19C6E}"/>
+              </a:ext>
+            </a:extLst>
+          </p:cNvPr>
+          <p:cNvSpPr>
+            <a:spLocks noGrp="1"/>
+          </p:cNvSpPr>
+          <p:nvPr>
+            <p:ph idx="1"/>
+          </p:nvPr>
+        </p:nvSpPr>
+        <p:spPr/>
+        <p:txBody>
+          <a:bodyPr>
+            <a:normAutofit fontScale="85000" lnSpcReduction="20000"/>
+          </a:bodyPr>
+          <a:lstStyle/>
+          <a:p>
+            <a:r>
+              <a:rPr lang="en-US" dirty="0"/>
+              <a:t>Entry action: executed immediately upon entering a state</a:t>
+            </a:r>
+          </a:p>
+          <a:p>
+            <a:r>
+              <a:rPr lang="en-US" dirty="0"/>
+              <a:t>Exit action: executed just before leaving a state</a:t>
+            </a:r>
+          </a:p>
+          <a:p>
+            <a:r>
+              <a:rPr lang="en-US" dirty="0"/>
+              <a:t>Do activity: ongoing activity during the state</a:t>
+            </a:r>
+          </a:p>
+          <a:p>
+            <a:endParaRPr lang="en-US" dirty="0"/>
+          </a:p>
+          <a:p>
+            <a:pPr marL="0" indent="0">
+              <a:buNone/>
+            </a:pPr>
+            <a:r>
+              <a:rPr lang="en-US" dirty="0"/>
+              <a:t>Example:</a:t>
+            </a:r>
+          </a:p>
+          <a:p>
+            <a:pPr>
+              <a:buFontTx/>
+              <a:buChar char="-"/>
+            </a:pPr>
+            <a:r>
+              <a:rPr lang="en-US" dirty="0"/>
+              <a:t>Enter ‘infusing’ state: start motor</a:t>
+            </a:r>
+          </a:p>
+          <a:p>
+            <a:pPr>
+              <a:buFontTx/>
+              <a:buChar char="-"/>
+            </a:pPr>
+            <a:r>
+              <a:rPr lang="en-US" dirty="0"/>
+              <a:t>Exit ‘infusing’ state: stop motor</a:t>
+            </a:r>
+          </a:p>
+          <a:p>
+            <a:pPr marL="0" indent="0">
+              <a:buNone/>
+            </a:pPr>
+            <a:endParaRPr lang="en-US" dirty="0"/>
+          </a:p>
+          <a:p>
+            <a:pPr marL="0" indent="0">
+              <a:buNone/>
+            </a:pPr>
+            <a:r>
+              <a:rPr lang="en-US" dirty="0"/>
+              <a:t>Promotes </a:t>
+            </a:r>
+            <a:r>
+              <a:rPr lang="en-US" dirty="0">
+                <a:solidFill>
+                  <a:srgbClr val="72C3E8"/>
+                </a:solidFill>
+              </a:rPr>
+              <a:t>encapsulation</a:t>
+            </a:r>
+            <a:r>
+              <a:rPr lang="en-US" dirty="0"/>
+              <a:t>: initialization, main logic and clean-up bundled together so easy to understand / debug / maintain</a:t>
+            </a:r>
+          </a:p>
+          <a:p>
+            <a:pPr marL="0" indent="0">
+              <a:buNone/>
+            </a:pPr>
+            <a:endParaRPr lang="en-US" dirty="0"/>
+          </a:p>
+          <a:p>
+            <a:r>
+              <a:rPr lang="en-US" dirty="0"/>
+              <a:t>Prevents subtle bugs caused by repeated or missed actions</a:t>
+            </a:r>
+          </a:p>
+        </p:txBody>
+      </p:sp>
+      <p:sp>
+        <p:nvSpPr>
+          <p:cNvPr id="4" name="Date Placeholder 3">
+            <a:extLst>
+              <a:ext uri="{FF2B5EF4-FFF2-40B4-BE49-F238E27FC236}">
+                <a16:creationId xmlns:a16="http://schemas.microsoft.com/office/drawing/2014/main" id="{22C89F91-988A-49AD-8518-65E41336BB57}"/>
+              </a:ext>
+            </a:extLst>
+          </p:cNvPr>
+          <p:cNvSpPr>
+            <a:spLocks noGrp="1"/>
+          </p:cNvSpPr>
+          <p:nvPr>
+            <p:ph type="dt" sz="half" idx="10"/>
+          </p:nvPr>
+        </p:nvSpPr>
+        <p:spPr/>
+        <p:txBody>
+          <a:bodyPr/>
+          <a:lstStyle/>
+          <a:p>
+            <a:pPr>
+              <a:defRPr/>
+            </a:pPr>
+            <a:r>
+              <a:rPr lang="en-US"/>
+              <a:t>21/12/2020</a:t>
+            </a:r>
+          </a:p>
+        </p:txBody>
+      </p:sp>
+      <p:sp>
+        <p:nvSpPr>
+          <p:cNvPr id="5" name="Slide Number Placeholder 4">
+            <a:extLst>
+              <a:ext uri="{FF2B5EF4-FFF2-40B4-BE49-F238E27FC236}">
+                <a16:creationId xmlns:a16="http://schemas.microsoft.com/office/drawing/2014/main" id="{C3AB526D-A726-4979-9B11-A825187FB34E}"/>
+              </a:ext>
+            </a:extLst>
+          </p:cNvPr>
+          <p:cNvSpPr>
+            <a:spLocks noGrp="1"/>
+          </p:cNvSpPr>
+          <p:nvPr>
+            <p:ph type="sldNum" sz="quarter" idx="12"/>
+          </p:nvPr>
+        </p:nvSpPr>
+        <p:spPr/>
+        <p:txBody>
+          <a:bodyPr/>
+          <a:lstStyle/>
+          <a:p>
+            <a:pPr>
+              <a:defRPr/>
+            </a:pPr>
+            <a:fld id="{CA887A73-1AE0-46F8-856A-18EA1CF30A1B}" type="slidenum">
+              <a:rPr lang="en-US" altLang="en-US" smtClean="0"/>
+              <a:pPr>
+                <a:defRPr/>
+              </a:pPr>
+              <a:t>22</a:t>
+            </a:fld>
+            <a:endParaRPr lang="en-US" altLang="en-US"/>
+          </a:p>
+        </p:txBody>
+      </p:sp>
+    </p:spTree>
+    <p:extLst>
+      <p:ext uri="{BB962C8B-B14F-4D97-AF65-F5344CB8AC3E}">
+        <p14:creationId xmlns:p14="http://schemas.microsoft.com/office/powerpoint/2010/main" val="3213576214"/>
+      </p:ext>
+    </p:extLst>
+  </p:cSld>
+  <p:clrMapOvr>
+    <a:masterClrMapping/>
+  </p:clrMapOvr>
+  <p:timing>
+    <p:tnLst>
+      <p:par>
+        <p:cTn id="1" dur="indefinite" restart="never" nodeType="tmRoot">
+          <p:childTnLst>
+            <p:seq concurrent="1" nextAc="seek">
+              <p:cTn id="2" dur="indefinite" nodeType="mainSeq">
+                <p:childTnLst>
+                  <p:par>
+                    <p:cTn id="3" fill="hold">
+                      <p:stCondLst>
+                        <p:cond delay="indefinite"/>
+                      </p:stCondLst>
+                      <p:childTnLst>
+                        <p:par>
+                          <p:cTn id="4" fill="hold">
+                            <p:stCondLst>
+                              <p:cond delay="0"/>
+                            </p:stCondLst>
+                            <p:childTnLst>
+                              <p:par>
+                                <p:cTn id="5" presetID="1" presetClass="entr" presetSubtype="0" fill="hold" grpId="0" nodeType="clickEffect">
+                                  <p:stCondLst>
+                                    <p:cond delay="0"/>
+                                  </p:stCondLst>
+                                  <p:childTnLst>
+                                    <p:set>
+                                      <p:cBhvr>
+                                        <p:cTn id="6" dur="1" fill="hold">
+                                          <p:stCondLst>
+                                            <p:cond delay="0"/>
+                                          </p:stCondLst>
+                                        </p:cTn>
+                                        <p:tgtEl>
+                                          <p:spTgt spid="3">
+                                            <p:txEl>
+                                              <p:pRg st="0" end="0"/>
+                                            </p:txEl>
+                                          </p:spTgt>
+                                        </p:tgtEl>
+                                        <p:attrNameLst>
+                                          <p:attrName>style.visibility</p:attrName>
+                                        </p:attrNameLst>
+                                      </p:cBhvr>
+                                      <p:to>
+                                        <p:strVal val="visible"/>
+                                      </p:to>
+                                    </p:set>
+                                  </p:childTnLst>
+                                </p:cTn>
+                              </p:par>
+                            </p:childTnLst>
+                          </p:cTn>
+                        </p:par>
+                      </p:childTnLst>
+                    </p:cTn>
+                  </p:par>
+                  <p:par>
+                    <p:cTn id="7" fill="hold">
+                      <p:stCondLst>
+                        <p:cond delay="indefinite"/>
+                      </p:stCondLst>
+                      <p:childTnLst>
+                        <p:par>
+                          <p:cTn id="8" fill="hold">
+                            <p:stCondLst>
+                              <p:cond delay="0"/>
+                            </p:stCondLst>
+                            <p:childTnLst>
+                              <p:par>
+                                <p:cTn id="9" presetID="1" presetClass="entr" presetSubtype="0" fill="hold" grpId="0" nodeType="clickEffect">
+                                  <p:stCondLst>
+                                    <p:cond delay="0"/>
+                                  </p:stCondLst>
+                                  <p:childTnLst>
+                                    <p:set>
+                                      <p:cBhvr>
+                                        <p:cTn id="10" dur="1" fill="hold">
+                                          <p:stCondLst>
+                                            <p:cond delay="0"/>
+                                          </p:stCondLst>
+                                        </p:cTn>
+                                        <p:tgtEl>
+                                          <p:spTgt spid="3">
+                                            <p:txEl>
+                                              <p:pRg st="1" end="1"/>
+                                            </p:txEl>
+                                          </p:spTgt>
+                                        </p:tgtEl>
+                                        <p:attrNameLst>
+                                          <p:attrName>style.visibility</p:attrName>
+                                        </p:attrNameLst>
+                                      </p:cBhvr>
+                                      <p:to>
+                                        <p:strVal val="visible"/>
+                                      </p:to>
+                                    </p:set>
+                                  </p:childTnLst>
+                                </p:cTn>
+                              </p:par>
+                            </p:childTnLst>
+                          </p:cTn>
+                        </p:par>
+                      </p:childTnLst>
+                    </p:cTn>
+                  </p:par>
+                  <p:par>
+                    <p:cTn id="11" fill="hold">
+                      <p:stCondLst>
+                        <p:cond delay="indefinite"/>
+                      </p:stCondLst>
+                      <p:childTnLst>
+                        <p:par>
+                          <p:cTn id="12" fill="hold">
+                            <p:stCondLst>
+                              <p:cond delay="0"/>
+                            </p:stCondLst>
+                            <p:childTnLst>
+                              <p:par>
+                                <p:cTn id="13" presetID="1" presetClass="entr" presetSubtype="0" fill="hold" grpId="0" nodeType="clickEffect">
+                                  <p:stCondLst>
+                                    <p:cond delay="0"/>
+                                  </p:stCondLst>
+                                  <p:childTnLst>
+                                    <p:set>
+                                      <p:cBhvr>
+                                        <p:cTn id="14" dur="1" fill="hold">
+                                          <p:stCondLst>
+                                            <p:cond delay="0"/>
+                                          </p:stCondLst>
+                                        </p:cTn>
+                                        <p:tgtEl>
+                                          <p:spTgt spid="3">
+                                            <p:txEl>
+                                              <p:pRg st="2" end="2"/>
+                                            </p:txEl>
+                                          </p:spTgt>
+                                        </p:tgtEl>
+                                        <p:attrNameLst>
+                                          <p:attrName>style.visibility</p:attrName>
+                                        </p:attrNameLst>
+                                      </p:cBhvr>
+                                      <p:to>
+                                        <p:strVal val="visible"/>
+                                      </p:to>
+                                    </p:set>
+                                  </p:childTnLst>
+                                </p:cTn>
+                              </p:par>
+                            </p:childTnLst>
+                          </p:cTn>
+                        </p:par>
+                      </p:childTnLst>
+                    </p:cTn>
+                  </p:par>
+                  <p:par>
+                    <p:cTn id="15" fill="hold">
+                      <p:stCondLst>
+                        <p:cond delay="indefinite"/>
+                      </p:stCondLst>
+                      <p:childTnLst>
+                        <p:par>
+                          <p:cTn id="16" fill="hold">
+                            <p:stCondLst>
+                              <p:cond delay="0"/>
+                            </p:stCondLst>
+                            <p:childTnLst>
+                              <p:par>
+                                <p:cTn id="17" presetID="1" presetClass="entr" presetSubtype="0" fill="hold" grpId="0" nodeType="clickEffect">
+                                  <p:stCondLst>
+                                    <p:cond delay="0"/>
+                                  </p:stCondLst>
+                                  <p:childTnLst>
+                                    <p:set>
+                                      <p:cBhvr>
+                                        <p:cTn id="18" dur="1" fill="hold">
+                                          <p:stCondLst>
+                                            <p:cond delay="0"/>
+                                          </p:stCondLst>
+                                        </p:cTn>
+                                        <p:tgtEl>
+                                          <p:spTgt spid="3">
+                                            <p:txEl>
+                                              <p:pRg st="4" end="4"/>
+                                            </p:txEl>
+                                          </p:spTgt>
+                                        </p:tgtEl>
+                                        <p:attrNameLst>
+                                          <p:attrName>style.visibility</p:attrName>
+                                        </p:attrNameLst>
+                                      </p:cBhvr>
+                                      <p:to>
+                                        <p:strVal val="visible"/>
+                                      </p:to>
+                                    </p:set>
+                                  </p:childTnLst>
+                                </p:cTn>
+                              </p:par>
+                            </p:childTnLst>
+                          </p:cTn>
+                        </p:par>
+                      </p:childTnLst>
+                    </p:cTn>
+                  </p:par>
+                  <p:par>
+                    <p:cTn id="19" fill="hold">
+                      <p:stCondLst>
+                        <p:cond delay="indefinite"/>
+                      </p:stCondLst>
+                      <p:childTnLst>
+                        <p:par>
+                          <p:cTn id="20" fill="hold">
+                            <p:stCondLst>
+                              <p:cond delay="0"/>
+                            </p:stCondLst>
+                            <p:childTnLst>
+                              <p:par>
+                                <p:cTn id="21" presetID="1" presetClass="entr" presetSubtype="0" fill="hold" grpId="0" nodeType="clickEffect">
+                                  <p:stCondLst>
+                                    <p:cond delay="0"/>
+                                  </p:stCondLst>
+                                  <p:childTnLst>
+                                    <p:set>
+                                      <p:cBhvr>
+                                        <p:cTn id="22" dur="1" fill="hold">
+                                          <p:stCondLst>
+                                            <p:cond delay="0"/>
+                                          </p:stCondLst>
+                                        </p:cTn>
+                                        <p:tgtEl>
+                                          <p:spTgt spid="3">
+                                            <p:txEl>
+                                              <p:pRg st="5" end="5"/>
+                                            </p:txEl>
+                                          </p:spTgt>
+                                        </p:tgtEl>
+                                        <p:attrNameLst>
+                                          <p:attrName>style.visibility</p:attrName>
+                                        </p:attrNameLst>
+                                      </p:cBhvr>
+                                      <p:to>
+                                        <p:strVal val="visible"/>
+                                      </p:to>
+                                    </p:set>
+                                  </p:childTnLst>
+                                </p:cTn>
+                              </p:par>
+                            </p:childTnLst>
+                          </p:cTn>
+                        </p:par>
+                      </p:childTnLst>
+                    </p:cTn>
+                  </p:par>
+                  <p:par>
+                    <p:cTn id="23" fill="hold">
+                      <p:stCondLst>
+                        <p:cond delay="indefinite"/>
+                      </p:stCondLst>
+                      <p:childTnLst>
+                        <p:par>
+                          <p:cTn id="24" fill="hold">
+                            <p:stCondLst>
+                              <p:cond delay="0"/>
+                            </p:stCondLst>
+                            <p:childTnLst>
+                              <p:par>
+                                <p:cTn id="25" presetID="1" presetClass="entr" presetSubtype="0" fill="hold" grpId="0" nodeType="clickEffect">
+                                  <p:stCondLst>
+                                    <p:cond delay="0"/>
+                                  </p:stCondLst>
+                                  <p:childTnLst>
+                                    <p:set>
+                                      <p:cBhvr>
+                                        <p:cTn id="26" dur="1" fill="hold">
+                                          <p:stCondLst>
+                                            <p:cond delay="0"/>
+                                          </p:stCondLst>
+                                        </p:cTn>
+                                        <p:tgtEl>
+                                          <p:spTgt spid="3">
+                                            <p:txEl>
+                                              <p:pRg st="6" end="6"/>
+                                            </p:txEl>
+                                          </p:spTgt>
+                                        </p:tgtEl>
+                                        <p:attrNameLst>
+                                          <p:attrName>style.visibility</p:attrName>
+                                        </p:attrNameLst>
+                                      </p:cBhvr>
+                                      <p:to>
+                                        <p:strVal val="visible"/>
+                                      </p:to>
+                                    </p:set>
+                                  </p:childTnLst>
+                                </p:cTn>
+                              </p:par>
+                            </p:childTnLst>
+                          </p:cTn>
+                        </p:par>
+                      </p:childTnLst>
+                    </p:cTn>
+                  </p:par>
+                  <p:par>
+                    <p:cTn id="27" fill="hold">
+                      <p:stCondLst>
+                        <p:cond delay="indefinite"/>
+                      </p:stCondLst>
+                      <p:childTnLst>
+                        <p:par>
+                          <p:cTn id="28" fill="hold">
+                            <p:stCondLst>
+                              <p:cond delay="0"/>
+                            </p:stCondLst>
+                            <p:childTnLst>
+                              <p:par>
+                                <p:cTn id="29" presetID="1" presetClass="entr" presetSubtype="0" fill="hold" grpId="0" nodeType="clickEffect">
+                                  <p:stCondLst>
+                                    <p:cond delay="0"/>
+                                  </p:stCondLst>
+                                  <p:childTnLst>
+                                    <p:set>
+                                      <p:cBhvr>
+                                        <p:cTn id="30" dur="1" fill="hold">
+                                          <p:stCondLst>
+                                            <p:cond delay="0"/>
+                                          </p:stCondLst>
+                                        </p:cTn>
+                                        <p:tgtEl>
+                                          <p:spTgt spid="3">
+                                            <p:txEl>
+                                              <p:pRg st="8" end="8"/>
+                                            </p:txEl>
+                                          </p:spTgt>
+                                        </p:tgtEl>
+                                        <p:attrNameLst>
+                                          <p:attrName>style.visibility</p:attrName>
+                                        </p:attrNameLst>
+                                      </p:cBhvr>
+                                      <p:to>
+                                        <p:strVal val="visible"/>
+                                      </p:to>
+                                    </p:set>
+                                  </p:childTnLst>
+                                </p:cTn>
+                              </p:par>
+                            </p:childTnLst>
+                          </p:cTn>
+                        </p:par>
+                      </p:childTnLst>
+                    </p:cTn>
+                  </p:par>
+                  <p:par>
+                    <p:cTn id="31" fill="hold">
+                      <p:stCondLst>
+                        <p:cond delay="indefinite"/>
+                      </p:stCondLst>
+                      <p:childTnLst>
+                        <p:par>
+                          <p:cTn id="32" fill="hold">
+                            <p:stCondLst>
+                              <p:cond delay="0"/>
+                            </p:stCondLst>
+                            <p:childTnLst>
+                              <p:par>
+                                <p:cTn id="33" presetID="1" presetClass="entr" presetSubtype="0" fill="hold" grpId="0" nodeType="clickEffect">
+                                  <p:stCondLst>
+                                    <p:cond delay="0"/>
+                                  </p:stCondLst>
+                                  <p:childTnLst>
+                                    <p:set>
+                                      <p:cBhvr>
+                                        <p:cTn id="34" dur="1" fill="hold">
+                                          <p:stCondLst>
+                                            <p:cond delay="0"/>
+                                          </p:stCondLst>
+                                        </p:cTn>
+                                        <p:tgtEl>
+                                          <p:spTgt spid="3">
+                                            <p:txEl>
+                                              <p:pRg st="10" end="10"/>
+                                            </p:txEl>
+                                          </p:spTgt>
+                                        </p:tgtEl>
+                                        <p:attrNameLst>
+                                          <p:attrName>style.visibility</p:attrName>
+                                        </p:attrNameLst>
+                                      </p:cBhvr>
+                                      <p:to>
+                                        <p:strVal val="visible"/>
+                                      </p:to>
+                                    </p:set>
+                                  </p:childTnLst>
+                                </p:cTn>
+                              </p:par>
+                            </p:childTnLst>
+                          </p:cTn>
+                        </p:par>
+                      </p:childTnLst>
+                    </p:cTn>
+                  </p:par>
+                </p:childTnLst>
+              </p:cTn>
+              <p:prevCondLst>
+                <p:cond evt="onPrev" delay="0">
+                  <p:tgtEl>
+                    <p:sldTgt/>
+                  </p:tgtEl>
+                </p:cond>
+              </p:prevCondLst>
+              <p:nextCondLst>
+                <p:cond evt="onNext" delay="0">
+                  <p:tgtEl>
+                    <p:sldTgt/>
+                  </p:tgtEl>
+                </p:cond>
+              </p:nextCondLst>
+            </p:seq>
+          </p:childTnLst>
+        </p:cTn>
+      </p:par>
+    </p:tnLst>
+    <p:bldLst>
+      <p:bldP spid="3" grpId="0" build="p"/>
+    </p:bldLst>
+  </p:timing>
+</p:sld>
+</file>
+
+<file path=ppt/slides/slide23.xml><?xml version="1.0" encoding="utf-8"?>
+<p:sld xmlns:a="http://schemas.openxmlformats.org/drawingml/2006/main" xmlns:r="http://schemas.openxmlformats.org/officeDocument/2006/relationships" xmlns:p="http://schemas.openxmlformats.org/presentationml/2006/main">
+  <p:cSld>
+    <p:spTree>
+      <p:nvGrpSpPr>
+        <p:cNvPr id="1" name=""/>
+        <p:cNvGrpSpPr/>
+        <p:nvPr/>
+      </p:nvGrpSpPr>
+      <p:grpSpPr>
+        <a:xfrm>
+          <a:off x="0" y="0"/>
+          <a:ext cx="0" cy="0"/>
+          <a:chOff x="0" y="0"/>
+          <a:chExt cx="0" cy="0"/>
+        </a:xfrm>
+      </p:grpSpPr>
+      <p:sp>
+        <p:nvSpPr>
+          <p:cNvPr id="2" name="Title 1">
+            <a:extLst>
+              <a:ext uri="{FF2B5EF4-FFF2-40B4-BE49-F238E27FC236}">
+                <a16:creationId xmlns:a16="http://schemas.microsoft.com/office/drawing/2014/main" id="{BD359B78-5D5B-4AD0-945A-BB8983B79157}"/>
+              </a:ext>
+            </a:extLst>
+          </p:cNvPr>
+          <p:cNvSpPr>
+            <a:spLocks noGrp="1"/>
+          </p:cNvSpPr>
+          <p:nvPr>
+            <p:ph type="title"/>
+          </p:nvPr>
+        </p:nvSpPr>
+        <p:spPr/>
+        <p:txBody>
+          <a:bodyPr/>
+          <a:lstStyle/>
+          <a:p>
+            <a:r>
+              <a:rPr lang="en-US" dirty="0"/>
+              <a:t>Example state chart for the infusion pump</a:t>
+            </a:r>
+          </a:p>
+        </p:txBody>
+      </p:sp>
+      <p:pic>
+        <p:nvPicPr>
+          <p:cNvPr id="7" name="Content Placeholder 6">
+            <a:extLst>
+              <a:ext uri="{FF2B5EF4-FFF2-40B4-BE49-F238E27FC236}">
+                <a16:creationId xmlns:a16="http://schemas.microsoft.com/office/drawing/2014/main" id="{A6A2583D-D5F0-4534-AE8F-13DBA8B634EB}"/>
+              </a:ext>
+            </a:extLst>
+          </p:cNvPr>
+          <p:cNvPicPr>
+            <a:picLocks noGrp="1" noChangeAspect="1"/>
+          </p:cNvPicPr>
+          <p:nvPr>
+            <p:ph idx="1"/>
+          </p:nvPr>
+        </p:nvPicPr>
+        <p:blipFill>
+          <a:blip r:embed="rId3"/>
+          <a:stretch>
+            <a:fillRect/>
+          </a:stretch>
+        </p:blipFill>
+        <p:spPr>
+          <a:xfrm>
+            <a:off x="36576" y="1441227"/>
+            <a:ext cx="3867672" cy="5014912"/>
+          </a:xfrm>
+        </p:spPr>
+      </p:pic>
+      <p:sp>
+        <p:nvSpPr>
+          <p:cNvPr id="4" name="Date Placeholder 3">
+            <a:extLst>
+              <a:ext uri="{FF2B5EF4-FFF2-40B4-BE49-F238E27FC236}">
+                <a16:creationId xmlns:a16="http://schemas.microsoft.com/office/drawing/2014/main" id="{9DBD791E-077F-4FF1-AF7E-99D7AE1E9B94}"/>
+              </a:ext>
+            </a:extLst>
+          </p:cNvPr>
+          <p:cNvSpPr>
+            <a:spLocks noGrp="1"/>
+          </p:cNvSpPr>
+          <p:nvPr>
+            <p:ph type="dt" sz="half" idx="10"/>
+          </p:nvPr>
+        </p:nvSpPr>
+        <p:spPr/>
+        <p:txBody>
+          <a:bodyPr/>
+          <a:lstStyle/>
+          <a:p>
+            <a:pPr>
+              <a:defRPr/>
+            </a:pPr>
+            <a:r>
+              <a:rPr lang="en-US"/>
+              <a:t>21/12/2020</a:t>
+            </a:r>
+          </a:p>
+        </p:txBody>
+      </p:sp>
+      <p:sp>
+        <p:nvSpPr>
+          <p:cNvPr id="5" name="Slide Number Placeholder 4">
+            <a:extLst>
+              <a:ext uri="{FF2B5EF4-FFF2-40B4-BE49-F238E27FC236}">
+                <a16:creationId xmlns:a16="http://schemas.microsoft.com/office/drawing/2014/main" id="{AF477446-444C-41E0-AE58-D508A620E2AF}"/>
+              </a:ext>
+            </a:extLst>
+          </p:cNvPr>
+          <p:cNvSpPr>
+            <a:spLocks noGrp="1"/>
+          </p:cNvSpPr>
+          <p:nvPr>
+            <p:ph type="sldNum" sz="quarter" idx="12"/>
+          </p:nvPr>
+        </p:nvSpPr>
+        <p:spPr/>
+        <p:txBody>
+          <a:bodyPr/>
+          <a:lstStyle/>
+          <a:p>
+            <a:pPr>
+              <a:defRPr/>
+            </a:pPr>
+            <a:fld id="{CA887A73-1AE0-46F8-856A-18EA1CF30A1B}" type="slidenum">
+              <a:rPr lang="en-US" altLang="en-US" smtClean="0"/>
+              <a:pPr>
+                <a:defRPr/>
+              </a:pPr>
+              <a:t>23</a:t>
+            </a:fld>
+            <a:endParaRPr lang="en-US" altLang="en-US"/>
+          </a:p>
+        </p:txBody>
+      </p:sp>
+      <p:sp>
+        <p:nvSpPr>
+          <p:cNvPr id="8" name="Content Placeholder 2">
+            <a:extLst>
+              <a:ext uri="{FF2B5EF4-FFF2-40B4-BE49-F238E27FC236}">
+                <a16:creationId xmlns:a16="http://schemas.microsoft.com/office/drawing/2014/main" id="{19D1CA80-AFCF-4DAE-9E27-7206239E02E8}"/>
+              </a:ext>
+            </a:extLst>
+          </p:cNvPr>
+          <p:cNvSpPr txBox="1">
+            <a:spLocks/>
+          </p:cNvSpPr>
+          <p:nvPr/>
+        </p:nvSpPr>
+        <p:spPr bwMode="auto">
+          <a:xfrm>
+            <a:off x="3904248" y="1446211"/>
+            <a:ext cx="5087352" cy="5014912"/>
+          </a:xfrm>
+          <a:prstGeom prst="rect">
+            <a:avLst/>
+          </a:prstGeom>
+          <a:noFill/>
+          <a:ln>
+            <a:noFill/>
+          </a:ln>
+          <a:extLst>
+            <a:ext uri="{909E8E84-426E-40DD-AFC4-6F175D3DCCD1}">
+              <a14:hiddenFill xmlns:a14="http://schemas.microsoft.com/office/drawing/2010/main">
+                <a:solidFill>
+                  <a:srgbClr val="FFFFFF"/>
+                </a:solidFill>
+              </a14:hiddenFill>
+            </a:ext>
+            <a:ext uri="{91240B29-F687-4F45-9708-019B960494DF}">
+              <a14:hiddenLine xmlns:a14="http://schemas.microsoft.com/office/drawing/2010/main" w="9525">
+                <a:solidFill>
+                  <a:srgbClr val="000000"/>
+                </a:solidFill>
+                <a:miter lim="800000"/>
+                <a:headEnd/>
+                <a:tailEnd/>
+              </a14:hiddenLine>
+            </a:ext>
+          </a:extLst>
+        </p:spPr>
+        <p:txBody>
+          <a:bodyPr vert="horz" wrap="square" lIns="91440" tIns="45720" rIns="91440" bIns="45720" numCol="1" anchor="t" anchorCtr="0" compatLnSpc="1">
+            <a:prstTxWarp prst="textNoShape">
+              <a:avLst/>
+            </a:prstTxWarp>
+            <a:normAutofit/>
+          </a:bodyPr>
+          <a:lstStyle>
+            <a:lvl1pPr marL="342900" indent="-342900" algn="l" rtl="0" eaLnBrk="0" fontAlgn="base" hangingPunct="0">
+              <a:spcBef>
+                <a:spcPct val="20000"/>
+              </a:spcBef>
+              <a:spcAft>
+                <a:spcPct val="0"/>
+              </a:spcAft>
+              <a:buFont typeface="Arial" panose="020B0604020202020204" pitchFamily="34" charset="0"/>
+              <a:buChar char="•"/>
+              <a:defRPr sz="3200" kern="1200">
+                <a:solidFill>
+                  <a:schemeClr val="tx1">
+                    <a:lumMod val="50000"/>
+                    <a:lumOff val="50000"/>
+                  </a:schemeClr>
+                </a:solidFill>
+                <a:latin typeface="+mn-lt"/>
+                <a:ea typeface="+mn-ea"/>
+                <a:cs typeface="+mn-cs"/>
+              </a:defRPr>
+            </a:lvl1pPr>
+            <a:lvl2pPr marL="742950" indent="-285750" algn="l" rtl="0" eaLnBrk="0" fontAlgn="base" hangingPunct="0">
+              <a:spcBef>
+                <a:spcPct val="20000"/>
+              </a:spcBef>
+              <a:spcAft>
+                <a:spcPct val="0"/>
+              </a:spcAft>
+              <a:buFont typeface="Arial" panose="020B0604020202020204" pitchFamily="34" charset="0"/>
+              <a:buChar char="–"/>
+              <a:defRPr sz="2800" kern="1200">
+                <a:solidFill>
+                  <a:schemeClr val="tx1">
+                    <a:lumMod val="50000"/>
+                    <a:lumOff val="50000"/>
+                  </a:schemeClr>
+                </a:solidFill>
+                <a:latin typeface="+mn-lt"/>
+                <a:ea typeface="+mn-ea"/>
+                <a:cs typeface="+mn-cs"/>
+              </a:defRPr>
+            </a:lvl2pPr>
+            <a:lvl3pPr marL="1143000" indent="-228600" algn="l" rtl="0" eaLnBrk="0" fontAlgn="base" hangingPunct="0">
+              <a:spcBef>
+                <a:spcPct val="20000"/>
+              </a:spcBef>
+              <a:spcAft>
+                <a:spcPct val="0"/>
+              </a:spcAft>
+              <a:buFont typeface="Arial" panose="020B0604020202020204" pitchFamily="34" charset="0"/>
+              <a:buChar char="•"/>
+              <a:defRPr sz="2400" kern="1200">
+                <a:solidFill>
+                  <a:schemeClr val="tx1">
+                    <a:lumMod val="50000"/>
+                    <a:lumOff val="50000"/>
+                  </a:schemeClr>
+                </a:solidFill>
+                <a:latin typeface="+mn-lt"/>
+                <a:ea typeface="+mn-ea"/>
+                <a:cs typeface="+mn-cs"/>
+              </a:defRPr>
+            </a:lvl3pPr>
+            <a:lvl4pPr marL="1600200" indent="-228600" algn="l" rtl="0" eaLnBrk="0" fontAlgn="base" hangingPunct="0">
+              <a:spcBef>
+                <a:spcPct val="20000"/>
+              </a:spcBef>
+              <a:spcAft>
+                <a:spcPct val="0"/>
+              </a:spcAft>
+              <a:buFont typeface="Arial" panose="020B0604020202020204" pitchFamily="34" charset="0"/>
+              <a:buChar char="–"/>
+              <a:defRPr sz="2000" kern="1200">
+                <a:solidFill>
+                  <a:schemeClr val="tx1">
+                    <a:lumMod val="50000"/>
+                    <a:lumOff val="50000"/>
+                  </a:schemeClr>
+                </a:solidFill>
+                <a:latin typeface="+mn-lt"/>
+                <a:ea typeface="+mn-ea"/>
+                <a:cs typeface="+mn-cs"/>
+              </a:defRPr>
+            </a:lvl4pPr>
+            <a:lvl5pPr marL="2057400" indent="-228600" algn="l" rtl="0" eaLnBrk="0" fontAlgn="base" hangingPunct="0">
+              <a:spcBef>
+                <a:spcPct val="20000"/>
+              </a:spcBef>
+              <a:spcAft>
+                <a:spcPct val="0"/>
+              </a:spcAft>
+              <a:buFont typeface="Arial" panose="020B0604020202020204" pitchFamily="34" charset="0"/>
+              <a:buChar char="»"/>
+              <a:defRPr sz="2000" kern="1200">
+                <a:solidFill>
+                  <a:schemeClr val="tx1">
+                    <a:lumMod val="50000"/>
+                    <a:lumOff val="50000"/>
+                  </a:schemeClr>
+                </a:solidFill>
+                <a:latin typeface="+mn-lt"/>
+                <a:ea typeface="+mn-ea"/>
+                <a:cs typeface="+mn-cs"/>
+              </a:defRPr>
+            </a:lvl5pPr>
+            <a:lvl6pPr marL="2514600" indent="-228600" algn="l" defTabSz="914400" rtl="0" eaLnBrk="1" latinLnBrk="0" hangingPunct="1">
+              <a:spcBef>
+                <a:spcPct val="20000"/>
+              </a:spcBef>
+              <a:buFont typeface="Arial" pitchFamily="34" charset="0"/>
+              <a:buChar char="•"/>
+              <a:defRPr sz="2000" kern="1200">
+                <a:solidFill>
+                  <a:schemeClr val="tx1"/>
+                </a:solidFill>
+                <a:latin typeface="+mn-lt"/>
+                <a:ea typeface="+mn-ea"/>
+                <a:cs typeface="+mn-cs"/>
+              </a:defRPr>
+            </a:lvl6pPr>
+            <a:lvl7pPr marL="2971800" indent="-228600" algn="l" defTabSz="914400" rtl="0" eaLnBrk="1" latinLnBrk="0" hangingPunct="1">
+              <a:spcBef>
+                <a:spcPct val="20000"/>
+              </a:spcBef>
+              <a:buFont typeface="Arial" pitchFamily="34" charset="0"/>
+              <a:buChar char="•"/>
+              <a:defRPr sz="2000" kern="1200">
+                <a:solidFill>
+                  <a:schemeClr val="tx1"/>
+                </a:solidFill>
+                <a:latin typeface="+mn-lt"/>
+                <a:ea typeface="+mn-ea"/>
+                <a:cs typeface="+mn-cs"/>
+              </a:defRPr>
+            </a:lvl7pPr>
+            <a:lvl8pPr marL="3429000" indent="-228600" algn="l" defTabSz="914400" rtl="0" eaLnBrk="1" latinLnBrk="0" hangingPunct="1">
+              <a:spcBef>
+                <a:spcPct val="20000"/>
+              </a:spcBef>
+              <a:buFont typeface="Arial" pitchFamily="34" charset="0"/>
+              <a:buChar char="•"/>
+              <a:defRPr sz="2000" kern="1200">
+                <a:solidFill>
+                  <a:schemeClr val="tx1"/>
+                </a:solidFill>
+                <a:latin typeface="+mn-lt"/>
+                <a:ea typeface="+mn-ea"/>
+                <a:cs typeface="+mn-cs"/>
+              </a:defRPr>
+            </a:lvl8pPr>
+            <a:lvl9pPr marL="3886200" indent="-228600" algn="l" defTabSz="914400" rtl="0" eaLnBrk="1" latinLnBrk="0" hangingPunct="1">
+              <a:spcBef>
+                <a:spcPct val="20000"/>
+              </a:spcBef>
+              <a:buFont typeface="Arial" pitchFamily="34" charset="0"/>
+              <a:buChar char="•"/>
+              <a:defRPr sz="2000" kern="1200">
+                <a:solidFill>
+                  <a:schemeClr val="tx1"/>
+                </a:solidFill>
+                <a:latin typeface="+mn-lt"/>
+                <a:ea typeface="+mn-ea"/>
+                <a:cs typeface="+mn-cs"/>
+              </a:defRPr>
+            </a:lvl9pPr>
+          </a:lstStyle>
+          <a:p>
+            <a:pPr marL="0" indent="0">
+              <a:buNone/>
+            </a:pPr>
+            <a:r>
+              <a:rPr lang="en-US" sz="2000" dirty="0"/>
+              <a:t>Making </a:t>
+            </a:r>
+            <a:r>
+              <a:rPr lang="en-US" sz="2000" dirty="0" err="1"/>
+              <a:t>statecharts</a:t>
+            </a:r>
+            <a:r>
+              <a:rPr lang="en-US" sz="2000" dirty="0"/>
+              <a:t> with Mermaid</a:t>
+            </a:r>
+          </a:p>
+          <a:p>
+            <a:r>
+              <a:rPr lang="en-US" sz="2000" dirty="0"/>
+              <a:t>Text-based way to create diagrams</a:t>
+            </a:r>
+          </a:p>
+          <a:p>
+            <a:r>
+              <a:rPr lang="en-US" sz="2000" dirty="0"/>
+              <a:t>Easy version control</a:t>
+            </a:r>
+          </a:p>
+          <a:p>
+            <a:r>
+              <a:rPr lang="en-US" sz="2000" dirty="0"/>
+              <a:t>Works directly in markdown files (on GitHub, </a:t>
+            </a:r>
+            <a:r>
+              <a:rPr lang="en-US" sz="2000" dirty="0" err="1"/>
+              <a:t>VSCode</a:t>
+            </a:r>
+            <a:r>
+              <a:rPr lang="en-US" sz="2000" dirty="0"/>
+              <a:t> with the ‘mermaid preview’ extension)</a:t>
+            </a:r>
+          </a:p>
+          <a:p>
+            <a:endParaRPr lang="en-US" sz="2000" dirty="0"/>
+          </a:p>
+        </p:txBody>
+      </p:sp>
+      <p:pic>
+        <p:nvPicPr>
+          <p:cNvPr id="10" name="Picture 9">
+            <a:extLst>
+              <a:ext uri="{FF2B5EF4-FFF2-40B4-BE49-F238E27FC236}">
+                <a16:creationId xmlns:a16="http://schemas.microsoft.com/office/drawing/2014/main" id="{B9BB5DC3-103D-4B61-AD7A-8038F011D8EF}"/>
+              </a:ext>
+            </a:extLst>
+          </p:cNvPr>
+          <p:cNvPicPr>
+            <a:picLocks noChangeAspect="1"/>
+          </p:cNvPicPr>
+          <p:nvPr/>
+        </p:nvPicPr>
+        <p:blipFill>
+          <a:blip r:embed="rId4"/>
+          <a:stretch>
+            <a:fillRect/>
+          </a:stretch>
+        </p:blipFill>
+        <p:spPr>
+          <a:xfrm>
+            <a:off x="3962400" y="3657600"/>
+            <a:ext cx="3477110" cy="1581371"/>
+          </a:xfrm>
+          <a:prstGeom prst="rect">
+            <a:avLst/>
+          </a:prstGeom>
+        </p:spPr>
+      </p:pic>
+      <p:pic>
+        <p:nvPicPr>
+          <p:cNvPr id="12" name="Picture 11">
+            <a:extLst>
+              <a:ext uri="{FF2B5EF4-FFF2-40B4-BE49-F238E27FC236}">
+                <a16:creationId xmlns:a16="http://schemas.microsoft.com/office/drawing/2014/main" id="{7F51F8D8-1B32-4B72-8589-D8C6673FCCFD}"/>
+              </a:ext>
+            </a:extLst>
+          </p:cNvPr>
+          <p:cNvPicPr>
+            <a:picLocks noChangeAspect="1"/>
+          </p:cNvPicPr>
+          <p:nvPr/>
+        </p:nvPicPr>
+        <p:blipFill>
+          <a:blip r:embed="rId5"/>
+          <a:stretch>
+            <a:fillRect/>
+          </a:stretch>
+        </p:blipFill>
+        <p:spPr>
+          <a:xfrm>
+            <a:off x="3983736" y="5268941"/>
+            <a:ext cx="1914792" cy="1162212"/>
+          </a:xfrm>
+          <a:prstGeom prst="rect">
+            <a:avLst/>
+          </a:prstGeom>
+        </p:spPr>
+      </p:pic>
+    </p:spTree>
+    <p:extLst>
+      <p:ext uri="{BB962C8B-B14F-4D97-AF65-F5344CB8AC3E}">
+        <p14:creationId xmlns:p14="http://schemas.microsoft.com/office/powerpoint/2010/main" val="1345334289"/>
+      </p:ext>
+    </p:extLst>
+  </p:cSld>
+  <p:clrMapOvr>
+    <a:masterClrMapping/>
+  </p:clrMapOvr>
+  <p:timing>
+    <p:tnLst>
+      <p:par>
+        <p:cTn id="1" dur="indefinite" restart="never" nodeType="tmRoot">
+          <p:childTnLst>
+            <p:seq concurrent="1" nextAc="seek">
+              <p:cTn id="2" dur="indefinite" nodeType="mainSeq">
+                <p:childTnLst>
+                  <p:par>
+                    <p:cTn id="3" fill="hold">
+                      <p:stCondLst>
+                        <p:cond delay="indefinite"/>
+                      </p:stCondLst>
+                      <p:childTnLst>
+                        <p:par>
+                          <p:cTn id="4" fill="hold">
+                            <p:stCondLst>
+                              <p:cond delay="0"/>
+                            </p:stCondLst>
+                            <p:childTnLst>
+                              <p:par>
+                                <p:cTn id="5" presetID="1" presetClass="entr" presetSubtype="0" fill="hold" grpId="0" nodeType="clickEffect">
+                                  <p:stCondLst>
+                                    <p:cond delay="0"/>
+                                  </p:stCondLst>
+                                  <p:childTnLst>
+                                    <p:set>
+                                      <p:cBhvr>
+                                        <p:cTn id="6" dur="1" fill="hold">
+                                          <p:stCondLst>
+                                            <p:cond delay="0"/>
+                                          </p:stCondLst>
+                                        </p:cTn>
+                                        <p:tgtEl>
+                                          <p:spTgt spid="8">
+                                            <p:txEl>
+                                              <p:pRg st="0" end="0"/>
+                                            </p:txEl>
+                                          </p:spTgt>
+                                        </p:tgtEl>
+                                        <p:attrNameLst>
+                                          <p:attrName>style.visibility</p:attrName>
+                                        </p:attrNameLst>
+                                      </p:cBhvr>
+                                      <p:to>
+                                        <p:strVal val="visible"/>
+                                      </p:to>
+                                    </p:set>
+                                  </p:childTnLst>
+                                </p:cTn>
+                              </p:par>
+                            </p:childTnLst>
+                          </p:cTn>
+                        </p:par>
+                      </p:childTnLst>
+                    </p:cTn>
+                  </p:par>
+                  <p:par>
+                    <p:cTn id="7" fill="hold">
+                      <p:stCondLst>
+                        <p:cond delay="indefinite"/>
+                      </p:stCondLst>
+                      <p:childTnLst>
+                        <p:par>
+                          <p:cTn id="8" fill="hold">
+                            <p:stCondLst>
+                              <p:cond delay="0"/>
+                            </p:stCondLst>
+                            <p:childTnLst>
+                              <p:par>
+                                <p:cTn id="9" presetID="1" presetClass="entr" presetSubtype="0" fill="hold" grpId="0" nodeType="clickEffect">
+                                  <p:stCondLst>
+                                    <p:cond delay="0"/>
+                                  </p:stCondLst>
+                                  <p:childTnLst>
+                                    <p:set>
+                                      <p:cBhvr>
+                                        <p:cTn id="10" dur="1" fill="hold">
+                                          <p:stCondLst>
+                                            <p:cond delay="0"/>
+                                          </p:stCondLst>
+                                        </p:cTn>
+                                        <p:tgtEl>
+                                          <p:spTgt spid="8">
+                                            <p:txEl>
+                                              <p:pRg st="1" end="1"/>
+                                            </p:txEl>
+                                          </p:spTgt>
+                                        </p:tgtEl>
+                                        <p:attrNameLst>
+                                          <p:attrName>style.visibility</p:attrName>
+                                        </p:attrNameLst>
+                                      </p:cBhvr>
+                                      <p:to>
+                                        <p:strVal val="visible"/>
+                                      </p:to>
+                                    </p:set>
+                                  </p:childTnLst>
+                                </p:cTn>
+                              </p:par>
+                            </p:childTnLst>
+                          </p:cTn>
+                        </p:par>
+                      </p:childTnLst>
+                    </p:cTn>
+                  </p:par>
+                  <p:par>
+                    <p:cTn id="11" fill="hold">
+                      <p:stCondLst>
+                        <p:cond delay="indefinite"/>
+                      </p:stCondLst>
+                      <p:childTnLst>
+                        <p:par>
+                          <p:cTn id="12" fill="hold">
+                            <p:stCondLst>
+                              <p:cond delay="0"/>
+                            </p:stCondLst>
+                            <p:childTnLst>
+                              <p:par>
+                                <p:cTn id="13" presetID="1" presetClass="entr" presetSubtype="0" fill="hold" grpId="0" nodeType="clickEffect">
+                                  <p:stCondLst>
+                                    <p:cond delay="0"/>
+                                  </p:stCondLst>
+                                  <p:childTnLst>
+                                    <p:set>
+                                      <p:cBhvr>
+                                        <p:cTn id="14" dur="1" fill="hold">
+                                          <p:stCondLst>
+                                            <p:cond delay="0"/>
+                                          </p:stCondLst>
+                                        </p:cTn>
+                                        <p:tgtEl>
+                                          <p:spTgt spid="8">
+                                            <p:txEl>
+                                              <p:pRg st="2" end="2"/>
+                                            </p:txEl>
+                                          </p:spTgt>
+                                        </p:tgtEl>
+                                        <p:attrNameLst>
+                                          <p:attrName>style.visibility</p:attrName>
+                                        </p:attrNameLst>
+                                      </p:cBhvr>
+                                      <p:to>
+                                        <p:strVal val="visible"/>
+                                      </p:to>
+                                    </p:set>
+                                  </p:childTnLst>
+                                </p:cTn>
+                              </p:par>
+                            </p:childTnLst>
+                          </p:cTn>
+                        </p:par>
+                      </p:childTnLst>
+                    </p:cTn>
+                  </p:par>
+                  <p:par>
+                    <p:cTn id="15" fill="hold">
+                      <p:stCondLst>
+                        <p:cond delay="indefinite"/>
+                      </p:stCondLst>
+                      <p:childTnLst>
+                        <p:par>
+                          <p:cTn id="16" fill="hold">
+                            <p:stCondLst>
+                              <p:cond delay="0"/>
+                            </p:stCondLst>
+                            <p:childTnLst>
+                              <p:par>
+                                <p:cTn id="17" presetID="1" presetClass="entr" presetSubtype="0" fill="hold" grpId="0" nodeType="clickEffect">
+                                  <p:stCondLst>
+                                    <p:cond delay="0"/>
+                                  </p:stCondLst>
+                                  <p:childTnLst>
+                                    <p:set>
+                                      <p:cBhvr>
+                                        <p:cTn id="18" dur="1" fill="hold">
+                                          <p:stCondLst>
+                                            <p:cond delay="0"/>
+                                          </p:stCondLst>
+                                        </p:cTn>
+                                        <p:tgtEl>
+                                          <p:spTgt spid="8">
+                                            <p:txEl>
+                                              <p:pRg st="3" end="3"/>
+                                            </p:txEl>
+                                          </p:spTgt>
+                                        </p:tgtEl>
+                                        <p:attrNameLst>
+                                          <p:attrName>style.visibility</p:attrName>
+                                        </p:attrNameLst>
+                                      </p:cBhvr>
+                                      <p:to>
+                                        <p:strVal val="visible"/>
+                                      </p:to>
+                                    </p:set>
+                                  </p:childTnLst>
+                                </p:cTn>
+                              </p:par>
+                            </p:childTnLst>
+                          </p:cTn>
+                        </p:par>
+                      </p:childTnLst>
+                    </p:cTn>
+                  </p:par>
+                  <p:par>
+                    <p:cTn id="19" fill="hold">
+                      <p:stCondLst>
+                        <p:cond delay="indefinite"/>
+                      </p:stCondLst>
+                      <p:childTnLst>
+                        <p:par>
+                          <p:cTn id="20" fill="hold">
+                            <p:stCondLst>
+                              <p:cond delay="0"/>
+                            </p:stCondLst>
+                            <p:childTnLst>
+                              <p:par>
+                                <p:cTn id="21" presetID="1" presetClass="entr" presetSubtype="0" fill="hold" nodeType="clickEffect">
+                                  <p:stCondLst>
+                                    <p:cond delay="0"/>
+                                  </p:stCondLst>
+                                  <p:childTnLst>
+                                    <p:set>
+                                      <p:cBhvr>
+                                        <p:cTn id="22" dur="1" fill="hold">
+                                          <p:stCondLst>
+                                            <p:cond delay="0"/>
+                                          </p:stCondLst>
+                                        </p:cTn>
+                                        <p:tgtEl>
+                                          <p:spTgt spid="10"/>
+                                        </p:tgtEl>
+                                        <p:attrNameLst>
+                                          <p:attrName>style.visibility</p:attrName>
+                                        </p:attrNameLst>
+                                      </p:cBhvr>
+                                      <p:to>
+                                        <p:strVal val="visible"/>
+                                      </p:to>
+                                    </p:set>
+                                  </p:childTnLst>
+                                </p:cTn>
+                              </p:par>
+                            </p:childTnLst>
+                          </p:cTn>
+                        </p:par>
+                      </p:childTnLst>
+                    </p:cTn>
+                  </p:par>
+                  <p:par>
+                    <p:cTn id="23" fill="hold">
+                      <p:stCondLst>
+                        <p:cond delay="indefinite"/>
+                      </p:stCondLst>
+                      <p:childTnLst>
+                        <p:par>
+                          <p:cTn id="24" fill="hold">
+                            <p:stCondLst>
+                              <p:cond delay="0"/>
+                            </p:stCondLst>
+                            <p:childTnLst>
+                              <p:par>
+                                <p:cTn id="25" presetID="1" presetClass="entr" presetSubtype="0" fill="hold" nodeType="clickEffect">
+                                  <p:stCondLst>
+                                    <p:cond delay="0"/>
+                                  </p:stCondLst>
+                                  <p:childTnLst>
+                                    <p:set>
+                                      <p:cBhvr>
+                                        <p:cTn id="26" dur="1" fill="hold">
+                                          <p:stCondLst>
+                                            <p:cond delay="0"/>
+                                          </p:stCondLst>
+                                        </p:cTn>
+                                        <p:tgtEl>
+                                          <p:spTgt spid="12"/>
+                                        </p:tgtEl>
+                                        <p:attrNameLst>
+                                          <p:attrName>style.visibility</p:attrName>
+                                        </p:attrNameLst>
+                                      </p:cBhvr>
+                                      <p:to>
+                                        <p:strVal val="visible"/>
+                                      </p:to>
+                                    </p:set>
+                                  </p:childTnLst>
+                                </p:cTn>
+                              </p:par>
+                            </p:childTnLst>
+                          </p:cTn>
+                        </p:par>
+                      </p:childTnLst>
+                    </p:cTn>
+                  </p:par>
+                </p:childTnLst>
+              </p:cTn>
+              <p:prevCondLst>
+                <p:cond evt="onPrev" delay="0">
+                  <p:tgtEl>
+                    <p:sldTgt/>
+                  </p:tgtEl>
+                </p:cond>
+              </p:prevCondLst>
+              <p:nextCondLst>
+                <p:cond evt="onNext" delay="0">
+                  <p:tgtEl>
+                    <p:sldTgt/>
+                  </p:tgtEl>
+                </p:cond>
+              </p:nextCondLst>
+            </p:seq>
+          </p:childTnLst>
+        </p:cTn>
+      </p:par>
+    </p:tnLst>
+    <p:bldLst>
+      <p:bldP spid="8" grpId="0" build="p"/>
+    </p:bldLst>
+  </p:timing>
+</p:sld>
+</file>
+
+<file path=ppt/slides/slide24.xml><?xml version="1.0" encoding="utf-8"?>
+<p:sld xmlns:a="http://schemas.openxmlformats.org/drawingml/2006/main" xmlns:r="http://schemas.openxmlformats.org/officeDocument/2006/relationships" xmlns:p="http://schemas.openxmlformats.org/presentationml/2006/main">
+  <p:cSld>
+    <p:spTree>
+      <p:nvGrpSpPr>
+        <p:cNvPr id="1" name=""/>
+        <p:cNvGrpSpPr/>
+        <p:nvPr/>
+      </p:nvGrpSpPr>
+      <p:grpSpPr>
+        <a:xfrm>
+          <a:off x="0" y="0"/>
+          <a:ext cx="0" cy="0"/>
+          <a:chOff x="0" y="0"/>
+          <a:chExt cx="0" cy="0"/>
+        </a:xfrm>
+      </p:grpSpPr>
+      <p:sp>
+        <p:nvSpPr>
+          <p:cNvPr id="2" name="Title 1">
+            <a:extLst>
+              <a:ext uri="{FF2B5EF4-FFF2-40B4-BE49-F238E27FC236}">
+                <a16:creationId xmlns:a16="http://schemas.microsoft.com/office/drawing/2014/main" id="{352EAEDE-5551-4A8F-98C6-92759EC74E56}"/>
+              </a:ext>
+            </a:extLst>
+          </p:cNvPr>
+          <p:cNvSpPr>
+            <a:spLocks noGrp="1"/>
+          </p:cNvSpPr>
+          <p:nvPr>
+            <p:ph type="title"/>
+          </p:nvPr>
+        </p:nvSpPr>
+        <p:spPr/>
+        <p:txBody>
+          <a:bodyPr/>
+          <a:lstStyle/>
+          <a:p>
+            <a:r>
+              <a:rPr lang="en-US" dirty="0"/>
+              <a:t>The good and the bad state chart</a:t>
+            </a:r>
+          </a:p>
+        </p:txBody>
+      </p:sp>
+      <p:pic>
+        <p:nvPicPr>
+          <p:cNvPr id="7" name="Content Placeholder 6">
+            <a:extLst>
+              <a:ext uri="{FF2B5EF4-FFF2-40B4-BE49-F238E27FC236}">
+                <a16:creationId xmlns:a16="http://schemas.microsoft.com/office/drawing/2014/main" id="{AA8D91C6-FB41-4793-8594-93449E97E564}"/>
+              </a:ext>
+            </a:extLst>
+          </p:cNvPr>
+          <p:cNvPicPr>
+            <a:picLocks noGrp="1" noChangeAspect="1"/>
+          </p:cNvPicPr>
+          <p:nvPr>
+            <p:ph idx="1"/>
+          </p:nvPr>
+        </p:nvPicPr>
+        <p:blipFill>
+          <a:blip r:embed="rId2"/>
+          <a:stretch>
+            <a:fillRect/>
+          </a:stretch>
+        </p:blipFill>
+        <p:spPr>
+          <a:xfrm>
+            <a:off x="3930080" y="1416843"/>
+            <a:ext cx="5109271" cy="4069557"/>
+          </a:xfrm>
+        </p:spPr>
+      </p:pic>
+      <p:sp>
+        <p:nvSpPr>
+          <p:cNvPr id="4" name="Date Placeholder 3">
+            <a:extLst>
+              <a:ext uri="{FF2B5EF4-FFF2-40B4-BE49-F238E27FC236}">
+                <a16:creationId xmlns:a16="http://schemas.microsoft.com/office/drawing/2014/main" id="{56C3BBA6-6525-4C9D-B8F4-1738A9BDAE49}"/>
+              </a:ext>
+            </a:extLst>
+          </p:cNvPr>
+          <p:cNvSpPr>
+            <a:spLocks noGrp="1"/>
+          </p:cNvSpPr>
+          <p:nvPr>
+            <p:ph type="dt" sz="half" idx="10"/>
+          </p:nvPr>
+        </p:nvSpPr>
+        <p:spPr/>
+        <p:txBody>
+          <a:bodyPr/>
+          <a:lstStyle/>
+          <a:p>
+            <a:pPr>
+              <a:defRPr/>
+            </a:pPr>
+            <a:r>
+              <a:rPr lang="en-US"/>
+              <a:t>21/12/2020</a:t>
+            </a:r>
+          </a:p>
+        </p:txBody>
+      </p:sp>
+      <p:sp>
+        <p:nvSpPr>
+          <p:cNvPr id="5" name="Slide Number Placeholder 4">
+            <a:extLst>
+              <a:ext uri="{FF2B5EF4-FFF2-40B4-BE49-F238E27FC236}">
+                <a16:creationId xmlns:a16="http://schemas.microsoft.com/office/drawing/2014/main" id="{7D3607D2-411D-4615-93E9-CE1C534EA521}"/>
+              </a:ext>
+            </a:extLst>
+          </p:cNvPr>
+          <p:cNvSpPr>
+            <a:spLocks noGrp="1"/>
+          </p:cNvSpPr>
+          <p:nvPr>
+            <p:ph type="sldNum" sz="quarter" idx="12"/>
+          </p:nvPr>
+        </p:nvSpPr>
+        <p:spPr/>
+        <p:txBody>
+          <a:bodyPr/>
+          <a:lstStyle/>
+          <a:p>
+            <a:pPr>
+              <a:defRPr/>
+            </a:pPr>
+            <a:fld id="{CA887A73-1AE0-46F8-856A-18EA1CF30A1B}" type="slidenum">
+              <a:rPr lang="en-US" altLang="en-US" smtClean="0"/>
+              <a:pPr>
+                <a:defRPr/>
+              </a:pPr>
+              <a:t>24</a:t>
+            </a:fld>
+            <a:endParaRPr lang="en-US" altLang="en-US"/>
+          </a:p>
+        </p:txBody>
+      </p:sp>
+      <p:pic>
+        <p:nvPicPr>
+          <p:cNvPr id="8" name="Content Placeholder 6">
+            <a:extLst>
+              <a:ext uri="{FF2B5EF4-FFF2-40B4-BE49-F238E27FC236}">
+                <a16:creationId xmlns:a16="http://schemas.microsoft.com/office/drawing/2014/main" id="{3F341AA1-5CD1-47C9-AA63-C56CDDF4D07E}"/>
+              </a:ext>
+            </a:extLst>
+          </p:cNvPr>
+          <p:cNvPicPr>
+            <a:picLocks noChangeAspect="1"/>
+          </p:cNvPicPr>
+          <p:nvPr/>
+        </p:nvPicPr>
+        <p:blipFill>
+          <a:blip r:embed="rId3"/>
+          <a:stretch>
+            <a:fillRect/>
+          </a:stretch>
+        </p:blipFill>
+        <p:spPr bwMode="auto">
+          <a:xfrm>
+            <a:off x="36576" y="1441227"/>
+            <a:ext cx="3867672" cy="5014912"/>
+          </a:xfrm>
+          <a:prstGeom prst="rect">
+            <a:avLst/>
+          </a:prstGeom>
+          <a:noFill/>
+          <a:ln>
+            <a:noFill/>
+          </a:ln>
+          <a:extLst>
+            <a:ext uri="{909E8E84-426E-40DD-AFC4-6F175D3DCCD1}">
+              <a14:hiddenFill xmlns:a14="http://schemas.microsoft.com/office/drawing/2010/main">
+                <a:solidFill>
+                  <a:srgbClr val="FFFFFF"/>
+                </a:solidFill>
+              </a14:hiddenFill>
+            </a:ext>
+            <a:ext uri="{91240B29-F687-4F45-9708-019B960494DF}">
+              <a14:hiddenLine xmlns:a14="http://schemas.microsoft.com/office/drawing/2010/main" w="9525">
+                <a:solidFill>
+                  <a:srgbClr val="000000"/>
+                </a:solidFill>
+                <a:miter lim="800000"/>
+                <a:headEnd/>
+                <a:tailEnd/>
+              </a14:hiddenLine>
+            </a:ext>
+          </a:extLst>
+        </p:spPr>
+      </p:pic>
+    </p:spTree>
+    <p:extLst>
+      <p:ext uri="{BB962C8B-B14F-4D97-AF65-F5344CB8AC3E}">
+        <p14:creationId xmlns:p14="http://schemas.microsoft.com/office/powerpoint/2010/main" val="967654883"/>
+      </p:ext>
+    </p:extLst>
+  </p:cSld>
+  <p:clrMapOvr>
+    <a:masterClrMapping/>
+  </p:clrMapOvr>
+</p:sld>
+</file>
+
+<file path=ppt/slides/slide25.xml><?xml version="1.0" encoding="utf-8"?>
+<p:sld xmlns:a="http://schemas.openxmlformats.org/drawingml/2006/main" xmlns:r="http://schemas.openxmlformats.org/officeDocument/2006/relationships" xmlns:p="http://schemas.openxmlformats.org/presentationml/2006/main">
+  <p:cSld>
+    <p:spTree>
+      <p:nvGrpSpPr>
+        <p:cNvPr id="1" name=""/>
+        <p:cNvGrpSpPr/>
+        <p:nvPr/>
+      </p:nvGrpSpPr>
+      <p:grpSpPr>
+        <a:xfrm>
+          <a:off x="0" y="0"/>
+          <a:ext cx="0" cy="0"/>
+          <a:chOff x="0" y="0"/>
+          <a:chExt cx="0" cy="0"/>
+        </a:xfrm>
+      </p:grpSpPr>
+      <p:sp>
+        <p:nvSpPr>
+          <p:cNvPr id="2" name="Title 1">
+            <a:extLst>
+              <a:ext uri="{FF2B5EF4-FFF2-40B4-BE49-F238E27FC236}">
+                <a16:creationId xmlns:a16="http://schemas.microsoft.com/office/drawing/2014/main" id="{352EAEDE-5551-4A8F-98C6-92759EC74E56}"/>
+              </a:ext>
+            </a:extLst>
+          </p:cNvPr>
+          <p:cNvSpPr>
+            <a:spLocks noGrp="1"/>
+          </p:cNvSpPr>
+          <p:nvPr>
+            <p:ph type="title"/>
+          </p:nvPr>
+        </p:nvSpPr>
+        <p:spPr/>
+        <p:txBody>
+          <a:bodyPr/>
+          <a:lstStyle/>
+          <a:p>
+            <a:r>
+              <a:rPr lang="en-US" dirty="0"/>
+              <a:t>The good and the bad state chart</a:t>
+            </a:r>
+          </a:p>
+        </p:txBody>
+      </p:sp>
+      <p:sp>
+        <p:nvSpPr>
+          <p:cNvPr id="4" name="Date Placeholder 3">
+            <a:extLst>
+              <a:ext uri="{FF2B5EF4-FFF2-40B4-BE49-F238E27FC236}">
+                <a16:creationId xmlns:a16="http://schemas.microsoft.com/office/drawing/2014/main" id="{56C3BBA6-6525-4C9D-B8F4-1738A9BDAE49}"/>
+              </a:ext>
+            </a:extLst>
+          </p:cNvPr>
+          <p:cNvSpPr>
+            <a:spLocks noGrp="1"/>
+          </p:cNvSpPr>
+          <p:nvPr>
+            <p:ph type="dt" sz="half" idx="10"/>
+          </p:nvPr>
+        </p:nvSpPr>
+        <p:spPr/>
+        <p:txBody>
+          <a:bodyPr/>
+          <a:lstStyle/>
+          <a:p>
+            <a:pPr>
+              <a:defRPr/>
+            </a:pPr>
+            <a:r>
+              <a:rPr lang="en-US"/>
+              <a:t>21/12/2020</a:t>
+            </a:r>
+          </a:p>
+        </p:txBody>
+      </p:sp>
+      <p:sp>
+        <p:nvSpPr>
+          <p:cNvPr id="5" name="Slide Number Placeholder 4">
+            <a:extLst>
+              <a:ext uri="{FF2B5EF4-FFF2-40B4-BE49-F238E27FC236}">
+                <a16:creationId xmlns:a16="http://schemas.microsoft.com/office/drawing/2014/main" id="{7D3607D2-411D-4615-93E9-CE1C534EA521}"/>
+              </a:ext>
+            </a:extLst>
+          </p:cNvPr>
+          <p:cNvSpPr>
+            <a:spLocks noGrp="1"/>
+          </p:cNvSpPr>
+          <p:nvPr>
+            <p:ph type="sldNum" sz="quarter" idx="12"/>
+          </p:nvPr>
+        </p:nvSpPr>
+        <p:spPr/>
+        <p:txBody>
+          <a:bodyPr/>
+          <a:lstStyle/>
+          <a:p>
+            <a:pPr>
+              <a:defRPr/>
+            </a:pPr>
+            <a:fld id="{CA887A73-1AE0-46F8-856A-18EA1CF30A1B}" type="slidenum">
+              <a:rPr lang="en-US" altLang="en-US" smtClean="0"/>
+              <a:pPr>
+                <a:defRPr/>
+              </a:pPr>
+              <a:t>25</a:t>
+            </a:fld>
+            <a:endParaRPr lang="en-US" altLang="en-US"/>
+          </a:p>
+        </p:txBody>
+      </p:sp>
+      <p:pic>
+        <p:nvPicPr>
+          <p:cNvPr id="9" name="Content Placeholder 8">
+            <a:extLst>
+              <a:ext uri="{FF2B5EF4-FFF2-40B4-BE49-F238E27FC236}">
+                <a16:creationId xmlns:a16="http://schemas.microsoft.com/office/drawing/2014/main" id="{62984367-716B-4388-9260-1B0B6AFC81C3}"/>
+              </a:ext>
+            </a:extLst>
+          </p:cNvPr>
+          <p:cNvPicPr>
+            <a:picLocks noGrp="1" noChangeAspect="1"/>
+          </p:cNvPicPr>
+          <p:nvPr>
+            <p:ph idx="1"/>
+          </p:nvPr>
+        </p:nvPicPr>
+        <p:blipFill>
+          <a:blip r:embed="rId2"/>
+          <a:stretch>
+            <a:fillRect/>
+          </a:stretch>
+        </p:blipFill>
+        <p:spPr>
+          <a:xfrm>
+            <a:off x="-286947" y="2133601"/>
+            <a:ext cx="9430947" cy="4379482"/>
+          </a:xfrm>
+        </p:spPr>
+      </p:pic>
+      <p:pic>
+        <p:nvPicPr>
+          <p:cNvPr id="8" name="Content Placeholder 6">
+            <a:extLst>
+              <a:ext uri="{FF2B5EF4-FFF2-40B4-BE49-F238E27FC236}">
+                <a16:creationId xmlns:a16="http://schemas.microsoft.com/office/drawing/2014/main" id="{3F341AA1-5CD1-47C9-AA63-C56CDDF4D07E}"/>
+              </a:ext>
+            </a:extLst>
+          </p:cNvPr>
+          <p:cNvPicPr>
+            <a:picLocks noChangeAspect="1"/>
+          </p:cNvPicPr>
+          <p:nvPr/>
+        </p:nvPicPr>
+        <p:blipFill>
+          <a:blip r:embed="rId3"/>
+          <a:stretch>
+            <a:fillRect/>
+          </a:stretch>
+        </p:blipFill>
+        <p:spPr bwMode="auto">
+          <a:xfrm>
+            <a:off x="6264367" y="0"/>
+            <a:ext cx="2879634" cy="3733800"/>
+          </a:xfrm>
+          <a:prstGeom prst="rect">
+            <a:avLst/>
+          </a:prstGeom>
+          <a:noFill/>
+          <a:ln>
+            <a:noFill/>
+          </a:ln>
+          <a:extLst>
+            <a:ext uri="{909E8E84-426E-40DD-AFC4-6F175D3DCCD1}">
+              <a14:hiddenFill xmlns:a14="http://schemas.microsoft.com/office/drawing/2010/main">
+                <a:solidFill>
+                  <a:srgbClr val="FFFFFF"/>
+                </a:solidFill>
+              </a14:hiddenFill>
+            </a:ext>
+            <a:ext uri="{91240B29-F687-4F45-9708-019B960494DF}">
+              <a14:hiddenLine xmlns:a14="http://schemas.microsoft.com/office/drawing/2010/main" w="9525">
+                <a:solidFill>
+                  <a:srgbClr val="000000"/>
+                </a:solidFill>
+                <a:miter lim="800000"/>
+                <a:headEnd/>
+                <a:tailEnd/>
+              </a14:hiddenLine>
+            </a:ext>
+          </a:extLst>
+        </p:spPr>
+      </p:pic>
+    </p:spTree>
+    <p:extLst>
+      <p:ext uri="{BB962C8B-B14F-4D97-AF65-F5344CB8AC3E}">
+        <p14:creationId xmlns:p14="http://schemas.microsoft.com/office/powerpoint/2010/main" val="130605487"/>
+      </p:ext>
+    </p:extLst>
+  </p:cSld>
+  <p:clrMapOvr>
+    <a:masterClrMapping/>
+  </p:clrMapOvr>
+</p:sld>
+</file>
+
+<file path=ppt/slides/slide26.xml><?xml version="1.0" encoding="utf-8"?>
+<p:sld xmlns:a="http://schemas.openxmlformats.org/drawingml/2006/main" xmlns:r="http://schemas.openxmlformats.org/officeDocument/2006/relationships" xmlns:p="http://schemas.openxmlformats.org/presentationml/2006/main">
+  <p:cSld>
+    <p:spTree>
+      <p:nvGrpSpPr>
+        <p:cNvPr id="1" name=""/>
+        <p:cNvGrpSpPr/>
+        <p:nvPr/>
+      </p:nvGrpSpPr>
+      <p:grpSpPr>
+        <a:xfrm>
+          <a:off x="0" y="0"/>
+          <a:ext cx="0" cy="0"/>
+          <a:chOff x="0" y="0"/>
+          <a:chExt cx="0" cy="0"/>
+        </a:xfrm>
+      </p:grpSpPr>
+      <p:pic>
+        <p:nvPicPr>
+          <p:cNvPr id="6" name="Content Placeholder 8">
+            <a:extLst>
+              <a:ext uri="{FF2B5EF4-FFF2-40B4-BE49-F238E27FC236}">
+                <a16:creationId xmlns:a16="http://schemas.microsoft.com/office/drawing/2014/main" id="{3EC53026-709D-4099-A4EC-32A10DA58E21}"/>
+              </a:ext>
+            </a:extLst>
+          </p:cNvPr>
+          <p:cNvPicPr>
+            <a:picLocks noChangeAspect="1"/>
+          </p:cNvPicPr>
+          <p:nvPr/>
+        </p:nvPicPr>
+        <p:blipFill>
+          <a:blip r:embed="rId2"/>
+          <a:stretch>
+            <a:fillRect/>
+          </a:stretch>
+        </p:blipFill>
+        <p:spPr bwMode="auto">
+          <a:xfrm>
+            <a:off x="4710466" y="0"/>
+            <a:ext cx="4430485" cy="2057400"/>
+          </a:xfrm>
+          <a:prstGeom prst="rect">
+            <a:avLst/>
+          </a:prstGeom>
+          <a:noFill/>
+          <a:ln>
+            <a:noFill/>
+          </a:ln>
+          <a:extLst>
+            <a:ext uri="{909E8E84-426E-40DD-AFC4-6F175D3DCCD1}">
+              <a14:hiddenFill xmlns:a14="http://schemas.microsoft.com/office/drawing/2010/main">
+                <a:solidFill>
+                  <a:srgbClr val="FFFFFF"/>
+                </a:solidFill>
+              </a14:hiddenFill>
+            </a:ext>
+            <a:ext uri="{91240B29-F687-4F45-9708-019B960494DF}">
+              <a14:hiddenLine xmlns:a14="http://schemas.microsoft.com/office/drawing/2010/main" w="9525">
+                <a:solidFill>
+                  <a:srgbClr val="000000"/>
+                </a:solidFill>
+                <a:miter lim="800000"/>
+                <a:headEnd/>
+                <a:tailEnd/>
+              </a14:hiddenLine>
+            </a:ext>
+          </a:extLst>
+        </p:spPr>
+      </p:pic>
+      <p:sp>
+        <p:nvSpPr>
+          <p:cNvPr id="2" name="Title 1">
+            <a:extLst>
+              <a:ext uri="{FF2B5EF4-FFF2-40B4-BE49-F238E27FC236}">
+                <a16:creationId xmlns:a16="http://schemas.microsoft.com/office/drawing/2014/main" id="{E98F51CD-1C5F-4BA1-8159-7BB2B3219920}"/>
+              </a:ext>
+            </a:extLst>
+          </p:cNvPr>
+          <p:cNvSpPr>
+            <a:spLocks noGrp="1"/>
+          </p:cNvSpPr>
+          <p:nvPr>
+            <p:ph type="title"/>
+          </p:nvPr>
+        </p:nvSpPr>
+        <p:spPr>
+          <a:xfrm>
+            <a:off x="152400" y="53975"/>
+            <a:ext cx="5257800" cy="1195386"/>
+          </a:xfrm>
+        </p:spPr>
+        <p:txBody>
+          <a:bodyPr/>
+          <a:lstStyle/>
+          <a:p>
+            <a:r>
+              <a:rPr lang="en-US" dirty="0"/>
+              <a:t>What is wrong with the second example?</a:t>
+            </a:r>
+          </a:p>
+        </p:txBody>
+      </p:sp>
+      <p:sp>
+        <p:nvSpPr>
+          <p:cNvPr id="3" name="Content Placeholder 2">
+            <a:extLst>
+              <a:ext uri="{FF2B5EF4-FFF2-40B4-BE49-F238E27FC236}">
+                <a16:creationId xmlns:a16="http://schemas.microsoft.com/office/drawing/2014/main" id="{C3320F36-6ADE-4116-8859-9A857FA1032B}"/>
+              </a:ext>
+            </a:extLst>
+          </p:cNvPr>
+          <p:cNvSpPr>
+            <a:spLocks noGrp="1"/>
+          </p:cNvSpPr>
+          <p:nvPr>
+            <p:ph idx="1"/>
+          </p:nvPr>
+        </p:nvSpPr>
+        <p:spPr/>
+        <p:txBody>
+          <a:bodyPr>
+            <a:normAutofit fontScale="85000" lnSpcReduction="10000"/>
+          </a:bodyPr>
+          <a:lstStyle/>
+          <a:p>
+            <a:r>
+              <a:rPr lang="en-US" dirty="0"/>
+              <a:t>Do we need the extra states?</a:t>
+            </a:r>
+          </a:p>
+          <a:p>
+            <a:r>
+              <a:rPr lang="en-US" dirty="0"/>
+              <a:t>Every event is repeat for the ‘infusing’ and ‘paused’ state</a:t>
+            </a:r>
+          </a:p>
+          <a:p>
+            <a:r>
+              <a:rPr lang="en-US" dirty="0"/>
+              <a:t>Every new operational state multiplies transitions</a:t>
+            </a:r>
+          </a:p>
+          <a:p>
+            <a:r>
+              <a:rPr lang="en-US" dirty="0"/>
+              <a:t>Conceptual duplication: infusing / paused </a:t>
+            </a:r>
+            <a:r>
+              <a:rPr lang="en-US" dirty="0">
+                <a:sym typeface="Wingdings" panose="05000000000000000000" pitchFamily="2" charset="2"/>
+              </a:rPr>
+              <a:t> alarm (over temperature) is conceptually the same thing, but not captured by the diagram</a:t>
+            </a:r>
+          </a:p>
+          <a:p>
+            <a:r>
+              <a:rPr lang="en-US" dirty="0"/>
+              <a:t>Safety is scattered (no single place that says “while infusing, safety monitoring is always active”)</a:t>
+            </a:r>
+          </a:p>
+          <a:p>
+            <a:r>
+              <a:rPr lang="en-US" dirty="0"/>
+              <a:t>Too complex looking</a:t>
+            </a:r>
+          </a:p>
+          <a:p>
+            <a:r>
+              <a:rPr lang="en-US" dirty="0"/>
+              <a:t>Is ‘paused’ a fundamentally different state, or a refinement of ‘infusing’?</a:t>
+            </a:r>
+          </a:p>
+        </p:txBody>
+      </p:sp>
+      <p:sp>
+        <p:nvSpPr>
+          <p:cNvPr id="4" name="Date Placeholder 3">
+            <a:extLst>
+              <a:ext uri="{FF2B5EF4-FFF2-40B4-BE49-F238E27FC236}">
+                <a16:creationId xmlns:a16="http://schemas.microsoft.com/office/drawing/2014/main" id="{FF2ED4D7-4F5D-4F33-9EC1-F92ABD08ED46}"/>
+              </a:ext>
+            </a:extLst>
+          </p:cNvPr>
+          <p:cNvSpPr>
+            <a:spLocks noGrp="1"/>
+          </p:cNvSpPr>
+          <p:nvPr>
+            <p:ph type="dt" sz="half" idx="10"/>
+          </p:nvPr>
+        </p:nvSpPr>
+        <p:spPr/>
+        <p:txBody>
+          <a:bodyPr/>
+          <a:lstStyle/>
+          <a:p>
+            <a:pPr>
+              <a:defRPr/>
+            </a:pPr>
+            <a:r>
+              <a:rPr lang="en-US"/>
+              <a:t>21/12/2020</a:t>
+            </a:r>
+          </a:p>
+        </p:txBody>
+      </p:sp>
+      <p:sp>
+        <p:nvSpPr>
+          <p:cNvPr id="5" name="Slide Number Placeholder 4">
+            <a:extLst>
+              <a:ext uri="{FF2B5EF4-FFF2-40B4-BE49-F238E27FC236}">
+                <a16:creationId xmlns:a16="http://schemas.microsoft.com/office/drawing/2014/main" id="{49C2DB9A-BAE9-40C8-9042-7F407FB7BED0}"/>
+              </a:ext>
+            </a:extLst>
+          </p:cNvPr>
+          <p:cNvSpPr>
+            <a:spLocks noGrp="1"/>
+          </p:cNvSpPr>
+          <p:nvPr>
+            <p:ph type="sldNum" sz="quarter" idx="12"/>
+          </p:nvPr>
+        </p:nvSpPr>
+        <p:spPr/>
+        <p:txBody>
+          <a:bodyPr/>
+          <a:lstStyle/>
+          <a:p>
+            <a:pPr>
+              <a:defRPr/>
+            </a:pPr>
+            <a:fld id="{CA887A73-1AE0-46F8-856A-18EA1CF30A1B}" type="slidenum">
+              <a:rPr lang="en-US" altLang="en-US" smtClean="0"/>
+              <a:pPr>
+                <a:defRPr/>
+              </a:pPr>
+              <a:t>26</a:t>
+            </a:fld>
+            <a:endParaRPr lang="en-US" altLang="en-US"/>
+          </a:p>
+        </p:txBody>
+      </p:sp>
+    </p:spTree>
+    <p:extLst>
+      <p:ext uri="{BB962C8B-B14F-4D97-AF65-F5344CB8AC3E}">
+        <p14:creationId xmlns:p14="http://schemas.microsoft.com/office/powerpoint/2010/main" val="3113276786"/>
+      </p:ext>
+    </p:extLst>
+  </p:cSld>
+  <p:clrMapOvr>
+    <a:masterClrMapping/>
+  </p:clrMapOvr>
+  <p:timing>
+    <p:tnLst>
+      <p:par>
+        <p:cTn id="1" dur="indefinite" restart="never" nodeType="tmRoot">
+          <p:childTnLst>
+            <p:seq concurrent="1" nextAc="seek">
+              <p:cTn id="2" dur="indefinite" nodeType="mainSeq">
+                <p:childTnLst>
+                  <p:par>
+                    <p:cTn id="3" fill="hold">
+                      <p:stCondLst>
+                        <p:cond delay="indefinite"/>
+                      </p:stCondLst>
+                      <p:childTnLst>
+                        <p:par>
+                          <p:cTn id="4" fill="hold">
+                            <p:stCondLst>
+                              <p:cond delay="0"/>
+                            </p:stCondLst>
+                            <p:childTnLst>
+                              <p:par>
+                                <p:cTn id="5" presetID="1" presetClass="entr" presetSubtype="0" fill="hold" grpId="0" nodeType="clickEffect">
+                                  <p:stCondLst>
+                                    <p:cond delay="0"/>
+                                  </p:stCondLst>
+                                  <p:childTnLst>
+                                    <p:set>
+                                      <p:cBhvr>
+                                        <p:cTn id="6" dur="1" fill="hold">
+                                          <p:stCondLst>
+                                            <p:cond delay="0"/>
+                                          </p:stCondLst>
+                                        </p:cTn>
+                                        <p:tgtEl>
+                                          <p:spTgt spid="3">
+                                            <p:txEl>
+                                              <p:pRg st="0" end="0"/>
+                                            </p:txEl>
+                                          </p:spTgt>
+                                        </p:tgtEl>
+                                        <p:attrNameLst>
+                                          <p:attrName>style.visibility</p:attrName>
+                                        </p:attrNameLst>
+                                      </p:cBhvr>
+                                      <p:to>
+                                        <p:strVal val="visible"/>
+                                      </p:to>
+                                    </p:set>
+                                  </p:childTnLst>
+                                </p:cTn>
+                              </p:par>
+                            </p:childTnLst>
+                          </p:cTn>
+                        </p:par>
+                      </p:childTnLst>
+                    </p:cTn>
+                  </p:par>
+                  <p:par>
+                    <p:cTn id="7" fill="hold">
+                      <p:stCondLst>
+                        <p:cond delay="indefinite"/>
+                      </p:stCondLst>
+                      <p:childTnLst>
+                        <p:par>
+                          <p:cTn id="8" fill="hold">
+                            <p:stCondLst>
+                              <p:cond delay="0"/>
+                            </p:stCondLst>
+                            <p:childTnLst>
+                              <p:par>
+                                <p:cTn id="9" presetID="1" presetClass="entr" presetSubtype="0" fill="hold" grpId="0" nodeType="clickEffect">
+                                  <p:stCondLst>
+                                    <p:cond delay="0"/>
+                                  </p:stCondLst>
+                                  <p:childTnLst>
+                                    <p:set>
+                                      <p:cBhvr>
+                                        <p:cTn id="10" dur="1" fill="hold">
+                                          <p:stCondLst>
+                                            <p:cond delay="0"/>
+                                          </p:stCondLst>
+                                        </p:cTn>
+                                        <p:tgtEl>
+                                          <p:spTgt spid="3">
+                                            <p:txEl>
+                                              <p:pRg st="1" end="1"/>
+                                            </p:txEl>
+                                          </p:spTgt>
+                                        </p:tgtEl>
+                                        <p:attrNameLst>
+                                          <p:attrName>style.visibility</p:attrName>
+                                        </p:attrNameLst>
+                                      </p:cBhvr>
+                                      <p:to>
+                                        <p:strVal val="visible"/>
+                                      </p:to>
+                                    </p:set>
+                                  </p:childTnLst>
+                                </p:cTn>
+                              </p:par>
+                            </p:childTnLst>
+                          </p:cTn>
+                        </p:par>
+                      </p:childTnLst>
+                    </p:cTn>
+                  </p:par>
+                  <p:par>
+                    <p:cTn id="11" fill="hold">
+                      <p:stCondLst>
+                        <p:cond delay="indefinite"/>
+                      </p:stCondLst>
+                      <p:childTnLst>
+                        <p:par>
+                          <p:cTn id="12" fill="hold">
+                            <p:stCondLst>
+                              <p:cond delay="0"/>
+                            </p:stCondLst>
+                            <p:childTnLst>
+                              <p:par>
+                                <p:cTn id="13" presetID="1" presetClass="entr" presetSubtype="0" fill="hold" grpId="0" nodeType="clickEffect">
+                                  <p:stCondLst>
+                                    <p:cond delay="0"/>
+                                  </p:stCondLst>
+                                  <p:childTnLst>
+                                    <p:set>
+                                      <p:cBhvr>
+                                        <p:cTn id="14" dur="1" fill="hold">
+                                          <p:stCondLst>
+                                            <p:cond delay="0"/>
+                                          </p:stCondLst>
+                                        </p:cTn>
+                                        <p:tgtEl>
+                                          <p:spTgt spid="3">
+                                            <p:txEl>
+                                              <p:pRg st="2" end="2"/>
+                                            </p:txEl>
+                                          </p:spTgt>
+                                        </p:tgtEl>
+                                        <p:attrNameLst>
+                                          <p:attrName>style.visibility</p:attrName>
+                                        </p:attrNameLst>
+                                      </p:cBhvr>
+                                      <p:to>
+                                        <p:strVal val="visible"/>
+                                      </p:to>
+                                    </p:set>
+                                  </p:childTnLst>
+                                </p:cTn>
+                              </p:par>
+                            </p:childTnLst>
+                          </p:cTn>
+                        </p:par>
+                      </p:childTnLst>
+                    </p:cTn>
+                  </p:par>
+                  <p:par>
+                    <p:cTn id="15" fill="hold">
+                      <p:stCondLst>
+                        <p:cond delay="indefinite"/>
+                      </p:stCondLst>
+                      <p:childTnLst>
+                        <p:par>
+                          <p:cTn id="16" fill="hold">
+                            <p:stCondLst>
+                              <p:cond delay="0"/>
+                            </p:stCondLst>
+                            <p:childTnLst>
+                              <p:par>
+                                <p:cTn id="17" presetID="1" presetClass="entr" presetSubtype="0" fill="hold" grpId="0" nodeType="clickEffect">
+                                  <p:stCondLst>
+                                    <p:cond delay="0"/>
+                                  </p:stCondLst>
+                                  <p:childTnLst>
+                                    <p:set>
+                                      <p:cBhvr>
+                                        <p:cTn id="18" dur="1" fill="hold">
+                                          <p:stCondLst>
+                                            <p:cond delay="0"/>
+                                          </p:stCondLst>
+                                        </p:cTn>
+                                        <p:tgtEl>
+                                          <p:spTgt spid="3">
+                                            <p:txEl>
+                                              <p:pRg st="3" end="3"/>
+                                            </p:txEl>
+                                          </p:spTgt>
+                                        </p:tgtEl>
+                                        <p:attrNameLst>
+                                          <p:attrName>style.visibility</p:attrName>
+                                        </p:attrNameLst>
+                                      </p:cBhvr>
+                                      <p:to>
+                                        <p:strVal val="visible"/>
+                                      </p:to>
+                                    </p:set>
+                                  </p:childTnLst>
+                                </p:cTn>
+                              </p:par>
+                            </p:childTnLst>
+                          </p:cTn>
+                        </p:par>
+                      </p:childTnLst>
+                    </p:cTn>
+                  </p:par>
+                  <p:par>
+                    <p:cTn id="19" fill="hold">
+                      <p:stCondLst>
+                        <p:cond delay="indefinite"/>
+                      </p:stCondLst>
+                      <p:childTnLst>
+                        <p:par>
+                          <p:cTn id="20" fill="hold">
+                            <p:stCondLst>
+                              <p:cond delay="0"/>
+                            </p:stCondLst>
+                            <p:childTnLst>
+                              <p:par>
+                                <p:cTn id="21" presetID="1" presetClass="entr" presetSubtype="0" fill="hold" grpId="0" nodeType="clickEffect">
+                                  <p:stCondLst>
+                                    <p:cond delay="0"/>
+                                  </p:stCondLst>
+                                  <p:childTnLst>
+                                    <p:set>
+                                      <p:cBhvr>
+                                        <p:cTn id="22" dur="1" fill="hold">
+                                          <p:stCondLst>
+                                            <p:cond delay="0"/>
+                                          </p:stCondLst>
+                                        </p:cTn>
+                                        <p:tgtEl>
+                                          <p:spTgt spid="3">
+                                            <p:txEl>
+                                              <p:pRg st="4" end="4"/>
+                                            </p:txEl>
+                                          </p:spTgt>
+                                        </p:tgtEl>
+                                        <p:attrNameLst>
+                                          <p:attrName>style.visibility</p:attrName>
+                                        </p:attrNameLst>
+                                      </p:cBhvr>
+                                      <p:to>
+                                        <p:strVal val="visible"/>
+                                      </p:to>
+                                    </p:set>
+                                  </p:childTnLst>
+                                </p:cTn>
+                              </p:par>
+                            </p:childTnLst>
+                          </p:cTn>
+                        </p:par>
+                      </p:childTnLst>
+                    </p:cTn>
+                  </p:par>
+                  <p:par>
+                    <p:cTn id="23" fill="hold">
+                      <p:stCondLst>
+                        <p:cond delay="indefinite"/>
+                      </p:stCondLst>
+                      <p:childTnLst>
+                        <p:par>
+                          <p:cTn id="24" fill="hold">
+                            <p:stCondLst>
+                              <p:cond delay="0"/>
+                            </p:stCondLst>
+                            <p:childTnLst>
+                              <p:par>
+                                <p:cTn id="25" presetID="1" presetClass="entr" presetSubtype="0" fill="hold" grpId="0" nodeType="clickEffect">
+                                  <p:stCondLst>
+                                    <p:cond delay="0"/>
+                                  </p:stCondLst>
+                                  <p:childTnLst>
+                                    <p:set>
+                                      <p:cBhvr>
+                                        <p:cTn id="26" dur="1" fill="hold">
+                                          <p:stCondLst>
+                                            <p:cond delay="0"/>
+                                          </p:stCondLst>
+                                        </p:cTn>
+                                        <p:tgtEl>
+                                          <p:spTgt spid="3">
+                                            <p:txEl>
+                                              <p:pRg st="5" end="5"/>
+                                            </p:txEl>
+                                          </p:spTgt>
+                                        </p:tgtEl>
+                                        <p:attrNameLst>
+                                          <p:attrName>style.visibility</p:attrName>
+                                        </p:attrNameLst>
+                                      </p:cBhvr>
+                                      <p:to>
+                                        <p:strVal val="visible"/>
+                                      </p:to>
+                                    </p:set>
+                                  </p:childTnLst>
+                                </p:cTn>
+                              </p:par>
+                            </p:childTnLst>
+                          </p:cTn>
+                        </p:par>
+                      </p:childTnLst>
+                    </p:cTn>
+                  </p:par>
+                  <p:par>
+                    <p:cTn id="27" fill="hold">
+                      <p:stCondLst>
+                        <p:cond delay="indefinite"/>
+                      </p:stCondLst>
+                      <p:childTnLst>
+                        <p:par>
+                          <p:cTn id="28" fill="hold">
+                            <p:stCondLst>
+                              <p:cond delay="0"/>
+                            </p:stCondLst>
+                            <p:childTnLst>
+                              <p:par>
+                                <p:cTn id="29" presetID="1" presetClass="entr" presetSubtype="0" fill="hold" grpId="0" nodeType="clickEffect">
+                                  <p:stCondLst>
+                                    <p:cond delay="0"/>
+                                  </p:stCondLst>
+                                  <p:childTnLst>
+                                    <p:set>
+                                      <p:cBhvr>
+                                        <p:cTn id="30" dur="1" fill="hold">
+                                          <p:stCondLst>
+                                            <p:cond delay="0"/>
+                                          </p:stCondLst>
+                                        </p:cTn>
+                                        <p:tgtEl>
+                                          <p:spTgt spid="3">
+                                            <p:txEl>
+                                              <p:pRg st="6" end="6"/>
+                                            </p:txEl>
+                                          </p:spTgt>
+                                        </p:tgtEl>
+                                        <p:attrNameLst>
+                                          <p:attrName>style.visibility</p:attrName>
+                                        </p:attrNameLst>
+                                      </p:cBhvr>
+                                      <p:to>
+                                        <p:strVal val="visible"/>
+                                      </p:to>
+                                    </p:set>
+                                  </p:childTnLst>
+                                </p:cTn>
+                              </p:par>
+                            </p:childTnLst>
+                          </p:cTn>
+                        </p:par>
+                      </p:childTnLst>
+                    </p:cTn>
+                  </p:par>
+                </p:childTnLst>
+              </p:cTn>
+              <p:prevCondLst>
+                <p:cond evt="onPrev" delay="0">
+                  <p:tgtEl>
+                    <p:sldTgt/>
+                  </p:tgtEl>
+                </p:cond>
+              </p:prevCondLst>
+              <p:nextCondLst>
+                <p:cond evt="onNext" delay="0">
+                  <p:tgtEl>
+                    <p:sldTgt/>
+                  </p:tgtEl>
+                </p:cond>
+              </p:nextCondLst>
+            </p:seq>
+          </p:childTnLst>
+        </p:cTn>
+      </p:par>
+    </p:tnLst>
+    <p:bldLst>
+      <p:bldP spid="3" grpId="0" build="p"/>
+    </p:bldLst>
+  </p:timing>
+</p:sld>
+</file>
+
+<file path=ppt/slides/slide27.xml><?xml version="1.0" encoding="utf-8"?>
+<p:sld xmlns:a="http://schemas.openxmlformats.org/drawingml/2006/main" xmlns:r="http://schemas.openxmlformats.org/officeDocument/2006/relationships" xmlns:p="http://schemas.openxmlformats.org/presentationml/2006/main">
+  <p:cSld>
+    <p:spTree>
+      <p:nvGrpSpPr>
+        <p:cNvPr id="1" name=""/>
+        <p:cNvGrpSpPr/>
+        <p:nvPr/>
+      </p:nvGrpSpPr>
+      <p:grpSpPr>
+        <a:xfrm>
+          <a:off x="0" y="0"/>
+          <a:ext cx="0" cy="0"/>
+          <a:chOff x="0" y="0"/>
+          <a:chExt cx="0" cy="0"/>
+        </a:xfrm>
+      </p:grpSpPr>
+      <p:sp>
+        <p:nvSpPr>
+          <p:cNvPr id="2" name="Title 1">
+            <a:extLst>
+              <a:ext uri="{FF2B5EF4-FFF2-40B4-BE49-F238E27FC236}">
+                <a16:creationId xmlns:a16="http://schemas.microsoft.com/office/drawing/2014/main" id="{E0FE47EB-3560-47DE-8558-D75F0F77B09C}"/>
+              </a:ext>
+            </a:extLst>
+          </p:cNvPr>
+          <p:cNvSpPr>
+            <a:spLocks noGrp="1"/>
+          </p:cNvSpPr>
+          <p:nvPr>
+            <p:ph type="title"/>
+          </p:nvPr>
+        </p:nvSpPr>
+        <p:spPr/>
+        <p:txBody>
+          <a:bodyPr/>
+          <a:lstStyle/>
+          <a:p>
+            <a:r>
+              <a:rPr lang="en-US" dirty="0"/>
+              <a:t>Hierarchical states</a:t>
+            </a:r>
+          </a:p>
+        </p:txBody>
+      </p:sp>
+      <p:sp>
+        <p:nvSpPr>
+          <p:cNvPr id="3" name="Content Placeholder 2">
+            <a:extLst>
+              <a:ext uri="{FF2B5EF4-FFF2-40B4-BE49-F238E27FC236}">
+                <a16:creationId xmlns:a16="http://schemas.microsoft.com/office/drawing/2014/main" id="{C24E1644-9F2D-47F6-BF10-1F5E836058FE}"/>
+              </a:ext>
+            </a:extLst>
+          </p:cNvPr>
+          <p:cNvSpPr>
+            <a:spLocks noGrp="1"/>
+          </p:cNvSpPr>
+          <p:nvPr>
+            <p:ph idx="1"/>
+          </p:nvPr>
+        </p:nvSpPr>
+        <p:spPr/>
+        <p:txBody>
+          <a:bodyPr/>
+          <a:lstStyle/>
+          <a:p>
+            <a:r>
+              <a:rPr lang="en-US" dirty="0"/>
+              <a:t>State Explosion: A complex system can easily have 50+ states, making the diagram unreadable.</a:t>
+            </a:r>
+          </a:p>
+          <a:p>
+            <a:r>
+              <a:rPr lang="en-US" dirty="0"/>
+              <a:t>Solution: super-states and sub-states</a:t>
+            </a:r>
+          </a:p>
+          <a:p>
+            <a:pPr lvl="1"/>
+            <a:r>
+              <a:rPr lang="en-US" dirty="0"/>
+              <a:t>A system can be in an OPERATIONAL super-state, which contains sub-states like SENSING and PROCESSING</a:t>
+            </a:r>
+          </a:p>
+          <a:p>
+            <a:r>
+              <a:rPr lang="en-US" dirty="0">
+                <a:solidFill>
+                  <a:srgbClr val="72C3E8"/>
+                </a:solidFill>
+              </a:rPr>
+              <a:t>Inheritance</a:t>
+            </a:r>
+            <a:r>
+              <a:rPr lang="en-US" dirty="0"/>
+              <a:t>: events attached to super-state automatically apply to all sub-states</a:t>
+            </a:r>
+          </a:p>
+        </p:txBody>
+      </p:sp>
+      <p:sp>
+        <p:nvSpPr>
+          <p:cNvPr id="4" name="Date Placeholder 3">
+            <a:extLst>
+              <a:ext uri="{FF2B5EF4-FFF2-40B4-BE49-F238E27FC236}">
+                <a16:creationId xmlns:a16="http://schemas.microsoft.com/office/drawing/2014/main" id="{FF0FC639-1037-4C10-8B00-36EEA0D52F68}"/>
+              </a:ext>
+            </a:extLst>
+          </p:cNvPr>
+          <p:cNvSpPr>
+            <a:spLocks noGrp="1"/>
+          </p:cNvSpPr>
+          <p:nvPr>
+            <p:ph type="dt" sz="half" idx="10"/>
+          </p:nvPr>
+        </p:nvSpPr>
+        <p:spPr/>
+        <p:txBody>
+          <a:bodyPr/>
+          <a:lstStyle/>
+          <a:p>
+            <a:pPr>
+              <a:defRPr/>
+            </a:pPr>
+            <a:r>
+              <a:rPr lang="en-US"/>
+              <a:t>21/12/2020</a:t>
+            </a:r>
+          </a:p>
+        </p:txBody>
+      </p:sp>
+      <p:sp>
+        <p:nvSpPr>
+          <p:cNvPr id="5" name="Slide Number Placeholder 4">
+            <a:extLst>
+              <a:ext uri="{FF2B5EF4-FFF2-40B4-BE49-F238E27FC236}">
+                <a16:creationId xmlns:a16="http://schemas.microsoft.com/office/drawing/2014/main" id="{596FE1BB-D299-4B1D-B7C5-6C0A50E7B327}"/>
+              </a:ext>
+            </a:extLst>
+          </p:cNvPr>
+          <p:cNvSpPr>
+            <a:spLocks noGrp="1"/>
+          </p:cNvSpPr>
+          <p:nvPr>
+            <p:ph type="sldNum" sz="quarter" idx="12"/>
+          </p:nvPr>
+        </p:nvSpPr>
+        <p:spPr/>
+        <p:txBody>
+          <a:bodyPr/>
+          <a:lstStyle/>
+          <a:p>
+            <a:pPr>
+              <a:defRPr/>
+            </a:pPr>
+            <a:fld id="{CA887A73-1AE0-46F8-856A-18EA1CF30A1B}" type="slidenum">
+              <a:rPr lang="en-US" altLang="en-US" smtClean="0"/>
+              <a:pPr>
+                <a:defRPr/>
+              </a:pPr>
+              <a:t>27</a:t>
+            </a:fld>
+            <a:endParaRPr lang="en-US" altLang="en-US"/>
+          </a:p>
+        </p:txBody>
+      </p:sp>
+    </p:spTree>
+    <p:extLst>
+      <p:ext uri="{BB962C8B-B14F-4D97-AF65-F5344CB8AC3E}">
+        <p14:creationId xmlns:p14="http://schemas.microsoft.com/office/powerpoint/2010/main" val="1314487481"/>
+      </p:ext>
+    </p:extLst>
+  </p:cSld>
+  <p:clrMapOvr>
+    <a:masterClrMapping/>
+  </p:clrMapOvr>
+</p:sld>
+</file>
+
+<file path=ppt/slides/slide28.xml><?xml version="1.0" encoding="utf-8"?>
+<p:sld xmlns:a="http://schemas.openxmlformats.org/drawingml/2006/main" xmlns:r="http://schemas.openxmlformats.org/officeDocument/2006/relationships" xmlns:p="http://schemas.openxmlformats.org/presentationml/2006/main">
+  <p:cSld>
+    <p:spTree>
+      <p:nvGrpSpPr>
+        <p:cNvPr id="1" name=""/>
+        <p:cNvGrpSpPr/>
+        <p:nvPr/>
+      </p:nvGrpSpPr>
+      <p:grpSpPr>
+        <a:xfrm>
+          <a:off x="0" y="0"/>
+          <a:ext cx="0" cy="0"/>
+          <a:chOff x="0" y="0"/>
+          <a:chExt cx="0" cy="0"/>
+        </a:xfrm>
+      </p:grpSpPr>
+      <p:sp>
+        <p:nvSpPr>
+          <p:cNvPr id="2" name="Title 1">
+            <a:extLst>
+              <a:ext uri="{FF2B5EF4-FFF2-40B4-BE49-F238E27FC236}">
+                <a16:creationId xmlns:a16="http://schemas.microsoft.com/office/drawing/2014/main" id="{E3D7CCB6-4EDE-4640-8247-78D2B4355A4C}"/>
+              </a:ext>
+            </a:extLst>
+          </p:cNvPr>
+          <p:cNvSpPr>
+            <a:spLocks noGrp="1"/>
+          </p:cNvSpPr>
+          <p:nvPr>
+            <p:ph type="title"/>
+          </p:nvPr>
+        </p:nvSpPr>
+        <p:spPr/>
+        <p:txBody>
+          <a:bodyPr/>
+          <a:lstStyle/>
+          <a:p>
+            <a:r>
+              <a:rPr lang="en-US" dirty="0"/>
+              <a:t>The hierarchical infusion pump </a:t>
+            </a:r>
+            <a:r>
+              <a:rPr lang="en-US" dirty="0" err="1"/>
+              <a:t>statechart</a:t>
+            </a:r>
+            <a:endParaRPr lang="en-US" dirty="0"/>
+          </a:p>
+        </p:txBody>
+      </p:sp>
+      <p:pic>
+        <p:nvPicPr>
+          <p:cNvPr id="7" name="Content Placeholder 6">
+            <a:extLst>
+              <a:ext uri="{FF2B5EF4-FFF2-40B4-BE49-F238E27FC236}">
+                <a16:creationId xmlns:a16="http://schemas.microsoft.com/office/drawing/2014/main" id="{F3E6BEF6-3291-43EA-8499-3BD3EC42E488}"/>
+              </a:ext>
+            </a:extLst>
+          </p:cNvPr>
+          <p:cNvPicPr>
+            <a:picLocks noGrp="1" noChangeAspect="1"/>
+          </p:cNvPicPr>
+          <p:nvPr>
+            <p:ph idx="1"/>
+          </p:nvPr>
+        </p:nvPicPr>
+        <p:blipFill>
+          <a:blip r:embed="rId2">
+            <a:extLst>
+              <a:ext uri="{28A0092B-C50C-407E-A947-70E740481C1C}">
+                <a14:useLocalDpi xmlns:a14="http://schemas.microsoft.com/office/drawing/2010/main" val="0"/>
+              </a:ext>
+            </a:extLst>
+          </a:blip>
+          <a:srcRect/>
+          <a:stretch/>
+        </p:blipFill>
+        <p:spPr>
+          <a:xfrm>
+            <a:off x="3661785" y="1600200"/>
+            <a:ext cx="5445639" cy="4190510"/>
+          </a:xfrm>
+        </p:spPr>
+      </p:pic>
+      <p:sp>
+        <p:nvSpPr>
+          <p:cNvPr id="4" name="Date Placeholder 3">
+            <a:extLst>
+              <a:ext uri="{FF2B5EF4-FFF2-40B4-BE49-F238E27FC236}">
+                <a16:creationId xmlns:a16="http://schemas.microsoft.com/office/drawing/2014/main" id="{12AC3B69-1AA7-47EB-AC07-B58778DB6765}"/>
+              </a:ext>
+            </a:extLst>
+          </p:cNvPr>
+          <p:cNvSpPr>
+            <a:spLocks noGrp="1"/>
+          </p:cNvSpPr>
+          <p:nvPr>
+            <p:ph type="dt" sz="half" idx="10"/>
+          </p:nvPr>
+        </p:nvSpPr>
+        <p:spPr/>
+        <p:txBody>
+          <a:bodyPr/>
+          <a:lstStyle/>
+          <a:p>
+            <a:pPr>
+              <a:defRPr/>
+            </a:pPr>
+            <a:r>
+              <a:rPr lang="en-US"/>
+              <a:t>21/12/2020</a:t>
+            </a:r>
+          </a:p>
+        </p:txBody>
+      </p:sp>
+      <p:sp>
+        <p:nvSpPr>
+          <p:cNvPr id="5" name="Slide Number Placeholder 4">
+            <a:extLst>
+              <a:ext uri="{FF2B5EF4-FFF2-40B4-BE49-F238E27FC236}">
+                <a16:creationId xmlns:a16="http://schemas.microsoft.com/office/drawing/2014/main" id="{93F6C134-FFAC-4091-A242-757D08622EDB}"/>
+              </a:ext>
+            </a:extLst>
+          </p:cNvPr>
+          <p:cNvSpPr>
+            <a:spLocks noGrp="1"/>
+          </p:cNvSpPr>
+          <p:nvPr>
+            <p:ph type="sldNum" sz="quarter" idx="12"/>
+          </p:nvPr>
+        </p:nvSpPr>
+        <p:spPr/>
+        <p:txBody>
+          <a:bodyPr/>
+          <a:lstStyle/>
+          <a:p>
+            <a:pPr>
+              <a:defRPr/>
+            </a:pPr>
+            <a:fld id="{CA887A73-1AE0-46F8-856A-18EA1CF30A1B}" type="slidenum">
+              <a:rPr lang="en-US" altLang="en-US" smtClean="0"/>
+              <a:pPr>
+                <a:defRPr/>
+              </a:pPr>
+              <a:t>28</a:t>
+            </a:fld>
+            <a:endParaRPr lang="en-US" altLang="en-US"/>
+          </a:p>
+        </p:txBody>
+      </p:sp>
+      <p:pic>
+        <p:nvPicPr>
+          <p:cNvPr id="8" name="Content Placeholder 6">
+            <a:extLst>
+              <a:ext uri="{FF2B5EF4-FFF2-40B4-BE49-F238E27FC236}">
+                <a16:creationId xmlns:a16="http://schemas.microsoft.com/office/drawing/2014/main" id="{FECB5BFA-AC4F-436C-9E3E-10A27B4C4067}"/>
+              </a:ext>
+            </a:extLst>
+          </p:cNvPr>
+          <p:cNvPicPr>
+            <a:picLocks noChangeAspect="1"/>
+          </p:cNvPicPr>
+          <p:nvPr/>
+        </p:nvPicPr>
+        <p:blipFill>
+          <a:blip r:embed="rId3"/>
+          <a:stretch>
+            <a:fillRect/>
+          </a:stretch>
+        </p:blipFill>
+        <p:spPr bwMode="auto">
+          <a:xfrm>
+            <a:off x="36576" y="1441227"/>
+            <a:ext cx="3867672" cy="5014912"/>
+          </a:xfrm>
+          <a:prstGeom prst="rect">
+            <a:avLst/>
+          </a:prstGeom>
+          <a:noFill/>
+          <a:ln>
+            <a:noFill/>
+          </a:ln>
+          <a:extLst>
+            <a:ext uri="{909E8E84-426E-40DD-AFC4-6F175D3DCCD1}">
+              <a14:hiddenFill xmlns:a14="http://schemas.microsoft.com/office/drawing/2010/main">
+                <a:solidFill>
+                  <a:srgbClr val="FFFFFF"/>
+                </a:solidFill>
+              </a14:hiddenFill>
+            </a:ext>
+            <a:ext uri="{91240B29-F687-4F45-9708-019B960494DF}">
+              <a14:hiddenLine xmlns:a14="http://schemas.microsoft.com/office/drawing/2010/main" w="9525">
+                <a:solidFill>
+                  <a:srgbClr val="000000"/>
+                </a:solidFill>
+                <a:miter lim="800000"/>
+                <a:headEnd/>
+                <a:tailEnd/>
+              </a14:hiddenLine>
+            </a:ext>
+          </a:extLst>
+        </p:spPr>
+      </p:pic>
+    </p:spTree>
+    <p:extLst>
+      <p:ext uri="{BB962C8B-B14F-4D97-AF65-F5344CB8AC3E}">
+        <p14:creationId xmlns:p14="http://schemas.microsoft.com/office/powerpoint/2010/main" val="1581750327"/>
+      </p:ext>
+    </p:extLst>
+  </p:cSld>
+  <p:clrMapOvr>
+    <a:masterClrMapping/>
+  </p:clrMapOvr>
+</p:sld>
+</file>
+
+<file path=ppt/slides/slide29.xml><?xml version="1.0" encoding="utf-8"?>
+<p:sld xmlns:a="http://schemas.openxmlformats.org/drawingml/2006/main" xmlns:r="http://schemas.openxmlformats.org/officeDocument/2006/relationships" xmlns:p="http://schemas.openxmlformats.org/presentationml/2006/main">
+  <p:cSld>
+    <p:spTree>
+      <p:nvGrpSpPr>
+        <p:cNvPr id="1" name=""/>
+        <p:cNvGrpSpPr/>
+        <p:nvPr/>
+      </p:nvGrpSpPr>
+      <p:grpSpPr>
+        <a:xfrm>
+          <a:off x="0" y="0"/>
+          <a:ext cx="0" cy="0"/>
+          <a:chOff x="0" y="0"/>
+          <a:chExt cx="0" cy="0"/>
+        </a:xfrm>
+      </p:grpSpPr>
+      <p:sp>
+        <p:nvSpPr>
+          <p:cNvPr id="2" name="Title 1">
+            <a:extLst>
+              <a:ext uri="{FF2B5EF4-FFF2-40B4-BE49-F238E27FC236}">
+                <a16:creationId xmlns:a16="http://schemas.microsoft.com/office/drawing/2014/main" id="{DA86ABB9-ACFF-4DD4-98A8-750770F210B3}"/>
+              </a:ext>
+            </a:extLst>
+          </p:cNvPr>
+          <p:cNvSpPr>
+            <a:spLocks noGrp="1"/>
+          </p:cNvSpPr>
+          <p:nvPr>
+            <p:ph type="title"/>
+          </p:nvPr>
+        </p:nvSpPr>
+        <p:spPr/>
+        <p:txBody>
+          <a:bodyPr/>
+          <a:lstStyle/>
+          <a:p>
+            <a:r>
+              <a:rPr lang="en-US" dirty="0"/>
+              <a:t>Concurrent / parallel / orthogonal states</a:t>
+            </a:r>
+          </a:p>
+        </p:txBody>
+      </p:sp>
+      <p:sp>
+        <p:nvSpPr>
+          <p:cNvPr id="3" name="Content Placeholder 2">
+            <a:extLst>
+              <a:ext uri="{FF2B5EF4-FFF2-40B4-BE49-F238E27FC236}">
+                <a16:creationId xmlns:a16="http://schemas.microsoft.com/office/drawing/2014/main" id="{6F3434F1-D296-4EC2-AE41-09B19AE1C863}"/>
+              </a:ext>
+            </a:extLst>
+          </p:cNvPr>
+          <p:cNvSpPr>
+            <a:spLocks noGrp="1"/>
+          </p:cNvSpPr>
+          <p:nvPr>
+            <p:ph idx="1"/>
+          </p:nvPr>
+        </p:nvSpPr>
+        <p:spPr/>
+        <p:txBody>
+          <a:bodyPr/>
+          <a:lstStyle/>
+          <a:p>
+            <a:r>
+              <a:rPr lang="en-US" dirty="0"/>
+              <a:t>An embedded system might be doing multiple functions in parallel (multiple subsystems)</a:t>
+            </a:r>
+          </a:p>
+          <a:p>
+            <a:pPr lvl="1"/>
+            <a:r>
+              <a:rPr lang="en-US" dirty="0"/>
+              <a:t>Infusion control</a:t>
+            </a:r>
+          </a:p>
+          <a:p>
+            <a:pPr lvl="1"/>
+            <a:r>
+              <a:rPr lang="en-US" dirty="0"/>
+              <a:t>Alarm monitoring</a:t>
+            </a:r>
+          </a:p>
+          <a:p>
+            <a:pPr lvl="1"/>
+            <a:r>
+              <a:rPr lang="en-US" dirty="0"/>
+              <a:t>Communication</a:t>
+            </a:r>
+          </a:p>
+          <a:p>
+            <a:r>
+              <a:rPr lang="en-US" dirty="0" err="1"/>
+              <a:t>Statecharts</a:t>
+            </a:r>
+            <a:r>
+              <a:rPr lang="en-US" dirty="0"/>
+              <a:t> allow concurrent regions</a:t>
+            </a:r>
+          </a:p>
+          <a:p>
+            <a:r>
+              <a:rPr lang="en-US" dirty="0"/>
+              <a:t>How to show synchronized behavior (for example via shared variables or internal events)?</a:t>
+            </a:r>
+          </a:p>
+        </p:txBody>
+      </p:sp>
+      <p:sp>
+        <p:nvSpPr>
+          <p:cNvPr id="4" name="Date Placeholder 3">
+            <a:extLst>
+              <a:ext uri="{FF2B5EF4-FFF2-40B4-BE49-F238E27FC236}">
+                <a16:creationId xmlns:a16="http://schemas.microsoft.com/office/drawing/2014/main" id="{5B26ACE9-8297-4F65-97EA-98AA73CB35AA}"/>
+              </a:ext>
+            </a:extLst>
+          </p:cNvPr>
+          <p:cNvSpPr>
+            <a:spLocks noGrp="1"/>
+          </p:cNvSpPr>
+          <p:nvPr>
+            <p:ph type="dt" sz="half" idx="10"/>
+          </p:nvPr>
+        </p:nvSpPr>
+        <p:spPr/>
+        <p:txBody>
+          <a:bodyPr/>
+          <a:lstStyle/>
+          <a:p>
+            <a:pPr>
+              <a:defRPr/>
+            </a:pPr>
+            <a:r>
+              <a:rPr lang="en-US"/>
+              <a:t>21/12/2020</a:t>
+            </a:r>
+          </a:p>
+        </p:txBody>
+      </p:sp>
+      <p:sp>
+        <p:nvSpPr>
+          <p:cNvPr id="5" name="Slide Number Placeholder 4">
+            <a:extLst>
+              <a:ext uri="{FF2B5EF4-FFF2-40B4-BE49-F238E27FC236}">
+                <a16:creationId xmlns:a16="http://schemas.microsoft.com/office/drawing/2014/main" id="{B32CA62B-8EFD-4CE1-B2E9-D6575807A6EA}"/>
+              </a:ext>
+            </a:extLst>
+          </p:cNvPr>
+          <p:cNvSpPr>
+            <a:spLocks noGrp="1"/>
+          </p:cNvSpPr>
+          <p:nvPr>
+            <p:ph type="sldNum" sz="quarter" idx="12"/>
+          </p:nvPr>
+        </p:nvSpPr>
+        <p:spPr/>
+        <p:txBody>
+          <a:bodyPr/>
+          <a:lstStyle/>
+          <a:p>
+            <a:pPr>
+              <a:defRPr/>
+            </a:pPr>
+            <a:fld id="{CA887A73-1AE0-46F8-856A-18EA1CF30A1B}" type="slidenum">
+              <a:rPr lang="en-US" altLang="en-US" smtClean="0"/>
+              <a:pPr>
+                <a:defRPr/>
+              </a:pPr>
+              <a:t>29</a:t>
+            </a:fld>
+            <a:endParaRPr lang="en-US" altLang="en-US"/>
+          </a:p>
+        </p:txBody>
+      </p:sp>
+    </p:spTree>
+    <p:extLst>
+      <p:ext uri="{BB962C8B-B14F-4D97-AF65-F5344CB8AC3E}">
+        <p14:creationId xmlns:p14="http://schemas.microsoft.com/office/powerpoint/2010/main" val="3272483697"/>
+      </p:ext>
+    </p:extLst>
+  </p:cSld>
+  <p:clrMapOvr>
+    <a:masterClrMapping/>
+  </p:clrMapOvr>
+  <p:timing>
+    <p:tnLst>
+      <p:par>
+        <p:cTn id="1" dur="indefinite" restart="never" nodeType="tmRoot">
+          <p:childTnLst>
+            <p:seq concurrent="1" nextAc="seek">
+              <p:cTn id="2" dur="indefinite" nodeType="mainSeq">
+                <p:childTnLst>
+                  <p:par>
+                    <p:cTn id="3" fill="hold">
+                      <p:stCondLst>
+                        <p:cond delay="indefinite"/>
+                      </p:stCondLst>
+                      <p:childTnLst>
+                        <p:par>
+                          <p:cTn id="4" fill="hold">
+                            <p:stCondLst>
+                              <p:cond delay="0"/>
+                            </p:stCondLst>
+                            <p:childTnLst>
+                              <p:par>
+                                <p:cTn id="5" presetID="1" presetClass="entr" presetSubtype="0" fill="hold" grpId="0" nodeType="clickEffect">
+                                  <p:stCondLst>
+                                    <p:cond delay="0"/>
+                                  </p:stCondLst>
+                                  <p:childTnLst>
+                                    <p:set>
+                                      <p:cBhvr>
+                                        <p:cTn id="6" dur="1" fill="hold">
+                                          <p:stCondLst>
+                                            <p:cond delay="0"/>
+                                          </p:stCondLst>
+                                        </p:cTn>
+                                        <p:tgtEl>
+                                          <p:spTgt spid="3">
+                                            <p:txEl>
+                                              <p:pRg st="0" end="0"/>
+                                            </p:txEl>
+                                          </p:spTgt>
+                                        </p:tgtEl>
+                                        <p:attrNameLst>
+                                          <p:attrName>style.visibility</p:attrName>
+                                        </p:attrNameLst>
+                                      </p:cBhvr>
+                                      <p:to>
+                                        <p:strVal val="visible"/>
+                                      </p:to>
+                                    </p:set>
+                                  </p:childTnLst>
+                                </p:cTn>
+                              </p:par>
+                            </p:childTnLst>
+                          </p:cTn>
+                        </p:par>
+                      </p:childTnLst>
+                    </p:cTn>
+                  </p:par>
+                  <p:par>
+                    <p:cTn id="7" fill="hold">
+                      <p:stCondLst>
+                        <p:cond delay="indefinite"/>
+                      </p:stCondLst>
+                      <p:childTnLst>
+                        <p:par>
+                          <p:cTn id="8" fill="hold">
+                            <p:stCondLst>
+                              <p:cond delay="0"/>
+                            </p:stCondLst>
+                            <p:childTnLst>
+                              <p:par>
+                                <p:cTn id="9" presetID="1" presetClass="entr" presetSubtype="0" fill="hold" grpId="0" nodeType="clickEffect">
+                                  <p:stCondLst>
+                                    <p:cond delay="0"/>
+                                  </p:stCondLst>
+                                  <p:childTnLst>
+                                    <p:set>
+                                      <p:cBhvr>
+                                        <p:cTn id="10" dur="1" fill="hold">
+                                          <p:stCondLst>
+                                            <p:cond delay="0"/>
+                                          </p:stCondLst>
+                                        </p:cTn>
+                                        <p:tgtEl>
+                                          <p:spTgt spid="3">
+                                            <p:txEl>
+                                              <p:pRg st="1" end="1"/>
+                                            </p:txEl>
+                                          </p:spTgt>
+                                        </p:tgtEl>
+                                        <p:attrNameLst>
+                                          <p:attrName>style.visibility</p:attrName>
+                                        </p:attrNameLst>
+                                      </p:cBhvr>
+                                      <p:to>
+                                        <p:strVal val="visible"/>
+                                      </p:to>
+                                    </p:set>
+                                  </p:childTnLst>
+                                </p:cTn>
+                              </p:par>
+                            </p:childTnLst>
+                          </p:cTn>
+                        </p:par>
+                      </p:childTnLst>
+                    </p:cTn>
+                  </p:par>
+                  <p:par>
+                    <p:cTn id="11" fill="hold">
+                      <p:stCondLst>
+                        <p:cond delay="indefinite"/>
+                      </p:stCondLst>
+                      <p:childTnLst>
+                        <p:par>
+                          <p:cTn id="12" fill="hold">
+                            <p:stCondLst>
+                              <p:cond delay="0"/>
+                            </p:stCondLst>
+                            <p:childTnLst>
+                              <p:par>
+                                <p:cTn id="13" presetID="1" presetClass="entr" presetSubtype="0" fill="hold" grpId="0" nodeType="clickEffect">
+                                  <p:stCondLst>
+                                    <p:cond delay="0"/>
+                                  </p:stCondLst>
+                                  <p:childTnLst>
+                                    <p:set>
+                                      <p:cBhvr>
+                                        <p:cTn id="14" dur="1" fill="hold">
+                                          <p:stCondLst>
+                                            <p:cond delay="0"/>
+                                          </p:stCondLst>
+                                        </p:cTn>
+                                        <p:tgtEl>
+                                          <p:spTgt spid="3">
+                                            <p:txEl>
+                                              <p:pRg st="2" end="2"/>
+                                            </p:txEl>
+                                          </p:spTgt>
+                                        </p:tgtEl>
+                                        <p:attrNameLst>
+                                          <p:attrName>style.visibility</p:attrName>
+                                        </p:attrNameLst>
+                                      </p:cBhvr>
+                                      <p:to>
+                                        <p:strVal val="visible"/>
+                                      </p:to>
+                                    </p:set>
+                                  </p:childTnLst>
+                                </p:cTn>
+                              </p:par>
+                            </p:childTnLst>
+                          </p:cTn>
+                        </p:par>
+                      </p:childTnLst>
+                    </p:cTn>
+                  </p:par>
+                  <p:par>
+                    <p:cTn id="15" fill="hold">
+                      <p:stCondLst>
+                        <p:cond delay="indefinite"/>
+                      </p:stCondLst>
+                      <p:childTnLst>
+                        <p:par>
+                          <p:cTn id="16" fill="hold">
+                            <p:stCondLst>
+                              <p:cond delay="0"/>
+                            </p:stCondLst>
+                            <p:childTnLst>
+                              <p:par>
+                                <p:cTn id="17" presetID="1" presetClass="entr" presetSubtype="0" fill="hold" grpId="0" nodeType="clickEffect">
+                                  <p:stCondLst>
+                                    <p:cond delay="0"/>
+                                  </p:stCondLst>
+                                  <p:childTnLst>
+                                    <p:set>
+                                      <p:cBhvr>
+                                        <p:cTn id="18" dur="1" fill="hold">
+                                          <p:stCondLst>
+                                            <p:cond delay="0"/>
+                                          </p:stCondLst>
+                                        </p:cTn>
+                                        <p:tgtEl>
+                                          <p:spTgt spid="3">
+                                            <p:txEl>
+                                              <p:pRg st="3" end="3"/>
+                                            </p:txEl>
+                                          </p:spTgt>
+                                        </p:tgtEl>
+                                        <p:attrNameLst>
+                                          <p:attrName>style.visibility</p:attrName>
+                                        </p:attrNameLst>
+                                      </p:cBhvr>
+                                      <p:to>
+                                        <p:strVal val="visible"/>
+                                      </p:to>
+                                    </p:set>
+                                  </p:childTnLst>
+                                </p:cTn>
+                              </p:par>
+                            </p:childTnLst>
+                          </p:cTn>
+                        </p:par>
+                      </p:childTnLst>
+                    </p:cTn>
+                  </p:par>
+                  <p:par>
+                    <p:cTn id="19" fill="hold">
+                      <p:stCondLst>
+                        <p:cond delay="indefinite"/>
+                      </p:stCondLst>
+                      <p:childTnLst>
+                        <p:par>
+                          <p:cTn id="20" fill="hold">
+                            <p:stCondLst>
+                              <p:cond delay="0"/>
+                            </p:stCondLst>
+                            <p:childTnLst>
+                              <p:par>
+                                <p:cTn id="21" presetID="1" presetClass="entr" presetSubtype="0" fill="hold" grpId="0" nodeType="clickEffect">
+                                  <p:stCondLst>
+                                    <p:cond delay="0"/>
+                                  </p:stCondLst>
+                                  <p:childTnLst>
+                                    <p:set>
+                                      <p:cBhvr>
+                                        <p:cTn id="22" dur="1" fill="hold">
+                                          <p:stCondLst>
+                                            <p:cond delay="0"/>
+                                          </p:stCondLst>
+                                        </p:cTn>
+                                        <p:tgtEl>
+                                          <p:spTgt spid="3">
+                                            <p:txEl>
+                                              <p:pRg st="4" end="4"/>
+                                            </p:txEl>
+                                          </p:spTgt>
+                                        </p:tgtEl>
+                                        <p:attrNameLst>
+                                          <p:attrName>style.visibility</p:attrName>
+                                        </p:attrNameLst>
+                                      </p:cBhvr>
+                                      <p:to>
+                                        <p:strVal val="visible"/>
+                                      </p:to>
+                                    </p:set>
+                                  </p:childTnLst>
+                                </p:cTn>
+                              </p:par>
+                            </p:childTnLst>
+                          </p:cTn>
+                        </p:par>
+                      </p:childTnLst>
+                    </p:cTn>
+                  </p:par>
+                  <p:par>
+                    <p:cTn id="23" fill="hold">
+                      <p:stCondLst>
+                        <p:cond delay="indefinite"/>
+                      </p:stCondLst>
+                      <p:childTnLst>
+                        <p:par>
+                          <p:cTn id="24" fill="hold">
+                            <p:stCondLst>
+                              <p:cond delay="0"/>
+                            </p:stCondLst>
+                            <p:childTnLst>
+                              <p:par>
+                                <p:cTn id="25" presetID="1" presetClass="entr" presetSubtype="0" fill="hold" grpId="0" nodeType="clickEffect">
+                                  <p:stCondLst>
+                                    <p:cond delay="0"/>
+                                  </p:stCondLst>
+                                  <p:childTnLst>
+                                    <p:set>
+                                      <p:cBhvr>
+                                        <p:cTn id="26" dur="1" fill="hold">
+                                          <p:stCondLst>
+                                            <p:cond delay="0"/>
+                                          </p:stCondLst>
+                                        </p:cTn>
+                                        <p:tgtEl>
+                                          <p:spTgt spid="3">
+                                            <p:txEl>
+                                              <p:pRg st="5" end="5"/>
+                                            </p:txEl>
+                                          </p:spTgt>
+                                        </p:tgtEl>
+                                        <p:attrNameLst>
+                                          <p:attrName>style.visibility</p:attrName>
+                                        </p:attrNameLst>
+                                      </p:cBhvr>
+                                      <p:to>
+                                        <p:strVal val="visible"/>
+                                      </p:to>
+                                    </p:set>
+                                  </p:childTnLst>
+                                </p:cTn>
+                              </p:par>
+                            </p:childTnLst>
+                          </p:cTn>
+                        </p:par>
+                      </p:childTnLst>
+                    </p:cTn>
+                  </p:par>
+                </p:childTnLst>
+              </p:cTn>
+              <p:prevCondLst>
+                <p:cond evt="onPrev" delay="0">
+                  <p:tgtEl>
+                    <p:sldTgt/>
+                  </p:tgtEl>
+                </p:cond>
+              </p:prevCondLst>
+              <p:nextCondLst>
+                <p:cond evt="onNext" delay="0">
+                  <p:tgtEl>
+                    <p:sldTgt/>
+                  </p:tgtEl>
+                </p:cond>
+              </p:nextCondLst>
+            </p:seq>
+          </p:childTnLst>
+        </p:cTn>
+      </p:par>
+    </p:tnLst>
+    <p:bldLst>
+      <p:bldP spid="3" grpId="0" build="p"/>
+    </p:bldLst>
+  </p:timing>
+</p:sld>
+</file>
+
 <file path=ppt/slides/slide3.xml><?xml version="1.0" encoding="utf-8"?>
 <p:sld xmlns:a="http://schemas.openxmlformats.org/drawingml/2006/main" xmlns:r="http://schemas.openxmlformats.org/officeDocument/2006/relationships" xmlns:p="http://schemas.openxmlformats.org/presentationml/2006/main">
   <p:cSld>
@@ -12099,6 +17168,1965 @@
       <p:bldP spid="3" grpId="0" build="p"/>
     </p:bldLst>
   </p:timing>
+</p:sld>
+</file>
+
+<file path=ppt/slides/slide30.xml><?xml version="1.0" encoding="utf-8"?>
+<p:sld xmlns:a="http://schemas.openxmlformats.org/drawingml/2006/main" xmlns:r="http://schemas.openxmlformats.org/officeDocument/2006/relationships" xmlns:p="http://schemas.openxmlformats.org/presentationml/2006/main">
+  <p:cSld>
+    <p:spTree>
+      <p:nvGrpSpPr>
+        <p:cNvPr id="1" name=""/>
+        <p:cNvGrpSpPr/>
+        <p:nvPr/>
+      </p:nvGrpSpPr>
+      <p:grpSpPr>
+        <a:xfrm>
+          <a:off x="0" y="0"/>
+          <a:ext cx="0" cy="0"/>
+          <a:chOff x="0" y="0"/>
+          <a:chExt cx="0" cy="0"/>
+        </a:xfrm>
+      </p:grpSpPr>
+      <p:sp>
+        <p:nvSpPr>
+          <p:cNvPr id="2" name="Title 1">
+            <a:extLst>
+              <a:ext uri="{FF2B5EF4-FFF2-40B4-BE49-F238E27FC236}">
+                <a16:creationId xmlns:a16="http://schemas.microsoft.com/office/drawing/2014/main" id="{CA998D9E-7390-4354-9B92-AA8066E9F92C}"/>
+              </a:ext>
+            </a:extLst>
+          </p:cNvPr>
+          <p:cNvSpPr>
+            <a:spLocks noGrp="1"/>
+          </p:cNvSpPr>
+          <p:nvPr>
+            <p:ph type="title"/>
+          </p:nvPr>
+        </p:nvSpPr>
+        <p:spPr/>
+        <p:txBody>
+          <a:bodyPr/>
+          <a:lstStyle/>
+          <a:p>
+            <a:r>
+              <a:rPr lang="en-US" dirty="0"/>
+              <a:t>Infusing and logging in the infusion pump</a:t>
+            </a:r>
+          </a:p>
+        </p:txBody>
+      </p:sp>
+      <p:pic>
+        <p:nvPicPr>
+          <p:cNvPr id="7" name="Content Placeholder 6">
+            <a:extLst>
+              <a:ext uri="{FF2B5EF4-FFF2-40B4-BE49-F238E27FC236}">
+                <a16:creationId xmlns:a16="http://schemas.microsoft.com/office/drawing/2014/main" id="{55D1BCE6-7654-479F-B650-7583931677DE}"/>
+              </a:ext>
+            </a:extLst>
+          </p:cNvPr>
+          <p:cNvPicPr>
+            <a:picLocks noGrp="1" noChangeAspect="1"/>
+          </p:cNvPicPr>
+          <p:nvPr>
+            <p:ph idx="1"/>
+          </p:nvPr>
+        </p:nvPicPr>
+        <p:blipFill>
+          <a:blip r:embed="rId2"/>
+          <a:stretch>
+            <a:fillRect/>
+          </a:stretch>
+        </p:blipFill>
+        <p:spPr>
+          <a:xfrm>
+            <a:off x="200539" y="1416843"/>
+            <a:ext cx="6228321" cy="5014912"/>
+          </a:xfrm>
+        </p:spPr>
+      </p:pic>
+      <p:sp>
+        <p:nvSpPr>
+          <p:cNvPr id="4" name="Date Placeholder 3">
+            <a:extLst>
+              <a:ext uri="{FF2B5EF4-FFF2-40B4-BE49-F238E27FC236}">
+                <a16:creationId xmlns:a16="http://schemas.microsoft.com/office/drawing/2014/main" id="{9E70A9B2-AE5E-4069-BBB9-E8C62D2D835C}"/>
+              </a:ext>
+            </a:extLst>
+          </p:cNvPr>
+          <p:cNvSpPr>
+            <a:spLocks noGrp="1"/>
+          </p:cNvSpPr>
+          <p:nvPr>
+            <p:ph type="dt" sz="half" idx="10"/>
+          </p:nvPr>
+        </p:nvSpPr>
+        <p:spPr/>
+        <p:txBody>
+          <a:bodyPr/>
+          <a:lstStyle/>
+          <a:p>
+            <a:pPr>
+              <a:defRPr/>
+            </a:pPr>
+            <a:r>
+              <a:rPr lang="en-US"/>
+              <a:t>21/12/2020</a:t>
+            </a:r>
+          </a:p>
+        </p:txBody>
+      </p:sp>
+      <p:sp>
+        <p:nvSpPr>
+          <p:cNvPr id="5" name="Slide Number Placeholder 4">
+            <a:extLst>
+              <a:ext uri="{FF2B5EF4-FFF2-40B4-BE49-F238E27FC236}">
+                <a16:creationId xmlns:a16="http://schemas.microsoft.com/office/drawing/2014/main" id="{840CE52F-CFB6-45A2-A768-06D87EDE842B}"/>
+              </a:ext>
+            </a:extLst>
+          </p:cNvPr>
+          <p:cNvSpPr>
+            <a:spLocks noGrp="1"/>
+          </p:cNvSpPr>
+          <p:nvPr>
+            <p:ph type="sldNum" sz="quarter" idx="12"/>
+          </p:nvPr>
+        </p:nvSpPr>
+        <p:spPr/>
+        <p:txBody>
+          <a:bodyPr/>
+          <a:lstStyle/>
+          <a:p>
+            <a:pPr>
+              <a:defRPr/>
+            </a:pPr>
+            <a:fld id="{CA887A73-1AE0-46F8-856A-18EA1CF30A1B}" type="slidenum">
+              <a:rPr lang="en-US" altLang="en-US" smtClean="0"/>
+              <a:pPr>
+                <a:defRPr/>
+              </a:pPr>
+              <a:t>30</a:t>
+            </a:fld>
+            <a:endParaRPr lang="en-US" altLang="en-US"/>
+          </a:p>
+        </p:txBody>
+      </p:sp>
+      <p:sp>
+        <p:nvSpPr>
+          <p:cNvPr id="8" name="Content Placeholder 2">
+            <a:extLst>
+              <a:ext uri="{FF2B5EF4-FFF2-40B4-BE49-F238E27FC236}">
+                <a16:creationId xmlns:a16="http://schemas.microsoft.com/office/drawing/2014/main" id="{2E12CFAE-DB9B-4F75-B4C3-7654172A49FC}"/>
+              </a:ext>
+            </a:extLst>
+          </p:cNvPr>
+          <p:cNvSpPr txBox="1">
+            <a:spLocks/>
+          </p:cNvSpPr>
+          <p:nvPr/>
+        </p:nvSpPr>
+        <p:spPr bwMode="auto">
+          <a:xfrm>
+            <a:off x="6019800" y="1446211"/>
+            <a:ext cx="2971800" cy="5014912"/>
+          </a:xfrm>
+          <a:prstGeom prst="rect">
+            <a:avLst/>
+          </a:prstGeom>
+          <a:noFill/>
+          <a:ln>
+            <a:noFill/>
+          </a:ln>
+          <a:extLst>
+            <a:ext uri="{909E8E84-426E-40DD-AFC4-6F175D3DCCD1}">
+              <a14:hiddenFill xmlns:a14="http://schemas.microsoft.com/office/drawing/2010/main">
+                <a:solidFill>
+                  <a:srgbClr val="FFFFFF"/>
+                </a:solidFill>
+              </a14:hiddenFill>
+            </a:ext>
+            <a:ext uri="{91240B29-F687-4F45-9708-019B960494DF}">
+              <a14:hiddenLine xmlns:a14="http://schemas.microsoft.com/office/drawing/2010/main" w="9525">
+                <a:solidFill>
+                  <a:srgbClr val="000000"/>
+                </a:solidFill>
+                <a:miter lim="800000"/>
+                <a:headEnd/>
+                <a:tailEnd/>
+              </a14:hiddenLine>
+            </a:ext>
+          </a:extLst>
+        </p:spPr>
+        <p:txBody>
+          <a:bodyPr vert="horz" wrap="square" lIns="91440" tIns="45720" rIns="91440" bIns="45720" numCol="1" anchor="t" anchorCtr="0" compatLnSpc="1">
+            <a:prstTxWarp prst="textNoShape">
+              <a:avLst/>
+            </a:prstTxWarp>
+          </a:bodyPr>
+          <a:lstStyle>
+            <a:lvl1pPr marL="342900" indent="-342900" algn="l" rtl="0" eaLnBrk="0" fontAlgn="base" hangingPunct="0">
+              <a:spcBef>
+                <a:spcPct val="20000"/>
+              </a:spcBef>
+              <a:spcAft>
+                <a:spcPct val="0"/>
+              </a:spcAft>
+              <a:buFont typeface="Arial" panose="020B0604020202020204" pitchFamily="34" charset="0"/>
+              <a:buChar char="•"/>
+              <a:defRPr sz="3200" kern="1200">
+                <a:solidFill>
+                  <a:schemeClr val="tx1">
+                    <a:lumMod val="50000"/>
+                    <a:lumOff val="50000"/>
+                  </a:schemeClr>
+                </a:solidFill>
+                <a:latin typeface="+mn-lt"/>
+                <a:ea typeface="+mn-ea"/>
+                <a:cs typeface="+mn-cs"/>
+              </a:defRPr>
+            </a:lvl1pPr>
+            <a:lvl2pPr marL="742950" indent="-285750" algn="l" rtl="0" eaLnBrk="0" fontAlgn="base" hangingPunct="0">
+              <a:spcBef>
+                <a:spcPct val="20000"/>
+              </a:spcBef>
+              <a:spcAft>
+                <a:spcPct val="0"/>
+              </a:spcAft>
+              <a:buFont typeface="Arial" panose="020B0604020202020204" pitchFamily="34" charset="0"/>
+              <a:buChar char="–"/>
+              <a:defRPr sz="2800" kern="1200">
+                <a:solidFill>
+                  <a:schemeClr val="tx1">
+                    <a:lumMod val="50000"/>
+                    <a:lumOff val="50000"/>
+                  </a:schemeClr>
+                </a:solidFill>
+                <a:latin typeface="+mn-lt"/>
+                <a:ea typeface="+mn-ea"/>
+                <a:cs typeface="+mn-cs"/>
+              </a:defRPr>
+            </a:lvl2pPr>
+            <a:lvl3pPr marL="1143000" indent="-228600" algn="l" rtl="0" eaLnBrk="0" fontAlgn="base" hangingPunct="0">
+              <a:spcBef>
+                <a:spcPct val="20000"/>
+              </a:spcBef>
+              <a:spcAft>
+                <a:spcPct val="0"/>
+              </a:spcAft>
+              <a:buFont typeface="Arial" panose="020B0604020202020204" pitchFamily="34" charset="0"/>
+              <a:buChar char="•"/>
+              <a:defRPr sz="2400" kern="1200">
+                <a:solidFill>
+                  <a:schemeClr val="tx1">
+                    <a:lumMod val="50000"/>
+                    <a:lumOff val="50000"/>
+                  </a:schemeClr>
+                </a:solidFill>
+                <a:latin typeface="+mn-lt"/>
+                <a:ea typeface="+mn-ea"/>
+                <a:cs typeface="+mn-cs"/>
+              </a:defRPr>
+            </a:lvl3pPr>
+            <a:lvl4pPr marL="1600200" indent="-228600" algn="l" rtl="0" eaLnBrk="0" fontAlgn="base" hangingPunct="0">
+              <a:spcBef>
+                <a:spcPct val="20000"/>
+              </a:spcBef>
+              <a:spcAft>
+                <a:spcPct val="0"/>
+              </a:spcAft>
+              <a:buFont typeface="Arial" panose="020B0604020202020204" pitchFamily="34" charset="0"/>
+              <a:buChar char="–"/>
+              <a:defRPr sz="2000" kern="1200">
+                <a:solidFill>
+                  <a:schemeClr val="tx1">
+                    <a:lumMod val="50000"/>
+                    <a:lumOff val="50000"/>
+                  </a:schemeClr>
+                </a:solidFill>
+                <a:latin typeface="+mn-lt"/>
+                <a:ea typeface="+mn-ea"/>
+                <a:cs typeface="+mn-cs"/>
+              </a:defRPr>
+            </a:lvl4pPr>
+            <a:lvl5pPr marL="2057400" indent="-228600" algn="l" rtl="0" eaLnBrk="0" fontAlgn="base" hangingPunct="0">
+              <a:spcBef>
+                <a:spcPct val="20000"/>
+              </a:spcBef>
+              <a:spcAft>
+                <a:spcPct val="0"/>
+              </a:spcAft>
+              <a:buFont typeface="Arial" panose="020B0604020202020204" pitchFamily="34" charset="0"/>
+              <a:buChar char="»"/>
+              <a:defRPr sz="2000" kern="1200">
+                <a:solidFill>
+                  <a:schemeClr val="tx1">
+                    <a:lumMod val="50000"/>
+                    <a:lumOff val="50000"/>
+                  </a:schemeClr>
+                </a:solidFill>
+                <a:latin typeface="+mn-lt"/>
+                <a:ea typeface="+mn-ea"/>
+                <a:cs typeface="+mn-cs"/>
+              </a:defRPr>
+            </a:lvl5pPr>
+            <a:lvl6pPr marL="2514600" indent="-228600" algn="l" defTabSz="914400" rtl="0" eaLnBrk="1" latinLnBrk="0" hangingPunct="1">
+              <a:spcBef>
+                <a:spcPct val="20000"/>
+              </a:spcBef>
+              <a:buFont typeface="Arial" pitchFamily="34" charset="0"/>
+              <a:buChar char="•"/>
+              <a:defRPr sz="2000" kern="1200">
+                <a:solidFill>
+                  <a:schemeClr val="tx1"/>
+                </a:solidFill>
+                <a:latin typeface="+mn-lt"/>
+                <a:ea typeface="+mn-ea"/>
+                <a:cs typeface="+mn-cs"/>
+              </a:defRPr>
+            </a:lvl6pPr>
+            <a:lvl7pPr marL="2971800" indent="-228600" algn="l" defTabSz="914400" rtl="0" eaLnBrk="1" latinLnBrk="0" hangingPunct="1">
+              <a:spcBef>
+                <a:spcPct val="20000"/>
+              </a:spcBef>
+              <a:buFont typeface="Arial" pitchFamily="34" charset="0"/>
+              <a:buChar char="•"/>
+              <a:defRPr sz="2000" kern="1200">
+                <a:solidFill>
+                  <a:schemeClr val="tx1"/>
+                </a:solidFill>
+                <a:latin typeface="+mn-lt"/>
+                <a:ea typeface="+mn-ea"/>
+                <a:cs typeface="+mn-cs"/>
+              </a:defRPr>
+            </a:lvl7pPr>
+            <a:lvl8pPr marL="3429000" indent="-228600" algn="l" defTabSz="914400" rtl="0" eaLnBrk="1" latinLnBrk="0" hangingPunct="1">
+              <a:spcBef>
+                <a:spcPct val="20000"/>
+              </a:spcBef>
+              <a:buFont typeface="Arial" pitchFamily="34" charset="0"/>
+              <a:buChar char="•"/>
+              <a:defRPr sz="2000" kern="1200">
+                <a:solidFill>
+                  <a:schemeClr val="tx1"/>
+                </a:solidFill>
+                <a:latin typeface="+mn-lt"/>
+                <a:ea typeface="+mn-ea"/>
+                <a:cs typeface="+mn-cs"/>
+              </a:defRPr>
+            </a:lvl8pPr>
+            <a:lvl9pPr marL="3886200" indent="-228600" algn="l" defTabSz="914400" rtl="0" eaLnBrk="1" latinLnBrk="0" hangingPunct="1">
+              <a:spcBef>
+                <a:spcPct val="20000"/>
+              </a:spcBef>
+              <a:buFont typeface="Arial" pitchFamily="34" charset="0"/>
+              <a:buChar char="•"/>
+              <a:defRPr sz="2000" kern="1200">
+                <a:solidFill>
+                  <a:schemeClr val="tx1"/>
+                </a:solidFill>
+                <a:latin typeface="+mn-lt"/>
+                <a:ea typeface="+mn-ea"/>
+                <a:cs typeface="+mn-cs"/>
+              </a:defRPr>
+            </a:lvl9pPr>
+          </a:lstStyle>
+          <a:p>
+            <a:r>
+              <a:rPr lang="en-US" sz="2000" dirty="0"/>
+              <a:t>Should logging be a concurrent state </a:t>
+            </a:r>
+            <a:r>
+              <a:rPr lang="en-US" sz="2000" i="1" dirty="0"/>
+              <a:t>inside</a:t>
+            </a:r>
+            <a:r>
+              <a:rPr lang="en-US" sz="2000" dirty="0"/>
+              <a:t> infusion, or separate altogether?</a:t>
+            </a:r>
+          </a:p>
+          <a:p>
+            <a:r>
+              <a:rPr lang="en-US" sz="2000" dirty="0"/>
+              <a:t>Might want logging to change behavior in </a:t>
+            </a:r>
+            <a:r>
+              <a:rPr lang="en-US" sz="2000" dirty="0" err="1"/>
+              <a:t>safestate</a:t>
+            </a:r>
+            <a:r>
+              <a:rPr lang="en-US" sz="2000" dirty="0"/>
+              <a:t>, so use a different logging substate there</a:t>
+            </a:r>
+          </a:p>
+          <a:p>
+            <a:r>
+              <a:rPr lang="en-US" sz="2000" dirty="0"/>
+              <a:t>Are we implementing two tasks / parallel code?</a:t>
+            </a:r>
+          </a:p>
+          <a:p>
+            <a:r>
+              <a:rPr lang="en-US" sz="2000" dirty="0"/>
+              <a:t>Only behavioral independence, not implementation</a:t>
+            </a:r>
+          </a:p>
+        </p:txBody>
+      </p:sp>
+    </p:spTree>
+    <p:extLst>
+      <p:ext uri="{BB962C8B-B14F-4D97-AF65-F5344CB8AC3E}">
+        <p14:creationId xmlns:p14="http://schemas.microsoft.com/office/powerpoint/2010/main" val="3412510373"/>
+      </p:ext>
+    </p:extLst>
+  </p:cSld>
+  <p:clrMapOvr>
+    <a:masterClrMapping/>
+  </p:clrMapOvr>
+  <p:timing>
+    <p:tnLst>
+      <p:par>
+        <p:cTn id="1" dur="indefinite" restart="never" nodeType="tmRoot">
+          <p:childTnLst>
+            <p:seq concurrent="1" nextAc="seek">
+              <p:cTn id="2" dur="indefinite" nodeType="mainSeq">
+                <p:childTnLst>
+                  <p:par>
+                    <p:cTn id="3" fill="hold">
+                      <p:stCondLst>
+                        <p:cond delay="indefinite"/>
+                      </p:stCondLst>
+                      <p:childTnLst>
+                        <p:par>
+                          <p:cTn id="4" fill="hold">
+                            <p:stCondLst>
+                              <p:cond delay="0"/>
+                            </p:stCondLst>
+                            <p:childTnLst>
+                              <p:par>
+                                <p:cTn id="5" presetID="1" presetClass="entr" presetSubtype="0" fill="hold" grpId="0" nodeType="clickEffect">
+                                  <p:stCondLst>
+                                    <p:cond delay="0"/>
+                                  </p:stCondLst>
+                                  <p:childTnLst>
+                                    <p:set>
+                                      <p:cBhvr>
+                                        <p:cTn id="6" dur="1" fill="hold">
+                                          <p:stCondLst>
+                                            <p:cond delay="0"/>
+                                          </p:stCondLst>
+                                        </p:cTn>
+                                        <p:tgtEl>
+                                          <p:spTgt spid="8">
+                                            <p:txEl>
+                                              <p:pRg st="0" end="0"/>
+                                            </p:txEl>
+                                          </p:spTgt>
+                                        </p:tgtEl>
+                                        <p:attrNameLst>
+                                          <p:attrName>style.visibility</p:attrName>
+                                        </p:attrNameLst>
+                                      </p:cBhvr>
+                                      <p:to>
+                                        <p:strVal val="visible"/>
+                                      </p:to>
+                                    </p:set>
+                                  </p:childTnLst>
+                                </p:cTn>
+                              </p:par>
+                            </p:childTnLst>
+                          </p:cTn>
+                        </p:par>
+                      </p:childTnLst>
+                    </p:cTn>
+                  </p:par>
+                  <p:par>
+                    <p:cTn id="7" fill="hold">
+                      <p:stCondLst>
+                        <p:cond delay="indefinite"/>
+                      </p:stCondLst>
+                      <p:childTnLst>
+                        <p:par>
+                          <p:cTn id="8" fill="hold">
+                            <p:stCondLst>
+                              <p:cond delay="0"/>
+                            </p:stCondLst>
+                            <p:childTnLst>
+                              <p:par>
+                                <p:cTn id="9" presetID="1" presetClass="entr" presetSubtype="0" fill="hold" grpId="0" nodeType="clickEffect">
+                                  <p:stCondLst>
+                                    <p:cond delay="0"/>
+                                  </p:stCondLst>
+                                  <p:childTnLst>
+                                    <p:set>
+                                      <p:cBhvr>
+                                        <p:cTn id="10" dur="1" fill="hold">
+                                          <p:stCondLst>
+                                            <p:cond delay="0"/>
+                                          </p:stCondLst>
+                                        </p:cTn>
+                                        <p:tgtEl>
+                                          <p:spTgt spid="8">
+                                            <p:txEl>
+                                              <p:pRg st="1" end="1"/>
+                                            </p:txEl>
+                                          </p:spTgt>
+                                        </p:tgtEl>
+                                        <p:attrNameLst>
+                                          <p:attrName>style.visibility</p:attrName>
+                                        </p:attrNameLst>
+                                      </p:cBhvr>
+                                      <p:to>
+                                        <p:strVal val="visible"/>
+                                      </p:to>
+                                    </p:set>
+                                  </p:childTnLst>
+                                </p:cTn>
+                              </p:par>
+                            </p:childTnLst>
+                          </p:cTn>
+                        </p:par>
+                      </p:childTnLst>
+                    </p:cTn>
+                  </p:par>
+                  <p:par>
+                    <p:cTn id="11" fill="hold">
+                      <p:stCondLst>
+                        <p:cond delay="indefinite"/>
+                      </p:stCondLst>
+                      <p:childTnLst>
+                        <p:par>
+                          <p:cTn id="12" fill="hold">
+                            <p:stCondLst>
+                              <p:cond delay="0"/>
+                            </p:stCondLst>
+                            <p:childTnLst>
+                              <p:par>
+                                <p:cTn id="13" presetID="1" presetClass="entr" presetSubtype="0" fill="hold" grpId="0" nodeType="clickEffect">
+                                  <p:stCondLst>
+                                    <p:cond delay="0"/>
+                                  </p:stCondLst>
+                                  <p:childTnLst>
+                                    <p:set>
+                                      <p:cBhvr>
+                                        <p:cTn id="14" dur="1" fill="hold">
+                                          <p:stCondLst>
+                                            <p:cond delay="0"/>
+                                          </p:stCondLst>
+                                        </p:cTn>
+                                        <p:tgtEl>
+                                          <p:spTgt spid="8">
+                                            <p:txEl>
+                                              <p:pRg st="2" end="2"/>
+                                            </p:txEl>
+                                          </p:spTgt>
+                                        </p:tgtEl>
+                                        <p:attrNameLst>
+                                          <p:attrName>style.visibility</p:attrName>
+                                        </p:attrNameLst>
+                                      </p:cBhvr>
+                                      <p:to>
+                                        <p:strVal val="visible"/>
+                                      </p:to>
+                                    </p:set>
+                                  </p:childTnLst>
+                                </p:cTn>
+                              </p:par>
+                            </p:childTnLst>
+                          </p:cTn>
+                        </p:par>
+                      </p:childTnLst>
+                    </p:cTn>
+                  </p:par>
+                  <p:par>
+                    <p:cTn id="15" fill="hold">
+                      <p:stCondLst>
+                        <p:cond delay="indefinite"/>
+                      </p:stCondLst>
+                      <p:childTnLst>
+                        <p:par>
+                          <p:cTn id="16" fill="hold">
+                            <p:stCondLst>
+                              <p:cond delay="0"/>
+                            </p:stCondLst>
+                            <p:childTnLst>
+                              <p:par>
+                                <p:cTn id="17" presetID="1" presetClass="entr" presetSubtype="0" fill="hold" grpId="0" nodeType="clickEffect">
+                                  <p:stCondLst>
+                                    <p:cond delay="0"/>
+                                  </p:stCondLst>
+                                  <p:childTnLst>
+                                    <p:set>
+                                      <p:cBhvr>
+                                        <p:cTn id="18" dur="1" fill="hold">
+                                          <p:stCondLst>
+                                            <p:cond delay="0"/>
+                                          </p:stCondLst>
+                                        </p:cTn>
+                                        <p:tgtEl>
+                                          <p:spTgt spid="8">
+                                            <p:txEl>
+                                              <p:pRg st="3" end="3"/>
+                                            </p:txEl>
+                                          </p:spTgt>
+                                        </p:tgtEl>
+                                        <p:attrNameLst>
+                                          <p:attrName>style.visibility</p:attrName>
+                                        </p:attrNameLst>
+                                      </p:cBhvr>
+                                      <p:to>
+                                        <p:strVal val="visible"/>
+                                      </p:to>
+                                    </p:set>
+                                  </p:childTnLst>
+                                </p:cTn>
+                              </p:par>
+                            </p:childTnLst>
+                          </p:cTn>
+                        </p:par>
+                      </p:childTnLst>
+                    </p:cTn>
+                  </p:par>
+                </p:childTnLst>
+              </p:cTn>
+              <p:prevCondLst>
+                <p:cond evt="onPrev" delay="0">
+                  <p:tgtEl>
+                    <p:sldTgt/>
+                  </p:tgtEl>
+                </p:cond>
+              </p:prevCondLst>
+              <p:nextCondLst>
+                <p:cond evt="onNext" delay="0">
+                  <p:tgtEl>
+                    <p:sldTgt/>
+                  </p:tgtEl>
+                </p:cond>
+              </p:nextCondLst>
+            </p:seq>
+          </p:childTnLst>
+        </p:cTn>
+      </p:par>
+    </p:tnLst>
+    <p:bldLst>
+      <p:bldP spid="8" grpId="0" build="p"/>
+    </p:bldLst>
+  </p:timing>
+</p:sld>
+</file>
+
+<file path=ppt/slides/slide31.xml><?xml version="1.0" encoding="utf-8"?>
+<p:sld xmlns:a="http://schemas.openxmlformats.org/drawingml/2006/main" xmlns:r="http://schemas.openxmlformats.org/officeDocument/2006/relationships" xmlns:p="http://schemas.openxmlformats.org/presentationml/2006/main">
+  <p:cSld>
+    <p:spTree>
+      <p:nvGrpSpPr>
+        <p:cNvPr id="1" name=""/>
+        <p:cNvGrpSpPr/>
+        <p:nvPr/>
+      </p:nvGrpSpPr>
+      <p:grpSpPr>
+        <a:xfrm>
+          <a:off x="0" y="0"/>
+          <a:ext cx="0" cy="0"/>
+          <a:chOff x="0" y="0"/>
+          <a:chExt cx="0" cy="0"/>
+        </a:xfrm>
+      </p:grpSpPr>
+      <p:sp>
+        <p:nvSpPr>
+          <p:cNvPr id="2" name="Title 1">
+            <a:extLst>
+              <a:ext uri="{FF2B5EF4-FFF2-40B4-BE49-F238E27FC236}">
+                <a16:creationId xmlns:a16="http://schemas.microsoft.com/office/drawing/2014/main" id="{43282BBD-970C-433C-B80F-B9C0AFE5B765}"/>
+              </a:ext>
+            </a:extLst>
+          </p:cNvPr>
+          <p:cNvSpPr>
+            <a:spLocks noGrp="1"/>
+          </p:cNvSpPr>
+          <p:nvPr>
+            <p:ph type="title"/>
+          </p:nvPr>
+        </p:nvSpPr>
+        <p:spPr/>
+        <p:txBody>
+          <a:bodyPr/>
+          <a:lstStyle/>
+          <a:p>
+            <a:r>
+              <a:rPr lang="en-US" dirty="0"/>
+              <a:t>Errors and fault states</a:t>
+            </a:r>
+          </a:p>
+        </p:txBody>
+      </p:sp>
+      <p:sp>
+        <p:nvSpPr>
+          <p:cNvPr id="3" name="Content Placeholder 2">
+            <a:extLst>
+              <a:ext uri="{FF2B5EF4-FFF2-40B4-BE49-F238E27FC236}">
+                <a16:creationId xmlns:a16="http://schemas.microsoft.com/office/drawing/2014/main" id="{17A744EA-4B35-4DCE-A74A-5F8CF69FB4ED}"/>
+              </a:ext>
+            </a:extLst>
+          </p:cNvPr>
+          <p:cNvSpPr>
+            <a:spLocks noGrp="1"/>
+          </p:cNvSpPr>
+          <p:nvPr>
+            <p:ph idx="1"/>
+          </p:nvPr>
+        </p:nvSpPr>
+        <p:spPr/>
+        <p:txBody>
+          <a:bodyPr>
+            <a:normAutofit fontScale="92500" lnSpcReduction="10000"/>
+          </a:bodyPr>
+          <a:lstStyle/>
+          <a:p>
+            <a:r>
+              <a:rPr lang="en-US" dirty="0"/>
+              <a:t>Error: recoverable abnormal condition; fault: unrecoverable / safety-critical condition</a:t>
+            </a:r>
+          </a:p>
+          <a:p>
+            <a:r>
+              <a:rPr lang="en-US" dirty="0"/>
+              <a:t>Happy path modeling is only 20% of the work, rest is </a:t>
+            </a:r>
+            <a:r>
+              <a:rPr lang="en-US" b="1" dirty="0"/>
+              <a:t>fault management</a:t>
+            </a:r>
+            <a:r>
+              <a:rPr lang="en-US" dirty="0"/>
+              <a:t>; explicitly model error detection and transition to safe states</a:t>
+            </a:r>
+          </a:p>
+          <a:p>
+            <a:r>
+              <a:rPr lang="en-US" dirty="0"/>
+              <a:t>Safe state: predefined state that minimizes risk</a:t>
+            </a:r>
+          </a:p>
+          <a:p>
+            <a:r>
+              <a:rPr lang="en-US" dirty="0"/>
+              <a:t>Fault states: explicit states used to handle specific failures (ex, sensor disconnected)</a:t>
+            </a:r>
+          </a:p>
+          <a:p>
+            <a:r>
+              <a:rPr lang="en-US" dirty="0"/>
+              <a:t>Recovery path: Logic required to move from a fault state to an operational state; </a:t>
+            </a:r>
+            <a:r>
+              <a:rPr lang="en-US" b="1" dirty="0"/>
+              <a:t>must be explicitly modeled</a:t>
+            </a:r>
+            <a:endParaRPr lang="en-US" dirty="0"/>
+          </a:p>
+        </p:txBody>
+      </p:sp>
+      <p:sp>
+        <p:nvSpPr>
+          <p:cNvPr id="4" name="Date Placeholder 3">
+            <a:extLst>
+              <a:ext uri="{FF2B5EF4-FFF2-40B4-BE49-F238E27FC236}">
+                <a16:creationId xmlns:a16="http://schemas.microsoft.com/office/drawing/2014/main" id="{3655BE66-4A42-4280-A95A-127B2D77287A}"/>
+              </a:ext>
+            </a:extLst>
+          </p:cNvPr>
+          <p:cNvSpPr>
+            <a:spLocks noGrp="1"/>
+          </p:cNvSpPr>
+          <p:nvPr>
+            <p:ph type="dt" sz="half" idx="10"/>
+          </p:nvPr>
+        </p:nvSpPr>
+        <p:spPr/>
+        <p:txBody>
+          <a:bodyPr/>
+          <a:lstStyle/>
+          <a:p>
+            <a:pPr>
+              <a:defRPr/>
+            </a:pPr>
+            <a:r>
+              <a:rPr lang="en-US"/>
+              <a:t>21/12/2020</a:t>
+            </a:r>
+          </a:p>
+        </p:txBody>
+      </p:sp>
+      <p:sp>
+        <p:nvSpPr>
+          <p:cNvPr id="5" name="Slide Number Placeholder 4">
+            <a:extLst>
+              <a:ext uri="{FF2B5EF4-FFF2-40B4-BE49-F238E27FC236}">
+                <a16:creationId xmlns:a16="http://schemas.microsoft.com/office/drawing/2014/main" id="{EA9B4FA4-996E-4956-814C-06ED89B388D5}"/>
+              </a:ext>
+            </a:extLst>
+          </p:cNvPr>
+          <p:cNvSpPr>
+            <a:spLocks noGrp="1"/>
+          </p:cNvSpPr>
+          <p:nvPr>
+            <p:ph type="sldNum" sz="quarter" idx="12"/>
+          </p:nvPr>
+        </p:nvSpPr>
+        <p:spPr/>
+        <p:txBody>
+          <a:bodyPr/>
+          <a:lstStyle/>
+          <a:p>
+            <a:pPr>
+              <a:defRPr/>
+            </a:pPr>
+            <a:fld id="{CA887A73-1AE0-46F8-856A-18EA1CF30A1B}" type="slidenum">
+              <a:rPr lang="en-US" altLang="en-US" smtClean="0"/>
+              <a:pPr>
+                <a:defRPr/>
+              </a:pPr>
+              <a:t>31</a:t>
+            </a:fld>
+            <a:endParaRPr lang="en-US" altLang="en-US"/>
+          </a:p>
+        </p:txBody>
+      </p:sp>
+    </p:spTree>
+    <p:extLst>
+      <p:ext uri="{BB962C8B-B14F-4D97-AF65-F5344CB8AC3E}">
+        <p14:creationId xmlns:p14="http://schemas.microsoft.com/office/powerpoint/2010/main" val="3870747060"/>
+      </p:ext>
+    </p:extLst>
+  </p:cSld>
+  <p:clrMapOvr>
+    <a:masterClrMapping/>
+  </p:clrMapOvr>
+  <p:timing>
+    <p:tnLst>
+      <p:par>
+        <p:cTn id="1" dur="indefinite" restart="never" nodeType="tmRoot">
+          <p:childTnLst>
+            <p:seq concurrent="1" nextAc="seek">
+              <p:cTn id="2" dur="indefinite" nodeType="mainSeq">
+                <p:childTnLst>
+                  <p:par>
+                    <p:cTn id="3" fill="hold">
+                      <p:stCondLst>
+                        <p:cond delay="indefinite"/>
+                      </p:stCondLst>
+                      <p:childTnLst>
+                        <p:par>
+                          <p:cTn id="4" fill="hold">
+                            <p:stCondLst>
+                              <p:cond delay="0"/>
+                            </p:stCondLst>
+                            <p:childTnLst>
+                              <p:par>
+                                <p:cTn id="5" presetID="1" presetClass="entr" presetSubtype="0" fill="hold" grpId="0" nodeType="clickEffect">
+                                  <p:stCondLst>
+                                    <p:cond delay="0"/>
+                                  </p:stCondLst>
+                                  <p:childTnLst>
+                                    <p:set>
+                                      <p:cBhvr>
+                                        <p:cTn id="6" dur="1" fill="hold">
+                                          <p:stCondLst>
+                                            <p:cond delay="0"/>
+                                          </p:stCondLst>
+                                        </p:cTn>
+                                        <p:tgtEl>
+                                          <p:spTgt spid="3">
+                                            <p:txEl>
+                                              <p:pRg st="0" end="0"/>
+                                            </p:txEl>
+                                          </p:spTgt>
+                                        </p:tgtEl>
+                                        <p:attrNameLst>
+                                          <p:attrName>style.visibility</p:attrName>
+                                        </p:attrNameLst>
+                                      </p:cBhvr>
+                                      <p:to>
+                                        <p:strVal val="visible"/>
+                                      </p:to>
+                                    </p:set>
+                                  </p:childTnLst>
+                                </p:cTn>
+                              </p:par>
+                            </p:childTnLst>
+                          </p:cTn>
+                        </p:par>
+                      </p:childTnLst>
+                    </p:cTn>
+                  </p:par>
+                  <p:par>
+                    <p:cTn id="7" fill="hold">
+                      <p:stCondLst>
+                        <p:cond delay="indefinite"/>
+                      </p:stCondLst>
+                      <p:childTnLst>
+                        <p:par>
+                          <p:cTn id="8" fill="hold">
+                            <p:stCondLst>
+                              <p:cond delay="0"/>
+                            </p:stCondLst>
+                            <p:childTnLst>
+                              <p:par>
+                                <p:cTn id="9" presetID="1" presetClass="entr" presetSubtype="0" fill="hold" grpId="0" nodeType="clickEffect">
+                                  <p:stCondLst>
+                                    <p:cond delay="0"/>
+                                  </p:stCondLst>
+                                  <p:childTnLst>
+                                    <p:set>
+                                      <p:cBhvr>
+                                        <p:cTn id="10" dur="1" fill="hold">
+                                          <p:stCondLst>
+                                            <p:cond delay="0"/>
+                                          </p:stCondLst>
+                                        </p:cTn>
+                                        <p:tgtEl>
+                                          <p:spTgt spid="3">
+                                            <p:txEl>
+                                              <p:pRg st="1" end="1"/>
+                                            </p:txEl>
+                                          </p:spTgt>
+                                        </p:tgtEl>
+                                        <p:attrNameLst>
+                                          <p:attrName>style.visibility</p:attrName>
+                                        </p:attrNameLst>
+                                      </p:cBhvr>
+                                      <p:to>
+                                        <p:strVal val="visible"/>
+                                      </p:to>
+                                    </p:set>
+                                  </p:childTnLst>
+                                </p:cTn>
+                              </p:par>
+                            </p:childTnLst>
+                          </p:cTn>
+                        </p:par>
+                      </p:childTnLst>
+                    </p:cTn>
+                  </p:par>
+                  <p:par>
+                    <p:cTn id="11" fill="hold">
+                      <p:stCondLst>
+                        <p:cond delay="indefinite"/>
+                      </p:stCondLst>
+                      <p:childTnLst>
+                        <p:par>
+                          <p:cTn id="12" fill="hold">
+                            <p:stCondLst>
+                              <p:cond delay="0"/>
+                            </p:stCondLst>
+                            <p:childTnLst>
+                              <p:par>
+                                <p:cTn id="13" presetID="1" presetClass="entr" presetSubtype="0" fill="hold" grpId="0" nodeType="clickEffect">
+                                  <p:stCondLst>
+                                    <p:cond delay="0"/>
+                                  </p:stCondLst>
+                                  <p:childTnLst>
+                                    <p:set>
+                                      <p:cBhvr>
+                                        <p:cTn id="14" dur="1" fill="hold">
+                                          <p:stCondLst>
+                                            <p:cond delay="0"/>
+                                          </p:stCondLst>
+                                        </p:cTn>
+                                        <p:tgtEl>
+                                          <p:spTgt spid="3">
+                                            <p:txEl>
+                                              <p:pRg st="2" end="2"/>
+                                            </p:txEl>
+                                          </p:spTgt>
+                                        </p:tgtEl>
+                                        <p:attrNameLst>
+                                          <p:attrName>style.visibility</p:attrName>
+                                        </p:attrNameLst>
+                                      </p:cBhvr>
+                                      <p:to>
+                                        <p:strVal val="visible"/>
+                                      </p:to>
+                                    </p:set>
+                                  </p:childTnLst>
+                                </p:cTn>
+                              </p:par>
+                            </p:childTnLst>
+                          </p:cTn>
+                        </p:par>
+                      </p:childTnLst>
+                    </p:cTn>
+                  </p:par>
+                  <p:par>
+                    <p:cTn id="15" fill="hold">
+                      <p:stCondLst>
+                        <p:cond delay="indefinite"/>
+                      </p:stCondLst>
+                      <p:childTnLst>
+                        <p:par>
+                          <p:cTn id="16" fill="hold">
+                            <p:stCondLst>
+                              <p:cond delay="0"/>
+                            </p:stCondLst>
+                            <p:childTnLst>
+                              <p:par>
+                                <p:cTn id="17" presetID="1" presetClass="entr" presetSubtype="0" fill="hold" grpId="0" nodeType="clickEffect">
+                                  <p:stCondLst>
+                                    <p:cond delay="0"/>
+                                  </p:stCondLst>
+                                  <p:childTnLst>
+                                    <p:set>
+                                      <p:cBhvr>
+                                        <p:cTn id="18" dur="1" fill="hold">
+                                          <p:stCondLst>
+                                            <p:cond delay="0"/>
+                                          </p:stCondLst>
+                                        </p:cTn>
+                                        <p:tgtEl>
+                                          <p:spTgt spid="3">
+                                            <p:txEl>
+                                              <p:pRg st="3" end="3"/>
+                                            </p:txEl>
+                                          </p:spTgt>
+                                        </p:tgtEl>
+                                        <p:attrNameLst>
+                                          <p:attrName>style.visibility</p:attrName>
+                                        </p:attrNameLst>
+                                      </p:cBhvr>
+                                      <p:to>
+                                        <p:strVal val="visible"/>
+                                      </p:to>
+                                    </p:set>
+                                  </p:childTnLst>
+                                </p:cTn>
+                              </p:par>
+                            </p:childTnLst>
+                          </p:cTn>
+                        </p:par>
+                      </p:childTnLst>
+                    </p:cTn>
+                  </p:par>
+                  <p:par>
+                    <p:cTn id="19" fill="hold">
+                      <p:stCondLst>
+                        <p:cond delay="indefinite"/>
+                      </p:stCondLst>
+                      <p:childTnLst>
+                        <p:par>
+                          <p:cTn id="20" fill="hold">
+                            <p:stCondLst>
+                              <p:cond delay="0"/>
+                            </p:stCondLst>
+                            <p:childTnLst>
+                              <p:par>
+                                <p:cTn id="21" presetID="1" presetClass="entr" presetSubtype="0" fill="hold" grpId="0" nodeType="clickEffect">
+                                  <p:stCondLst>
+                                    <p:cond delay="0"/>
+                                  </p:stCondLst>
+                                  <p:childTnLst>
+                                    <p:set>
+                                      <p:cBhvr>
+                                        <p:cTn id="22" dur="1" fill="hold">
+                                          <p:stCondLst>
+                                            <p:cond delay="0"/>
+                                          </p:stCondLst>
+                                        </p:cTn>
+                                        <p:tgtEl>
+                                          <p:spTgt spid="3">
+                                            <p:txEl>
+                                              <p:pRg st="4" end="4"/>
+                                            </p:txEl>
+                                          </p:spTgt>
+                                        </p:tgtEl>
+                                        <p:attrNameLst>
+                                          <p:attrName>style.visibility</p:attrName>
+                                        </p:attrNameLst>
+                                      </p:cBhvr>
+                                      <p:to>
+                                        <p:strVal val="visible"/>
+                                      </p:to>
+                                    </p:set>
+                                  </p:childTnLst>
+                                </p:cTn>
+                              </p:par>
+                            </p:childTnLst>
+                          </p:cTn>
+                        </p:par>
+                      </p:childTnLst>
+                    </p:cTn>
+                  </p:par>
+                </p:childTnLst>
+              </p:cTn>
+              <p:prevCondLst>
+                <p:cond evt="onPrev" delay="0">
+                  <p:tgtEl>
+                    <p:sldTgt/>
+                  </p:tgtEl>
+                </p:cond>
+              </p:prevCondLst>
+              <p:nextCondLst>
+                <p:cond evt="onNext" delay="0">
+                  <p:tgtEl>
+                    <p:sldTgt/>
+                  </p:tgtEl>
+                </p:cond>
+              </p:nextCondLst>
+            </p:seq>
+          </p:childTnLst>
+        </p:cTn>
+      </p:par>
+    </p:tnLst>
+    <p:bldLst>
+      <p:bldP spid="3" grpId="0" build="p"/>
+    </p:bldLst>
+  </p:timing>
+</p:sld>
+</file>
+
+<file path=ppt/slides/slide32.xml><?xml version="1.0" encoding="utf-8"?>
+<p:sld xmlns:a="http://schemas.openxmlformats.org/drawingml/2006/main" xmlns:r="http://schemas.openxmlformats.org/officeDocument/2006/relationships" xmlns:p="http://schemas.openxmlformats.org/presentationml/2006/main">
+  <p:cSld>
+    <p:spTree>
+      <p:nvGrpSpPr>
+        <p:cNvPr id="1" name=""/>
+        <p:cNvGrpSpPr/>
+        <p:nvPr/>
+      </p:nvGrpSpPr>
+      <p:grpSpPr>
+        <a:xfrm>
+          <a:off x="0" y="0"/>
+          <a:ext cx="0" cy="0"/>
+          <a:chOff x="0" y="0"/>
+          <a:chExt cx="0" cy="0"/>
+        </a:xfrm>
+      </p:grpSpPr>
+      <p:sp>
+        <p:nvSpPr>
+          <p:cNvPr id="2" name="Title 1">
+            <a:extLst>
+              <a:ext uri="{FF2B5EF4-FFF2-40B4-BE49-F238E27FC236}">
+                <a16:creationId xmlns:a16="http://schemas.microsoft.com/office/drawing/2014/main" id="{4D3D7A10-E38E-4ED5-98F9-2BE5E97B1FC3}"/>
+              </a:ext>
+            </a:extLst>
+          </p:cNvPr>
+          <p:cNvSpPr>
+            <a:spLocks noGrp="1"/>
+          </p:cNvSpPr>
+          <p:nvPr>
+            <p:ph type="title"/>
+          </p:nvPr>
+        </p:nvSpPr>
+        <p:spPr/>
+        <p:txBody>
+          <a:bodyPr/>
+          <a:lstStyle/>
+          <a:p>
+            <a:r>
+              <a:rPr lang="en-US" dirty="0"/>
+              <a:t>Infusion pump safe state, fault state and recovery</a:t>
+            </a:r>
+          </a:p>
+        </p:txBody>
+      </p:sp>
+      <p:sp>
+        <p:nvSpPr>
+          <p:cNvPr id="3" name="Content Placeholder 2">
+            <a:extLst>
+              <a:ext uri="{FF2B5EF4-FFF2-40B4-BE49-F238E27FC236}">
+                <a16:creationId xmlns:a16="http://schemas.microsoft.com/office/drawing/2014/main" id="{19958B65-C753-4211-8AD7-16C1749B2FCB}"/>
+              </a:ext>
+            </a:extLst>
+          </p:cNvPr>
+          <p:cNvSpPr>
+            <a:spLocks noGrp="1"/>
+          </p:cNvSpPr>
+          <p:nvPr>
+            <p:ph idx="1"/>
+          </p:nvPr>
+        </p:nvSpPr>
+        <p:spPr/>
+        <p:txBody>
+          <a:bodyPr>
+            <a:normAutofit lnSpcReduction="10000"/>
+          </a:bodyPr>
+          <a:lstStyle/>
+          <a:p>
+            <a:r>
+              <a:rPr lang="en-US" dirty="0"/>
+              <a:t>Safe state</a:t>
+            </a:r>
+          </a:p>
+          <a:p>
+            <a:pPr lvl="1"/>
+            <a:r>
+              <a:rPr lang="en-US" dirty="0"/>
+              <a:t>Motor stopped</a:t>
+            </a:r>
+          </a:p>
+          <a:p>
+            <a:pPr lvl="1"/>
+            <a:r>
+              <a:rPr lang="en-US" dirty="0"/>
+              <a:t>Alarms active</a:t>
+            </a:r>
+          </a:p>
+          <a:p>
+            <a:pPr lvl="1"/>
+            <a:r>
+              <a:rPr lang="en-US" dirty="0"/>
+              <a:t>No infusion delivered</a:t>
+            </a:r>
+          </a:p>
+          <a:p>
+            <a:r>
+              <a:rPr lang="en-US" dirty="0"/>
+              <a:t>Fault state example</a:t>
+            </a:r>
+          </a:p>
+          <a:p>
+            <a:pPr lvl="1"/>
+            <a:r>
+              <a:rPr lang="en-US" dirty="0"/>
+              <a:t>Event: temperature crosses threshold</a:t>
+            </a:r>
+          </a:p>
+          <a:p>
+            <a:pPr lvl="1"/>
+            <a:r>
+              <a:rPr lang="en-US" dirty="0"/>
+              <a:t>Transition: over-temperature state</a:t>
+            </a:r>
+          </a:p>
+          <a:p>
+            <a:pPr lvl="1"/>
+            <a:r>
+              <a:rPr lang="en-US" dirty="0"/>
+              <a:t>Entry action: stop pump, sound buzzer</a:t>
+            </a:r>
+          </a:p>
+          <a:p>
+            <a:pPr lvl="1"/>
+            <a:r>
+              <a:rPr lang="en-US" dirty="0"/>
+              <a:t>Recovery: transition back to ‘infusing’ or ‘idle’ (design choice) when temperature back to normal</a:t>
+            </a:r>
+          </a:p>
+        </p:txBody>
+      </p:sp>
+      <p:sp>
+        <p:nvSpPr>
+          <p:cNvPr id="4" name="Date Placeholder 3">
+            <a:extLst>
+              <a:ext uri="{FF2B5EF4-FFF2-40B4-BE49-F238E27FC236}">
+                <a16:creationId xmlns:a16="http://schemas.microsoft.com/office/drawing/2014/main" id="{2DD9ABEB-AF92-4D0E-BDEB-E73C69CC0EDF}"/>
+              </a:ext>
+            </a:extLst>
+          </p:cNvPr>
+          <p:cNvSpPr>
+            <a:spLocks noGrp="1"/>
+          </p:cNvSpPr>
+          <p:nvPr>
+            <p:ph type="dt" sz="half" idx="10"/>
+          </p:nvPr>
+        </p:nvSpPr>
+        <p:spPr/>
+        <p:txBody>
+          <a:bodyPr/>
+          <a:lstStyle/>
+          <a:p>
+            <a:pPr>
+              <a:defRPr/>
+            </a:pPr>
+            <a:r>
+              <a:rPr lang="en-US"/>
+              <a:t>21/12/2020</a:t>
+            </a:r>
+          </a:p>
+        </p:txBody>
+      </p:sp>
+      <p:sp>
+        <p:nvSpPr>
+          <p:cNvPr id="5" name="Slide Number Placeholder 4">
+            <a:extLst>
+              <a:ext uri="{FF2B5EF4-FFF2-40B4-BE49-F238E27FC236}">
+                <a16:creationId xmlns:a16="http://schemas.microsoft.com/office/drawing/2014/main" id="{434A1845-FCB8-453C-9041-194E926918E4}"/>
+              </a:ext>
+            </a:extLst>
+          </p:cNvPr>
+          <p:cNvSpPr>
+            <a:spLocks noGrp="1"/>
+          </p:cNvSpPr>
+          <p:nvPr>
+            <p:ph type="sldNum" sz="quarter" idx="12"/>
+          </p:nvPr>
+        </p:nvSpPr>
+        <p:spPr/>
+        <p:txBody>
+          <a:bodyPr/>
+          <a:lstStyle/>
+          <a:p>
+            <a:pPr>
+              <a:defRPr/>
+            </a:pPr>
+            <a:fld id="{CA887A73-1AE0-46F8-856A-18EA1CF30A1B}" type="slidenum">
+              <a:rPr lang="en-US" altLang="en-US" smtClean="0"/>
+              <a:pPr>
+                <a:defRPr/>
+              </a:pPr>
+              <a:t>32</a:t>
+            </a:fld>
+            <a:endParaRPr lang="en-US" altLang="en-US"/>
+          </a:p>
+        </p:txBody>
+      </p:sp>
+    </p:spTree>
+    <p:extLst>
+      <p:ext uri="{BB962C8B-B14F-4D97-AF65-F5344CB8AC3E}">
+        <p14:creationId xmlns:p14="http://schemas.microsoft.com/office/powerpoint/2010/main" val="3201122128"/>
+      </p:ext>
+    </p:extLst>
+  </p:cSld>
+  <p:clrMapOvr>
+    <a:masterClrMapping/>
+  </p:clrMapOvr>
+  <p:timing>
+    <p:tnLst>
+      <p:par>
+        <p:cTn id="1" dur="indefinite" restart="never" nodeType="tmRoot">
+          <p:childTnLst>
+            <p:seq concurrent="1" nextAc="seek">
+              <p:cTn id="2" dur="indefinite" nodeType="mainSeq">
+                <p:childTnLst>
+                  <p:par>
+                    <p:cTn id="3" fill="hold">
+                      <p:stCondLst>
+                        <p:cond delay="indefinite"/>
+                      </p:stCondLst>
+                      <p:childTnLst>
+                        <p:par>
+                          <p:cTn id="4" fill="hold">
+                            <p:stCondLst>
+                              <p:cond delay="0"/>
+                            </p:stCondLst>
+                            <p:childTnLst>
+                              <p:par>
+                                <p:cTn id="5" presetID="1" presetClass="entr" presetSubtype="0" fill="hold" grpId="0" nodeType="clickEffect">
+                                  <p:stCondLst>
+                                    <p:cond delay="0"/>
+                                  </p:stCondLst>
+                                  <p:childTnLst>
+                                    <p:set>
+                                      <p:cBhvr>
+                                        <p:cTn id="6" dur="1" fill="hold">
+                                          <p:stCondLst>
+                                            <p:cond delay="0"/>
+                                          </p:stCondLst>
+                                        </p:cTn>
+                                        <p:tgtEl>
+                                          <p:spTgt spid="3">
+                                            <p:txEl>
+                                              <p:pRg st="0" end="0"/>
+                                            </p:txEl>
+                                          </p:spTgt>
+                                        </p:tgtEl>
+                                        <p:attrNameLst>
+                                          <p:attrName>style.visibility</p:attrName>
+                                        </p:attrNameLst>
+                                      </p:cBhvr>
+                                      <p:to>
+                                        <p:strVal val="visible"/>
+                                      </p:to>
+                                    </p:set>
+                                  </p:childTnLst>
+                                </p:cTn>
+                              </p:par>
+                            </p:childTnLst>
+                          </p:cTn>
+                        </p:par>
+                      </p:childTnLst>
+                    </p:cTn>
+                  </p:par>
+                  <p:par>
+                    <p:cTn id="7" fill="hold">
+                      <p:stCondLst>
+                        <p:cond delay="indefinite"/>
+                      </p:stCondLst>
+                      <p:childTnLst>
+                        <p:par>
+                          <p:cTn id="8" fill="hold">
+                            <p:stCondLst>
+                              <p:cond delay="0"/>
+                            </p:stCondLst>
+                            <p:childTnLst>
+                              <p:par>
+                                <p:cTn id="9" presetID="1" presetClass="entr" presetSubtype="0" fill="hold" grpId="0" nodeType="clickEffect">
+                                  <p:stCondLst>
+                                    <p:cond delay="0"/>
+                                  </p:stCondLst>
+                                  <p:childTnLst>
+                                    <p:set>
+                                      <p:cBhvr>
+                                        <p:cTn id="10" dur="1" fill="hold">
+                                          <p:stCondLst>
+                                            <p:cond delay="0"/>
+                                          </p:stCondLst>
+                                        </p:cTn>
+                                        <p:tgtEl>
+                                          <p:spTgt spid="3">
+                                            <p:txEl>
+                                              <p:pRg st="1" end="1"/>
+                                            </p:txEl>
+                                          </p:spTgt>
+                                        </p:tgtEl>
+                                        <p:attrNameLst>
+                                          <p:attrName>style.visibility</p:attrName>
+                                        </p:attrNameLst>
+                                      </p:cBhvr>
+                                      <p:to>
+                                        <p:strVal val="visible"/>
+                                      </p:to>
+                                    </p:set>
+                                  </p:childTnLst>
+                                </p:cTn>
+                              </p:par>
+                            </p:childTnLst>
+                          </p:cTn>
+                        </p:par>
+                      </p:childTnLst>
+                    </p:cTn>
+                  </p:par>
+                  <p:par>
+                    <p:cTn id="11" fill="hold">
+                      <p:stCondLst>
+                        <p:cond delay="indefinite"/>
+                      </p:stCondLst>
+                      <p:childTnLst>
+                        <p:par>
+                          <p:cTn id="12" fill="hold">
+                            <p:stCondLst>
+                              <p:cond delay="0"/>
+                            </p:stCondLst>
+                            <p:childTnLst>
+                              <p:par>
+                                <p:cTn id="13" presetID="1" presetClass="entr" presetSubtype="0" fill="hold" grpId="0" nodeType="clickEffect">
+                                  <p:stCondLst>
+                                    <p:cond delay="0"/>
+                                  </p:stCondLst>
+                                  <p:childTnLst>
+                                    <p:set>
+                                      <p:cBhvr>
+                                        <p:cTn id="14" dur="1" fill="hold">
+                                          <p:stCondLst>
+                                            <p:cond delay="0"/>
+                                          </p:stCondLst>
+                                        </p:cTn>
+                                        <p:tgtEl>
+                                          <p:spTgt spid="3">
+                                            <p:txEl>
+                                              <p:pRg st="2" end="2"/>
+                                            </p:txEl>
+                                          </p:spTgt>
+                                        </p:tgtEl>
+                                        <p:attrNameLst>
+                                          <p:attrName>style.visibility</p:attrName>
+                                        </p:attrNameLst>
+                                      </p:cBhvr>
+                                      <p:to>
+                                        <p:strVal val="visible"/>
+                                      </p:to>
+                                    </p:set>
+                                  </p:childTnLst>
+                                </p:cTn>
+                              </p:par>
+                            </p:childTnLst>
+                          </p:cTn>
+                        </p:par>
+                      </p:childTnLst>
+                    </p:cTn>
+                  </p:par>
+                  <p:par>
+                    <p:cTn id="15" fill="hold">
+                      <p:stCondLst>
+                        <p:cond delay="indefinite"/>
+                      </p:stCondLst>
+                      <p:childTnLst>
+                        <p:par>
+                          <p:cTn id="16" fill="hold">
+                            <p:stCondLst>
+                              <p:cond delay="0"/>
+                            </p:stCondLst>
+                            <p:childTnLst>
+                              <p:par>
+                                <p:cTn id="17" presetID="1" presetClass="entr" presetSubtype="0" fill="hold" grpId="0" nodeType="clickEffect">
+                                  <p:stCondLst>
+                                    <p:cond delay="0"/>
+                                  </p:stCondLst>
+                                  <p:childTnLst>
+                                    <p:set>
+                                      <p:cBhvr>
+                                        <p:cTn id="18" dur="1" fill="hold">
+                                          <p:stCondLst>
+                                            <p:cond delay="0"/>
+                                          </p:stCondLst>
+                                        </p:cTn>
+                                        <p:tgtEl>
+                                          <p:spTgt spid="3">
+                                            <p:txEl>
+                                              <p:pRg st="3" end="3"/>
+                                            </p:txEl>
+                                          </p:spTgt>
+                                        </p:tgtEl>
+                                        <p:attrNameLst>
+                                          <p:attrName>style.visibility</p:attrName>
+                                        </p:attrNameLst>
+                                      </p:cBhvr>
+                                      <p:to>
+                                        <p:strVal val="visible"/>
+                                      </p:to>
+                                    </p:set>
+                                  </p:childTnLst>
+                                </p:cTn>
+                              </p:par>
+                            </p:childTnLst>
+                          </p:cTn>
+                        </p:par>
+                      </p:childTnLst>
+                    </p:cTn>
+                  </p:par>
+                  <p:par>
+                    <p:cTn id="19" fill="hold">
+                      <p:stCondLst>
+                        <p:cond delay="indefinite"/>
+                      </p:stCondLst>
+                      <p:childTnLst>
+                        <p:par>
+                          <p:cTn id="20" fill="hold">
+                            <p:stCondLst>
+                              <p:cond delay="0"/>
+                            </p:stCondLst>
+                            <p:childTnLst>
+                              <p:par>
+                                <p:cTn id="21" presetID="1" presetClass="entr" presetSubtype="0" fill="hold" grpId="0" nodeType="clickEffect">
+                                  <p:stCondLst>
+                                    <p:cond delay="0"/>
+                                  </p:stCondLst>
+                                  <p:childTnLst>
+                                    <p:set>
+                                      <p:cBhvr>
+                                        <p:cTn id="22" dur="1" fill="hold">
+                                          <p:stCondLst>
+                                            <p:cond delay="0"/>
+                                          </p:stCondLst>
+                                        </p:cTn>
+                                        <p:tgtEl>
+                                          <p:spTgt spid="3">
+                                            <p:txEl>
+                                              <p:pRg st="4" end="4"/>
+                                            </p:txEl>
+                                          </p:spTgt>
+                                        </p:tgtEl>
+                                        <p:attrNameLst>
+                                          <p:attrName>style.visibility</p:attrName>
+                                        </p:attrNameLst>
+                                      </p:cBhvr>
+                                      <p:to>
+                                        <p:strVal val="visible"/>
+                                      </p:to>
+                                    </p:set>
+                                  </p:childTnLst>
+                                </p:cTn>
+                              </p:par>
+                            </p:childTnLst>
+                          </p:cTn>
+                        </p:par>
+                      </p:childTnLst>
+                    </p:cTn>
+                  </p:par>
+                  <p:par>
+                    <p:cTn id="23" fill="hold">
+                      <p:stCondLst>
+                        <p:cond delay="indefinite"/>
+                      </p:stCondLst>
+                      <p:childTnLst>
+                        <p:par>
+                          <p:cTn id="24" fill="hold">
+                            <p:stCondLst>
+                              <p:cond delay="0"/>
+                            </p:stCondLst>
+                            <p:childTnLst>
+                              <p:par>
+                                <p:cTn id="25" presetID="1" presetClass="entr" presetSubtype="0" fill="hold" grpId="0" nodeType="clickEffect">
+                                  <p:stCondLst>
+                                    <p:cond delay="0"/>
+                                  </p:stCondLst>
+                                  <p:childTnLst>
+                                    <p:set>
+                                      <p:cBhvr>
+                                        <p:cTn id="26" dur="1" fill="hold">
+                                          <p:stCondLst>
+                                            <p:cond delay="0"/>
+                                          </p:stCondLst>
+                                        </p:cTn>
+                                        <p:tgtEl>
+                                          <p:spTgt spid="3">
+                                            <p:txEl>
+                                              <p:pRg st="5" end="5"/>
+                                            </p:txEl>
+                                          </p:spTgt>
+                                        </p:tgtEl>
+                                        <p:attrNameLst>
+                                          <p:attrName>style.visibility</p:attrName>
+                                        </p:attrNameLst>
+                                      </p:cBhvr>
+                                      <p:to>
+                                        <p:strVal val="visible"/>
+                                      </p:to>
+                                    </p:set>
+                                  </p:childTnLst>
+                                </p:cTn>
+                              </p:par>
+                            </p:childTnLst>
+                          </p:cTn>
+                        </p:par>
+                      </p:childTnLst>
+                    </p:cTn>
+                  </p:par>
+                  <p:par>
+                    <p:cTn id="27" fill="hold">
+                      <p:stCondLst>
+                        <p:cond delay="indefinite"/>
+                      </p:stCondLst>
+                      <p:childTnLst>
+                        <p:par>
+                          <p:cTn id="28" fill="hold">
+                            <p:stCondLst>
+                              <p:cond delay="0"/>
+                            </p:stCondLst>
+                            <p:childTnLst>
+                              <p:par>
+                                <p:cTn id="29" presetID="1" presetClass="entr" presetSubtype="0" fill="hold" grpId="0" nodeType="clickEffect">
+                                  <p:stCondLst>
+                                    <p:cond delay="0"/>
+                                  </p:stCondLst>
+                                  <p:childTnLst>
+                                    <p:set>
+                                      <p:cBhvr>
+                                        <p:cTn id="30" dur="1" fill="hold">
+                                          <p:stCondLst>
+                                            <p:cond delay="0"/>
+                                          </p:stCondLst>
+                                        </p:cTn>
+                                        <p:tgtEl>
+                                          <p:spTgt spid="3">
+                                            <p:txEl>
+                                              <p:pRg st="6" end="6"/>
+                                            </p:txEl>
+                                          </p:spTgt>
+                                        </p:tgtEl>
+                                        <p:attrNameLst>
+                                          <p:attrName>style.visibility</p:attrName>
+                                        </p:attrNameLst>
+                                      </p:cBhvr>
+                                      <p:to>
+                                        <p:strVal val="visible"/>
+                                      </p:to>
+                                    </p:set>
+                                  </p:childTnLst>
+                                </p:cTn>
+                              </p:par>
+                            </p:childTnLst>
+                          </p:cTn>
+                        </p:par>
+                      </p:childTnLst>
+                    </p:cTn>
+                  </p:par>
+                  <p:par>
+                    <p:cTn id="31" fill="hold">
+                      <p:stCondLst>
+                        <p:cond delay="indefinite"/>
+                      </p:stCondLst>
+                      <p:childTnLst>
+                        <p:par>
+                          <p:cTn id="32" fill="hold">
+                            <p:stCondLst>
+                              <p:cond delay="0"/>
+                            </p:stCondLst>
+                            <p:childTnLst>
+                              <p:par>
+                                <p:cTn id="33" presetID="1" presetClass="entr" presetSubtype="0" fill="hold" grpId="0" nodeType="clickEffect">
+                                  <p:stCondLst>
+                                    <p:cond delay="0"/>
+                                  </p:stCondLst>
+                                  <p:childTnLst>
+                                    <p:set>
+                                      <p:cBhvr>
+                                        <p:cTn id="34" dur="1" fill="hold">
+                                          <p:stCondLst>
+                                            <p:cond delay="0"/>
+                                          </p:stCondLst>
+                                        </p:cTn>
+                                        <p:tgtEl>
+                                          <p:spTgt spid="3">
+                                            <p:txEl>
+                                              <p:pRg st="7" end="7"/>
+                                            </p:txEl>
+                                          </p:spTgt>
+                                        </p:tgtEl>
+                                        <p:attrNameLst>
+                                          <p:attrName>style.visibility</p:attrName>
+                                        </p:attrNameLst>
+                                      </p:cBhvr>
+                                      <p:to>
+                                        <p:strVal val="visible"/>
+                                      </p:to>
+                                    </p:set>
+                                  </p:childTnLst>
+                                </p:cTn>
+                              </p:par>
+                            </p:childTnLst>
+                          </p:cTn>
+                        </p:par>
+                      </p:childTnLst>
+                    </p:cTn>
+                  </p:par>
+                  <p:par>
+                    <p:cTn id="35" fill="hold">
+                      <p:stCondLst>
+                        <p:cond delay="indefinite"/>
+                      </p:stCondLst>
+                      <p:childTnLst>
+                        <p:par>
+                          <p:cTn id="36" fill="hold">
+                            <p:stCondLst>
+                              <p:cond delay="0"/>
+                            </p:stCondLst>
+                            <p:childTnLst>
+                              <p:par>
+                                <p:cTn id="37" presetID="1" presetClass="entr" presetSubtype="0" fill="hold" grpId="0" nodeType="clickEffect">
+                                  <p:stCondLst>
+                                    <p:cond delay="0"/>
+                                  </p:stCondLst>
+                                  <p:childTnLst>
+                                    <p:set>
+                                      <p:cBhvr>
+                                        <p:cTn id="38" dur="1" fill="hold">
+                                          <p:stCondLst>
+                                            <p:cond delay="0"/>
+                                          </p:stCondLst>
+                                        </p:cTn>
+                                        <p:tgtEl>
+                                          <p:spTgt spid="3">
+                                            <p:txEl>
+                                              <p:pRg st="8" end="8"/>
+                                            </p:txEl>
+                                          </p:spTgt>
+                                        </p:tgtEl>
+                                        <p:attrNameLst>
+                                          <p:attrName>style.visibility</p:attrName>
+                                        </p:attrNameLst>
+                                      </p:cBhvr>
+                                      <p:to>
+                                        <p:strVal val="visible"/>
+                                      </p:to>
+                                    </p:set>
+                                  </p:childTnLst>
+                                </p:cTn>
+                              </p:par>
+                            </p:childTnLst>
+                          </p:cTn>
+                        </p:par>
+                      </p:childTnLst>
+                    </p:cTn>
+                  </p:par>
+                </p:childTnLst>
+              </p:cTn>
+              <p:prevCondLst>
+                <p:cond evt="onPrev" delay="0">
+                  <p:tgtEl>
+                    <p:sldTgt/>
+                  </p:tgtEl>
+                </p:cond>
+              </p:prevCondLst>
+              <p:nextCondLst>
+                <p:cond evt="onNext" delay="0">
+                  <p:tgtEl>
+                    <p:sldTgt/>
+                  </p:tgtEl>
+                </p:cond>
+              </p:nextCondLst>
+            </p:seq>
+          </p:childTnLst>
+        </p:cTn>
+      </p:par>
+    </p:tnLst>
+    <p:bldLst>
+      <p:bldP spid="3" grpId="0" build="p"/>
+    </p:bldLst>
+  </p:timing>
+</p:sld>
+</file>
+
+<file path=ppt/slides/slide33.xml><?xml version="1.0" encoding="utf-8"?>
+<p:sld xmlns:a="http://schemas.openxmlformats.org/drawingml/2006/main" xmlns:r="http://schemas.openxmlformats.org/officeDocument/2006/relationships" xmlns:p="http://schemas.openxmlformats.org/presentationml/2006/main">
+  <p:cSld>
+    <p:spTree>
+      <p:nvGrpSpPr>
+        <p:cNvPr id="1" name=""/>
+        <p:cNvGrpSpPr/>
+        <p:nvPr/>
+      </p:nvGrpSpPr>
+      <p:grpSpPr>
+        <a:xfrm>
+          <a:off x="0" y="0"/>
+          <a:ext cx="0" cy="0"/>
+          <a:chOff x="0" y="0"/>
+          <a:chExt cx="0" cy="0"/>
+        </a:xfrm>
+      </p:grpSpPr>
+      <p:sp>
+        <p:nvSpPr>
+          <p:cNvPr id="2" name="Title 1">
+            <a:extLst>
+              <a:ext uri="{FF2B5EF4-FFF2-40B4-BE49-F238E27FC236}">
+                <a16:creationId xmlns:a16="http://schemas.microsoft.com/office/drawing/2014/main" id="{485F6BED-B7F3-45D4-B281-5BC2983C2FBF}"/>
+              </a:ext>
+            </a:extLst>
+          </p:cNvPr>
+          <p:cNvSpPr>
+            <a:spLocks noGrp="1"/>
+          </p:cNvSpPr>
+          <p:nvPr>
+            <p:ph type="title"/>
+          </p:nvPr>
+        </p:nvSpPr>
+        <p:spPr/>
+        <p:txBody>
+          <a:bodyPr/>
+          <a:lstStyle/>
+          <a:p>
+            <a:r>
+              <a:rPr lang="en-US" dirty="0"/>
+              <a:t>Infusion pump </a:t>
+            </a:r>
+            <a:r>
+              <a:rPr lang="en-US" dirty="0" err="1"/>
+              <a:t>statechart</a:t>
+            </a:r>
+            <a:endParaRPr lang="en-US" dirty="0"/>
+          </a:p>
+        </p:txBody>
+      </p:sp>
+      <p:sp>
+        <p:nvSpPr>
+          <p:cNvPr id="4" name="Date Placeholder 3">
+            <a:extLst>
+              <a:ext uri="{FF2B5EF4-FFF2-40B4-BE49-F238E27FC236}">
+                <a16:creationId xmlns:a16="http://schemas.microsoft.com/office/drawing/2014/main" id="{4BBA269F-4284-4ED4-85D9-9DA8073B1C45}"/>
+              </a:ext>
+            </a:extLst>
+          </p:cNvPr>
+          <p:cNvSpPr>
+            <a:spLocks noGrp="1"/>
+          </p:cNvSpPr>
+          <p:nvPr>
+            <p:ph type="dt" sz="half" idx="10"/>
+          </p:nvPr>
+        </p:nvSpPr>
+        <p:spPr/>
+        <p:txBody>
+          <a:bodyPr/>
+          <a:lstStyle/>
+          <a:p>
+            <a:pPr>
+              <a:defRPr/>
+            </a:pPr>
+            <a:r>
+              <a:rPr lang="en-US"/>
+              <a:t>21/12/2020</a:t>
+            </a:r>
+          </a:p>
+        </p:txBody>
+      </p:sp>
+      <p:sp>
+        <p:nvSpPr>
+          <p:cNvPr id="5" name="Slide Number Placeholder 4">
+            <a:extLst>
+              <a:ext uri="{FF2B5EF4-FFF2-40B4-BE49-F238E27FC236}">
+                <a16:creationId xmlns:a16="http://schemas.microsoft.com/office/drawing/2014/main" id="{3D11F20D-6AB6-4B00-B3CD-42250D238E8D}"/>
+              </a:ext>
+            </a:extLst>
+          </p:cNvPr>
+          <p:cNvSpPr>
+            <a:spLocks noGrp="1"/>
+          </p:cNvSpPr>
+          <p:nvPr>
+            <p:ph type="sldNum" sz="quarter" idx="12"/>
+          </p:nvPr>
+        </p:nvSpPr>
+        <p:spPr/>
+        <p:txBody>
+          <a:bodyPr/>
+          <a:lstStyle/>
+          <a:p>
+            <a:pPr>
+              <a:defRPr/>
+            </a:pPr>
+            <a:fld id="{CA887A73-1AE0-46F8-856A-18EA1CF30A1B}" type="slidenum">
+              <a:rPr lang="en-US" altLang="en-US" smtClean="0"/>
+              <a:pPr>
+                <a:defRPr/>
+              </a:pPr>
+              <a:t>33</a:t>
+            </a:fld>
+            <a:endParaRPr lang="en-US" altLang="en-US"/>
+          </a:p>
+        </p:txBody>
+      </p:sp>
+      <p:pic>
+        <p:nvPicPr>
+          <p:cNvPr id="10" name="Content Placeholder 9">
+            <a:extLst>
+              <a:ext uri="{FF2B5EF4-FFF2-40B4-BE49-F238E27FC236}">
+                <a16:creationId xmlns:a16="http://schemas.microsoft.com/office/drawing/2014/main" id="{4F718996-CA58-4AFF-A9D2-ADCA370F8251}"/>
+              </a:ext>
+            </a:extLst>
+          </p:cNvPr>
+          <p:cNvPicPr>
+            <a:picLocks noGrp="1" noChangeAspect="1"/>
+          </p:cNvPicPr>
+          <p:nvPr>
+            <p:ph idx="1"/>
+          </p:nvPr>
+        </p:nvPicPr>
+        <p:blipFill>
+          <a:blip r:embed="rId2">
+            <a:extLst>
+              <a:ext uri="{28A0092B-C50C-407E-A947-70E740481C1C}">
+                <a14:useLocalDpi xmlns:a14="http://schemas.microsoft.com/office/drawing/2010/main" val="0"/>
+              </a:ext>
+            </a:extLst>
+          </a:blip>
+          <a:stretch>
+            <a:fillRect/>
+          </a:stretch>
+        </p:blipFill>
+        <p:spPr>
+          <a:xfrm>
+            <a:off x="1144074" y="1446213"/>
+            <a:ext cx="6855852" cy="5014912"/>
+          </a:xfrm>
+        </p:spPr>
+      </p:pic>
+    </p:spTree>
+    <p:extLst>
+      <p:ext uri="{BB962C8B-B14F-4D97-AF65-F5344CB8AC3E}">
+        <p14:creationId xmlns:p14="http://schemas.microsoft.com/office/powerpoint/2010/main" val="449494999"/>
+      </p:ext>
+    </p:extLst>
+  </p:cSld>
+  <p:clrMapOvr>
+    <a:masterClrMapping/>
+  </p:clrMapOvr>
 </p:sld>
 </file>
 
@@ -13021,13 +20049,13 @@
           <a:p>
             <a:r>
               <a:rPr lang="en-US" sz="2400" dirty="0"/>
+              <a:t>Which is most accurate?</a:t>
+            </a:r>
+          </a:p>
+          <a:p>
+            <a:r>
+              <a:rPr lang="en-US" sz="2400" dirty="0"/>
               <a:t>Which of these is most useful?</a:t>
-            </a:r>
-          </a:p>
-          <a:p>
-            <a:r>
-              <a:rPr lang="en-US" sz="2400" dirty="0"/>
-              <a:t>Which is most accurate?</a:t>
             </a:r>
           </a:p>
           <a:p>
@@ -13167,7 +20195,7 @@
         </p:blipFill>
         <p:spPr bwMode="auto">
           <a:xfrm>
-            <a:off x="3398975" y="4484536"/>
+            <a:off x="5103478" y="3607820"/>
             <a:ext cx="1976587" cy="1976587"/>
           </a:xfrm>
           <a:prstGeom prst="rect">
@@ -13261,7 +20289,7 @@
         </p:blipFill>
         <p:spPr bwMode="auto">
           <a:xfrm>
-            <a:off x="5176630" y="3906084"/>
+            <a:off x="3638713" y="4879314"/>
             <a:ext cx="1656289" cy="1656289"/>
           </a:xfrm>
           <a:prstGeom prst="rect">
@@ -13656,7 +20684,7 @@
                                           </p:stCondLst>
                                         </p:cTn>
                                         <p:tgtEl>
-                                          <p:spTgt spid="7"/>
+                                          <p:spTgt spid="9"/>
                                         </p:tgtEl>
                                         <p:attrNameLst>
                                           <p:attrName>style.visibility</p:attrName>
@@ -13701,7 +20729,7 @@
                                           </p:stCondLst>
                                         </p:cTn>
                                         <p:tgtEl>
-                                          <p:spTgt spid="9"/>
+                                          <p:spTgt spid="7"/>
                                         </p:tgtEl>
                                         <p:attrNameLst>
                                           <p:attrName>style.visibility</p:attrName>
